--- a/blogpage/content/posts/Android/音视频/培训/音视频原理简介.pptx
+++ b/blogpage/content/posts/Android/音视频/培训/音视频原理简介.pptx
@@ -11,16 +11,26 @@
     <p:sldId id="256" r:id="rId3"/>
     <p:sldId id="259" r:id="rId5"/>
     <p:sldId id="257" r:id="rId6"/>
-    <p:sldId id="277" r:id="rId7"/>
-    <p:sldId id="278" r:id="rId8"/>
-    <p:sldId id="279" r:id="rId9"/>
-    <p:sldId id="275" r:id="rId10"/>
-    <p:sldId id="261" r:id="rId11"/>
+    <p:sldId id="282" r:id="rId7"/>
+    <p:sldId id="283" r:id="rId8"/>
+    <p:sldId id="291" r:id="rId9"/>
+    <p:sldId id="284" r:id="rId10"/>
+    <p:sldId id="285" r:id="rId11"/>
+    <p:sldId id="277" r:id="rId12"/>
+    <p:sldId id="286" r:id="rId13"/>
+    <p:sldId id="287" r:id="rId14"/>
+    <p:sldId id="288" r:id="rId15"/>
+    <p:sldId id="278" r:id="rId16"/>
+    <p:sldId id="289" r:id="rId17"/>
+    <p:sldId id="279" r:id="rId18"/>
+    <p:sldId id="275" r:id="rId19"/>
+    <p:sldId id="290" r:id="rId20"/>
+    <p:sldId id="261" r:id="rId21"/>
   </p:sldIdLst>
   <p:sldSz cx="12192000" cy="6858000"/>
   <p:notesSz cx="7103745" cy="10234295"/>
   <p:custDataLst>
-    <p:tags r:id="rId15"/>
+    <p:tags r:id="rId25"/>
   </p:custDataLst>
   <p:defaultTextStyle>
     <a:defPPr>
@@ -690,9 +700,9 @@
                     <a:alpha val="50000"/>
                   </a:schemeClr>
                 </a:solidFill>
-                <a:latin typeface="Arial" panose="020B0604020202020204" pitchFamily="34" charset="0"/>
+                <a:latin typeface="Arial" panose="020B0604020202090204" pitchFamily="34" charset="0"/>
                 <a:ea typeface="字魂58号-创中黑" panose="00000500000000000000" charset="-122"/>
-                <a:cs typeface="Arial" panose="020B0604020202020204" pitchFamily="34" charset="0"/>
+                <a:cs typeface="Arial" panose="020B0604020202090204" pitchFamily="34" charset="0"/>
                 <a:sym typeface="+mn-lt"/>
               </a:rPr>
               <a:t>SHUPIAN</a:t>
@@ -703,9 +713,9 @@
                   <a:alpha val="50000"/>
                 </a:schemeClr>
               </a:solidFill>
-              <a:latin typeface="Arial" panose="020B0604020202020204" pitchFamily="34" charset="0"/>
+              <a:latin typeface="Arial" panose="020B0604020202090204" pitchFamily="34" charset="0"/>
               <a:ea typeface="字魂58号-创中黑" panose="00000500000000000000" charset="-122"/>
-              <a:cs typeface="Arial" panose="020B0604020202020204" pitchFamily="34" charset="0"/>
+              <a:cs typeface="Arial" panose="020B0604020202090204" pitchFamily="34" charset="0"/>
               <a:sym typeface="+mn-lt"/>
             </a:endParaRPr>
           </a:p>
@@ -728,9 +738,9 @@
                     <a:alpha val="50000"/>
                   </a:schemeClr>
                 </a:solidFill>
-                <a:latin typeface="Arial" panose="020B0604020202020204" pitchFamily="34" charset="0"/>
+                <a:latin typeface="Arial" panose="020B0604020202090204" pitchFamily="34" charset="0"/>
                 <a:ea typeface="字魂58号-创中黑" panose="00000500000000000000" charset="-122"/>
-                <a:cs typeface="Arial" panose="020B0604020202020204" pitchFamily="34" charset="0"/>
+                <a:cs typeface="Arial" panose="020B0604020202090204" pitchFamily="34" charset="0"/>
                 <a:sym typeface="+mn-lt"/>
               </a:rPr>
               <a:t>Copyright Shupian&amp;Dgg All Rights Reserved</a:t>
@@ -741,9 +751,9 @@
                   <a:alpha val="50000"/>
                 </a:schemeClr>
               </a:solidFill>
-              <a:latin typeface="Arial" panose="020B0604020202020204" pitchFamily="34" charset="0"/>
+              <a:latin typeface="Arial" panose="020B0604020202090204" pitchFamily="34" charset="0"/>
               <a:ea typeface="字魂58号-创中黑" panose="00000500000000000000" charset="-122"/>
-              <a:cs typeface="Arial" panose="020B0604020202020204" pitchFamily="34" charset="0"/>
+              <a:cs typeface="Arial" panose="020B0604020202090204" pitchFamily="34" charset="0"/>
               <a:sym typeface="+mn-lt"/>
             </a:endParaRPr>
           </a:p>
@@ -1413,9 +1423,9 @@
                       <a:alpha val="50000"/>
                     </a:schemeClr>
                   </a:solidFill>
-                  <a:latin typeface="Arial" panose="020B0604020202020204" pitchFamily="34" charset="0"/>
+                  <a:latin typeface="Arial" panose="020B0604020202090204" pitchFamily="34" charset="0"/>
                   <a:ea typeface="字魂58号-创中黑" panose="00000500000000000000" charset="-122"/>
-                  <a:cs typeface="Arial" panose="020B0604020202020204" pitchFamily="34" charset="0"/>
+                  <a:cs typeface="Arial" panose="020B0604020202090204" pitchFamily="34" charset="0"/>
                   <a:sym typeface="+mn-lt"/>
                 </a:rPr>
                 <a:t>SHUPIAN</a:t>
@@ -1428,9 +1438,9 @@
                     <a:alpha val="50000"/>
                   </a:schemeClr>
                 </a:solidFill>
-                <a:latin typeface="Arial" panose="020B0604020202020204" pitchFamily="34" charset="0"/>
+                <a:latin typeface="Arial" panose="020B0604020202090204" pitchFamily="34" charset="0"/>
                 <a:ea typeface="字魂58号-创中黑" panose="00000500000000000000" charset="-122"/>
-                <a:cs typeface="Arial" panose="020B0604020202020204" pitchFamily="34" charset="0"/>
+                <a:cs typeface="Arial" panose="020B0604020202090204" pitchFamily="34" charset="0"/>
                 <a:sym typeface="+mn-lt"/>
               </a:endParaRPr>
             </a:p>
@@ -1455,9 +1465,9 @@
                       <a:alpha val="50000"/>
                     </a:schemeClr>
                   </a:solidFill>
-                  <a:latin typeface="Arial" panose="020B0604020202020204" pitchFamily="34" charset="0"/>
+                  <a:latin typeface="Arial" panose="020B0604020202090204" pitchFamily="34" charset="0"/>
                   <a:ea typeface="字魂58号-创中黑" panose="00000500000000000000" charset="-122"/>
-                  <a:cs typeface="Arial" panose="020B0604020202020204" pitchFamily="34" charset="0"/>
+                  <a:cs typeface="Arial" panose="020B0604020202090204" pitchFamily="34" charset="0"/>
                   <a:sym typeface="+mn-lt"/>
                 </a:rPr>
                 <a:t>Copyright Shupian&amp;Dgg All Rights Reserved</a:t>
@@ -1470,9 +1480,9 @@
                     <a:alpha val="50000"/>
                   </a:schemeClr>
                 </a:solidFill>
-                <a:latin typeface="Arial" panose="020B0604020202020204" pitchFamily="34" charset="0"/>
+                <a:latin typeface="Arial" panose="020B0604020202090204" pitchFamily="34" charset="0"/>
                 <a:ea typeface="字魂58号-创中黑" panose="00000500000000000000" charset="-122"/>
-                <a:cs typeface="Arial" panose="020B0604020202020204" pitchFamily="34" charset="0"/>
+                <a:cs typeface="Arial" panose="020B0604020202090204" pitchFamily="34" charset="0"/>
                 <a:sym typeface="+mn-lt"/>
               </a:endParaRPr>
             </a:p>
@@ -1839,9 +1849,9 @@
                       <a:alpha val="50000"/>
                     </a:schemeClr>
                   </a:solidFill>
-                  <a:latin typeface="Arial" panose="020B0604020202020204" pitchFamily="34" charset="0"/>
+                  <a:latin typeface="Arial" panose="020B0604020202090204" pitchFamily="34" charset="0"/>
                   <a:ea typeface="字魂58号-创中黑" panose="00000500000000000000" charset="-122"/>
-                  <a:cs typeface="Arial" panose="020B0604020202020204" pitchFamily="34" charset="0"/>
+                  <a:cs typeface="Arial" panose="020B0604020202090204" pitchFamily="34" charset="0"/>
                   <a:sym typeface="+mn-lt"/>
                 </a:rPr>
                 <a:t>SHUPIAN</a:t>
@@ -1854,9 +1864,9 @@
                     <a:alpha val="50000"/>
                   </a:schemeClr>
                 </a:solidFill>
-                <a:latin typeface="Arial" panose="020B0604020202020204" pitchFamily="34" charset="0"/>
+                <a:latin typeface="Arial" panose="020B0604020202090204" pitchFamily="34" charset="0"/>
                 <a:ea typeface="字魂58号-创中黑" panose="00000500000000000000" charset="-122"/>
-                <a:cs typeface="Arial" panose="020B0604020202020204" pitchFamily="34" charset="0"/>
+                <a:cs typeface="Arial" panose="020B0604020202090204" pitchFamily="34" charset="0"/>
                 <a:sym typeface="+mn-lt"/>
               </a:endParaRPr>
             </a:p>
@@ -1881,9 +1891,9 @@
                       <a:alpha val="50000"/>
                     </a:schemeClr>
                   </a:solidFill>
-                  <a:latin typeface="Arial" panose="020B0604020202020204" pitchFamily="34" charset="0"/>
+                  <a:latin typeface="Arial" panose="020B0604020202090204" pitchFamily="34" charset="0"/>
                   <a:ea typeface="字魂58号-创中黑" panose="00000500000000000000" charset="-122"/>
-                  <a:cs typeface="Arial" panose="020B0604020202020204" pitchFamily="34" charset="0"/>
+                  <a:cs typeface="Arial" panose="020B0604020202090204" pitchFamily="34" charset="0"/>
                   <a:sym typeface="+mn-lt"/>
                 </a:rPr>
                 <a:t>Copyright Shupian&amp;Dgg All Rights Reserved</a:t>
@@ -1896,9 +1906,9 @@
                     <a:alpha val="50000"/>
                   </a:schemeClr>
                 </a:solidFill>
-                <a:latin typeface="Arial" panose="020B0604020202020204" pitchFamily="34" charset="0"/>
+                <a:latin typeface="Arial" panose="020B0604020202090204" pitchFamily="34" charset="0"/>
                 <a:ea typeface="字魂58号-创中黑" panose="00000500000000000000" charset="-122"/>
-                <a:cs typeface="Arial" panose="020B0604020202020204" pitchFamily="34" charset="0"/>
+                <a:cs typeface="Arial" panose="020B0604020202090204" pitchFamily="34" charset="0"/>
                 <a:sym typeface="+mn-lt"/>
               </a:endParaRPr>
             </a:p>
@@ -2471,9 +2481,9 @@
                       <a:alpha val="50000"/>
                     </a:schemeClr>
                   </a:solidFill>
-                  <a:latin typeface="Arial" panose="020B0604020202020204" pitchFamily="34" charset="0"/>
+                  <a:latin typeface="Arial" panose="020B0604020202090204" pitchFamily="34" charset="0"/>
                   <a:ea typeface="字魂58号-创中黑" panose="00000500000000000000" charset="-122"/>
-                  <a:cs typeface="Arial" panose="020B0604020202020204" pitchFamily="34" charset="0"/>
+                  <a:cs typeface="Arial" panose="020B0604020202090204" pitchFamily="34" charset="0"/>
                   <a:sym typeface="+mn-lt"/>
                 </a:rPr>
                 <a:t>SHUPIAN</a:t>
@@ -2486,9 +2496,9 @@
                     <a:alpha val="50000"/>
                   </a:schemeClr>
                 </a:solidFill>
-                <a:latin typeface="Arial" panose="020B0604020202020204" pitchFamily="34" charset="0"/>
+                <a:latin typeface="Arial" panose="020B0604020202090204" pitchFamily="34" charset="0"/>
                 <a:ea typeface="字魂58号-创中黑" panose="00000500000000000000" charset="-122"/>
-                <a:cs typeface="Arial" panose="020B0604020202020204" pitchFamily="34" charset="0"/>
+                <a:cs typeface="Arial" panose="020B0604020202090204" pitchFamily="34" charset="0"/>
                 <a:sym typeface="+mn-lt"/>
               </a:endParaRPr>
             </a:p>
@@ -2513,9 +2523,9 @@
                       <a:alpha val="50000"/>
                     </a:schemeClr>
                   </a:solidFill>
-                  <a:latin typeface="Arial" panose="020B0604020202020204" pitchFamily="34" charset="0"/>
+                  <a:latin typeface="Arial" panose="020B0604020202090204" pitchFamily="34" charset="0"/>
                   <a:ea typeface="字魂58号-创中黑" panose="00000500000000000000" charset="-122"/>
-                  <a:cs typeface="Arial" panose="020B0604020202020204" pitchFamily="34" charset="0"/>
+                  <a:cs typeface="Arial" panose="020B0604020202090204" pitchFamily="34" charset="0"/>
                   <a:sym typeface="+mn-lt"/>
                 </a:rPr>
                 <a:t>Copyright Shupian&amp;Dgg All Rights Reserved</a:t>
@@ -2528,9 +2538,9 @@
                     <a:alpha val="50000"/>
                   </a:schemeClr>
                 </a:solidFill>
-                <a:latin typeface="Arial" panose="020B0604020202020204" pitchFamily="34" charset="0"/>
+                <a:latin typeface="Arial" panose="020B0604020202090204" pitchFamily="34" charset="0"/>
                 <a:ea typeface="字魂58号-创中黑" panose="00000500000000000000" charset="-122"/>
-                <a:cs typeface="Arial" panose="020B0604020202020204" pitchFamily="34" charset="0"/>
+                <a:cs typeface="Arial" panose="020B0604020202090204" pitchFamily="34" charset="0"/>
                 <a:sym typeface="+mn-lt"/>
               </a:endParaRPr>
             </a:p>
@@ -2849,9 +2859,9 @@
                       <a:alpha val="50000"/>
                     </a:schemeClr>
                   </a:solidFill>
-                  <a:latin typeface="Arial" panose="020B0604020202020204" pitchFamily="34" charset="0"/>
+                  <a:latin typeface="Arial" panose="020B0604020202090204" pitchFamily="34" charset="0"/>
                   <a:ea typeface="字魂58号-创中黑" panose="00000500000000000000" charset="-122"/>
-                  <a:cs typeface="Arial" panose="020B0604020202020204" pitchFamily="34" charset="0"/>
+                  <a:cs typeface="Arial" panose="020B0604020202090204" pitchFamily="34" charset="0"/>
                   <a:sym typeface="+mn-lt"/>
                 </a:rPr>
                 <a:t>SHUPIAN</a:t>
@@ -2864,9 +2874,9 @@
                     <a:alpha val="50000"/>
                   </a:schemeClr>
                 </a:solidFill>
-                <a:latin typeface="Arial" panose="020B0604020202020204" pitchFamily="34" charset="0"/>
+                <a:latin typeface="Arial" panose="020B0604020202090204" pitchFamily="34" charset="0"/>
                 <a:ea typeface="字魂58号-创中黑" panose="00000500000000000000" charset="-122"/>
-                <a:cs typeface="Arial" panose="020B0604020202020204" pitchFamily="34" charset="0"/>
+                <a:cs typeface="Arial" panose="020B0604020202090204" pitchFamily="34" charset="0"/>
                 <a:sym typeface="+mn-lt"/>
               </a:endParaRPr>
             </a:p>
@@ -2891,9 +2901,9 @@
                       <a:alpha val="50000"/>
                     </a:schemeClr>
                   </a:solidFill>
-                  <a:latin typeface="Arial" panose="020B0604020202020204" pitchFamily="34" charset="0"/>
+                  <a:latin typeface="Arial" panose="020B0604020202090204" pitchFamily="34" charset="0"/>
                   <a:ea typeface="字魂58号-创中黑" panose="00000500000000000000" charset="-122"/>
-                  <a:cs typeface="Arial" panose="020B0604020202020204" pitchFamily="34" charset="0"/>
+                  <a:cs typeface="Arial" panose="020B0604020202090204" pitchFamily="34" charset="0"/>
                   <a:sym typeface="+mn-lt"/>
                 </a:rPr>
                 <a:t>Copyright Shupian&amp;Dgg All Rights Reserved</a:t>
@@ -2906,9 +2916,9 @@
                     <a:alpha val="50000"/>
                   </a:schemeClr>
                 </a:solidFill>
-                <a:latin typeface="Arial" panose="020B0604020202020204" pitchFamily="34" charset="0"/>
+                <a:latin typeface="Arial" panose="020B0604020202090204" pitchFamily="34" charset="0"/>
                 <a:ea typeface="字魂58号-创中黑" panose="00000500000000000000" charset="-122"/>
-                <a:cs typeface="Arial" panose="020B0604020202020204" pitchFamily="34" charset="0"/>
+                <a:cs typeface="Arial" panose="020B0604020202090204" pitchFamily="34" charset="0"/>
                 <a:sym typeface="+mn-lt"/>
               </a:endParaRPr>
             </a:p>
@@ -3417,9 +3427,9 @@
                     <a:alpha val="50000"/>
                   </a:schemeClr>
                 </a:solidFill>
-                <a:latin typeface="Arial" panose="020B0604020202020204" pitchFamily="34" charset="0"/>
+                <a:latin typeface="Arial" panose="020B0604020202090204" pitchFamily="34" charset="0"/>
                 <a:ea typeface="字魂58号-创中黑" panose="00000500000000000000" charset="-122"/>
-                <a:cs typeface="Arial" panose="020B0604020202020204" pitchFamily="34" charset="0"/>
+                <a:cs typeface="Arial" panose="020B0604020202090204" pitchFamily="34" charset="0"/>
                 <a:sym typeface="+mn-lt"/>
               </a:rPr>
               <a:t>SHUPIAN</a:t>
@@ -3430,9 +3440,9 @@
                   <a:alpha val="50000"/>
                 </a:schemeClr>
               </a:solidFill>
-              <a:latin typeface="Arial" panose="020B0604020202020204" pitchFamily="34" charset="0"/>
+              <a:latin typeface="Arial" panose="020B0604020202090204" pitchFamily="34" charset="0"/>
               <a:ea typeface="字魂58号-创中黑" panose="00000500000000000000" charset="-122"/>
-              <a:cs typeface="Arial" panose="020B0604020202020204" pitchFamily="34" charset="0"/>
+              <a:cs typeface="Arial" panose="020B0604020202090204" pitchFamily="34" charset="0"/>
               <a:sym typeface="+mn-lt"/>
             </a:endParaRPr>
           </a:p>
@@ -3455,9 +3465,9 @@
                     <a:alpha val="50000"/>
                   </a:schemeClr>
                 </a:solidFill>
-                <a:latin typeface="Arial" panose="020B0604020202020204" pitchFamily="34" charset="0"/>
+                <a:latin typeface="Arial" panose="020B0604020202090204" pitchFamily="34" charset="0"/>
                 <a:ea typeface="字魂58号-创中黑" panose="00000500000000000000" charset="-122"/>
-                <a:cs typeface="Arial" panose="020B0604020202020204" pitchFamily="34" charset="0"/>
+                <a:cs typeface="Arial" panose="020B0604020202090204" pitchFamily="34" charset="0"/>
                 <a:sym typeface="+mn-lt"/>
               </a:rPr>
               <a:t>Copyright Shupian&amp;Dgg All Rights Reserved</a:t>
@@ -3468,9 +3478,9 @@
                   <a:alpha val="50000"/>
                 </a:schemeClr>
               </a:solidFill>
-              <a:latin typeface="Arial" panose="020B0604020202020204" pitchFamily="34" charset="0"/>
+              <a:latin typeface="Arial" panose="020B0604020202090204" pitchFamily="34" charset="0"/>
               <a:ea typeface="字魂58号-创中黑" panose="00000500000000000000" charset="-122"/>
-              <a:cs typeface="Arial" panose="020B0604020202020204" pitchFamily="34" charset="0"/>
+              <a:cs typeface="Arial" panose="020B0604020202090204" pitchFamily="34" charset="0"/>
               <a:sym typeface="+mn-lt"/>
             </a:endParaRPr>
           </a:p>
@@ -4054,7 +4064,7 @@
         <a:spcBef>
           <a:spcPts val="1000"/>
         </a:spcBef>
-        <a:buFont typeface="Arial" panose="020B0604020202020204" pitchFamily="34" charset="0"/>
+        <a:buFont typeface="Arial" panose="020B0604020202090204" pitchFamily="34" charset="0"/>
         <a:buChar char="•"/>
         <a:defRPr sz="2800" kern="1200">
           <a:solidFill>
@@ -4072,7 +4082,7 @@
         <a:spcBef>
           <a:spcPts val="500"/>
         </a:spcBef>
-        <a:buFont typeface="Arial" panose="020B0604020202020204" pitchFamily="34" charset="0"/>
+        <a:buFont typeface="Arial" panose="020B0604020202090204" pitchFamily="34" charset="0"/>
         <a:buChar char="•"/>
         <a:defRPr sz="2400" kern="1200">
           <a:solidFill>
@@ -4090,7 +4100,7 @@
         <a:spcBef>
           <a:spcPts val="500"/>
         </a:spcBef>
-        <a:buFont typeface="Arial" panose="020B0604020202020204" pitchFamily="34" charset="0"/>
+        <a:buFont typeface="Arial" panose="020B0604020202090204" pitchFamily="34" charset="0"/>
         <a:buChar char="•"/>
         <a:defRPr sz="2000" kern="1200">
           <a:solidFill>
@@ -4108,7 +4118,7 @@
         <a:spcBef>
           <a:spcPts val="500"/>
         </a:spcBef>
-        <a:buFont typeface="Arial" panose="020B0604020202020204" pitchFamily="34" charset="0"/>
+        <a:buFont typeface="Arial" panose="020B0604020202090204" pitchFamily="34" charset="0"/>
         <a:buChar char="•"/>
         <a:defRPr sz="1800" kern="1200">
           <a:solidFill>
@@ -4126,7 +4136,7 @@
         <a:spcBef>
           <a:spcPts val="500"/>
         </a:spcBef>
-        <a:buFont typeface="Arial" panose="020B0604020202020204" pitchFamily="34" charset="0"/>
+        <a:buFont typeface="Arial" panose="020B0604020202090204" pitchFamily="34" charset="0"/>
         <a:buChar char="•"/>
         <a:defRPr sz="1800" kern="1200">
           <a:solidFill>
@@ -4144,7 +4154,7 @@
         <a:spcBef>
           <a:spcPts val="500"/>
         </a:spcBef>
-        <a:buFont typeface="Arial" panose="020B0604020202020204" pitchFamily="34" charset="0"/>
+        <a:buFont typeface="Arial" panose="020B0604020202090204" pitchFamily="34" charset="0"/>
         <a:buChar char="•"/>
         <a:defRPr sz="1800" kern="1200">
           <a:solidFill>
@@ -4162,7 +4172,7 @@
         <a:spcBef>
           <a:spcPts val="500"/>
         </a:spcBef>
-        <a:buFont typeface="Arial" panose="020B0604020202020204" pitchFamily="34" charset="0"/>
+        <a:buFont typeface="Arial" panose="020B0604020202090204" pitchFamily="34" charset="0"/>
         <a:buChar char="•"/>
         <a:defRPr sz="1800" kern="1200">
           <a:solidFill>
@@ -4180,7 +4190,7 @@
         <a:spcBef>
           <a:spcPts val="500"/>
         </a:spcBef>
-        <a:buFont typeface="Arial" panose="020B0604020202020204" pitchFamily="34" charset="0"/>
+        <a:buFont typeface="Arial" panose="020B0604020202090204" pitchFamily="34" charset="0"/>
         <a:buChar char="•"/>
         <a:defRPr sz="1800" kern="1200">
           <a:solidFill>
@@ -4198,7 +4208,7 @@
         <a:spcBef>
           <a:spcPts val="500"/>
         </a:spcBef>
-        <a:buFont typeface="Arial" panose="020B0604020202020204" pitchFamily="34" charset="0"/>
+        <a:buFont typeface="Arial" panose="020B0604020202090204" pitchFamily="34" charset="0"/>
         <a:buChar char="•"/>
         <a:defRPr sz="1800" kern="1200">
           <a:solidFill>
@@ -4607,6 +4617,2459 @@
 </p:sld>
 </file>
 
+<file path=ppt/slides/slide10.xml><?xml version="1.0" encoding="utf-8"?>
+<p:sld xmlns:a="http://schemas.openxmlformats.org/drawingml/2006/main" xmlns:r="http://schemas.openxmlformats.org/officeDocument/2006/relationships" xmlns:p="http://schemas.openxmlformats.org/presentationml/2006/main">
+  <p:cSld>
+    <p:spTree>
+      <p:nvGrpSpPr>
+        <p:cNvPr id="1" name=""/>
+        <p:cNvGrpSpPr/>
+        <p:nvPr/>
+      </p:nvGrpSpPr>
+      <p:grpSpPr/>
+      <p:sp>
+        <p:nvSpPr>
+          <p:cNvPr id="7" name="文本框 6"/>
+          <p:cNvSpPr txBox="1"/>
+          <p:nvPr/>
+        </p:nvSpPr>
+        <p:spPr>
+          <a:xfrm>
+            <a:off x="3155950" y="1312545"/>
+            <a:ext cx="5878830" cy="645160"/>
+          </a:xfrm>
+          <a:prstGeom prst="rect">
+            <a:avLst/>
+          </a:prstGeom>
+          <a:noFill/>
+        </p:spPr>
+        <p:txBody>
+          <a:bodyPr wrap="square" rtlCol="0">
+            <a:spAutoFit/>
+          </a:bodyPr>
+          <a:p>
+            <a:pPr algn="ctr"/>
+            <a:r>
+              <a:rPr lang="en-US" altLang="zh-CN" sz="3600" b="1" dirty="0">
+                <a:solidFill>
+                  <a:srgbClr val="4669E3"/>
+                </a:solidFill>
+                <a:latin typeface="Microsoft YaHei Bold" panose="020B0703020204020201" charset="-122"/>
+                <a:ea typeface="Microsoft YaHei Bold" panose="020B0703020204020201" charset="-122"/>
+                <a:cs typeface="+mn-ea"/>
+                <a:sym typeface="+mn-lt"/>
+              </a:rPr>
+              <a:t>H264</a:t>
+            </a:r>
+            <a:r>
+              <a:rPr lang="zh-CN" altLang="en-US" sz="3600" b="1" dirty="0">
+                <a:solidFill>
+                  <a:srgbClr val="4669E3"/>
+                </a:solidFill>
+                <a:latin typeface="Microsoft YaHei Bold" panose="020B0703020204020201" charset="-122"/>
+                <a:ea typeface="Microsoft YaHei Bold" panose="020B0703020204020201" charset="-122"/>
+                <a:cs typeface="+mn-ea"/>
+                <a:sym typeface="+mn-lt"/>
+              </a:rPr>
+              <a:t>简介</a:t>
+            </a:r>
+            <a:endParaRPr lang="zh-CN" altLang="en-US" sz="3600" b="1" dirty="0">
+              <a:solidFill>
+                <a:srgbClr val="4669E3"/>
+              </a:solidFill>
+              <a:latin typeface="Microsoft YaHei Bold" panose="020B0703020204020201" charset="-122"/>
+              <a:ea typeface="Microsoft YaHei Bold" panose="020B0703020204020201" charset="-122"/>
+              <a:cs typeface="+mn-ea"/>
+              <a:sym typeface="+mn-lt"/>
+            </a:endParaRPr>
+          </a:p>
+        </p:txBody>
+      </p:sp>
+      <p:sp>
+        <p:nvSpPr>
+          <p:cNvPr id="6" name="文本框 5"/>
+          <p:cNvSpPr txBox="1"/>
+          <p:nvPr/>
+        </p:nvSpPr>
+        <p:spPr>
+          <a:xfrm>
+            <a:off x="2647385" y="2151291"/>
+            <a:ext cx="6897231" cy="347345"/>
+          </a:xfrm>
+          <a:prstGeom prst="rect">
+            <a:avLst/>
+          </a:prstGeom>
+          <a:noFill/>
+        </p:spPr>
+        <p:txBody>
+          <a:bodyPr wrap="square" rtlCol="0">
+            <a:spAutoFit/>
+          </a:bodyPr>
+          <a:p>
+            <a:pPr algn="l">
+              <a:lnSpc>
+                <a:spcPts val="2000"/>
+              </a:lnSpc>
+            </a:pPr>
+            <a:r>
+              <a:rPr lang="zh-CN" altLang="en-US" sz="1400" dirty="0">
+                <a:solidFill>
+                  <a:srgbClr val="323335"/>
+                </a:solidFill>
+                <a:latin typeface="黑体" panose="02010609060101010101" charset="-122"/>
+                <a:ea typeface="黑体" panose="02010609060101010101" charset="-122"/>
+                <a:cs typeface="黑体" panose="02010609060101010101" charset="-122"/>
+                <a:sym typeface="+mn-lt"/>
+              </a:rPr>
+              <a:t>内容</a:t>
+            </a:r>
+            <a:endParaRPr lang="zh-CN" altLang="en-US" sz="1400" dirty="0">
+              <a:solidFill>
+                <a:srgbClr val="323335"/>
+              </a:solidFill>
+              <a:latin typeface="黑体" panose="02010609060101010101" charset="-122"/>
+              <a:ea typeface="黑体" panose="02010609060101010101" charset="-122"/>
+              <a:cs typeface="黑体" panose="02010609060101010101" charset="-122"/>
+              <a:sym typeface="+mn-lt"/>
+            </a:endParaRPr>
+          </a:p>
+        </p:txBody>
+      </p:sp>
+    </p:spTree>
+  </p:cSld>
+  <p:clrMapOvr>
+    <a:masterClrMapping/>
+  </p:clrMapOvr>
+  <p:timing>
+    <p:tnLst>
+      <p:par>
+        <p:cTn id="1" dur="indefinite" restart="never" nodeType="tmRoot">
+          <p:childTnLst>
+            <p:seq concurrent="1" nextAc="seek">
+              <p:cTn id="2" dur="indefinite" nodeType="mainSeq">
+                <p:childTnLst>
+                  <p:par>
+                    <p:cTn id="3" fill="hold">
+                      <p:stCondLst>
+                        <p:cond delay="indefinite"/>
+                        <p:cond evt="onBegin" delay="0">
+                          <p:tn val="2"/>
+                        </p:cond>
+                      </p:stCondLst>
+                      <p:childTnLst>
+                        <p:par>
+                          <p:cTn id="4" fill="hold">
+                            <p:stCondLst>
+                              <p:cond delay="0"/>
+                            </p:stCondLst>
+                            <p:childTnLst>
+                              <p:par>
+                                <p:cTn id="5" presetID="4" presetClass="entr" presetSubtype="16" fill="hold" grpId="0" nodeType="withEffect">
+                                  <p:stCondLst>
+                                    <p:cond delay="0"/>
+                                  </p:stCondLst>
+                                  <p:childTnLst>
+                                    <p:set>
+                                      <p:cBhvr>
+                                        <p:cTn id="6" dur="1" fill="hold">
+                                          <p:stCondLst>
+                                            <p:cond delay="0"/>
+                                          </p:stCondLst>
+                                        </p:cTn>
+                                        <p:tgtEl>
+                                          <p:spTgt spid="7"/>
+                                        </p:tgtEl>
+                                        <p:attrNameLst>
+                                          <p:attrName>style.visibility</p:attrName>
+                                        </p:attrNameLst>
+                                      </p:cBhvr>
+                                      <p:to>
+                                        <p:strVal val="visible"/>
+                                      </p:to>
+                                    </p:set>
+                                    <p:animEffect transition="in" filter="box(in)">
+                                      <p:cBhvr>
+                                        <p:cTn id="7" dur="2000"/>
+                                        <p:tgtEl>
+                                          <p:spTgt spid="7"/>
+                                        </p:tgtEl>
+                                      </p:cBhvr>
+                                    </p:animEffect>
+                                  </p:childTnLst>
+                                </p:cTn>
+                              </p:par>
+                            </p:childTnLst>
+                          </p:cTn>
+                        </p:par>
+                        <p:par>
+                          <p:cTn id="8" fill="hold">
+                            <p:stCondLst>
+                              <p:cond delay="2000"/>
+                            </p:stCondLst>
+                            <p:childTnLst>
+                              <p:par>
+                                <p:cTn id="9" presetID="4" presetClass="entr" presetSubtype="16" fill="hold" grpId="0" nodeType="afterEffect">
+                                  <p:stCondLst>
+                                    <p:cond delay="0"/>
+                                  </p:stCondLst>
+                                  <p:childTnLst>
+                                    <p:set>
+                                      <p:cBhvr>
+                                        <p:cTn id="10" dur="1" fill="hold">
+                                          <p:stCondLst>
+                                            <p:cond delay="0"/>
+                                          </p:stCondLst>
+                                        </p:cTn>
+                                        <p:tgtEl>
+                                          <p:spTgt spid="6"/>
+                                        </p:tgtEl>
+                                        <p:attrNameLst>
+                                          <p:attrName>style.visibility</p:attrName>
+                                        </p:attrNameLst>
+                                      </p:cBhvr>
+                                      <p:to>
+                                        <p:strVal val="visible"/>
+                                      </p:to>
+                                    </p:set>
+                                    <p:animEffect transition="in" filter="box(in)">
+                                      <p:cBhvr>
+                                        <p:cTn id="11" dur="2000"/>
+                                        <p:tgtEl>
+                                          <p:spTgt spid="6"/>
+                                        </p:tgtEl>
+                                      </p:cBhvr>
+                                    </p:animEffect>
+                                  </p:childTnLst>
+                                </p:cTn>
+                              </p:par>
+                            </p:childTnLst>
+                          </p:cTn>
+                        </p:par>
+                      </p:childTnLst>
+                    </p:cTn>
+                  </p:par>
+                </p:childTnLst>
+              </p:cTn>
+              <p:prevCondLst>
+                <p:cond evt="onPrev" delay="0">
+                  <p:tgtEl>
+                    <p:sldTgt/>
+                  </p:tgtEl>
+                </p:cond>
+              </p:prevCondLst>
+              <p:nextCondLst>
+                <p:cond evt="onNext" delay="0">
+                  <p:tgtEl>
+                    <p:sldTgt/>
+                  </p:tgtEl>
+                </p:cond>
+              </p:nextCondLst>
+            </p:seq>
+          </p:childTnLst>
+        </p:cTn>
+      </p:par>
+    </p:tnLst>
+    <p:bldLst>
+      <p:bldP spid="7" grpId="0"/>
+      <p:bldP spid="6" grpId="0"/>
+    </p:bldLst>
+  </p:timing>
+</p:sld>
+</file>
+
+<file path=ppt/slides/slide11.xml><?xml version="1.0" encoding="utf-8"?>
+<p:sld xmlns:a="http://schemas.openxmlformats.org/drawingml/2006/main" xmlns:r="http://schemas.openxmlformats.org/officeDocument/2006/relationships" xmlns:p="http://schemas.openxmlformats.org/presentationml/2006/main">
+  <p:cSld>
+    <p:spTree>
+      <p:nvGrpSpPr>
+        <p:cNvPr id="1" name=""/>
+        <p:cNvGrpSpPr/>
+        <p:nvPr/>
+      </p:nvGrpSpPr>
+      <p:grpSpPr/>
+      <p:sp>
+        <p:nvSpPr>
+          <p:cNvPr id="7" name="文本框 6"/>
+          <p:cNvSpPr txBox="1"/>
+          <p:nvPr/>
+        </p:nvSpPr>
+        <p:spPr>
+          <a:xfrm>
+            <a:off x="3155950" y="1312545"/>
+            <a:ext cx="5878830" cy="645160"/>
+          </a:xfrm>
+          <a:prstGeom prst="rect">
+            <a:avLst/>
+          </a:prstGeom>
+          <a:noFill/>
+        </p:spPr>
+        <p:txBody>
+          <a:bodyPr wrap="square" rtlCol="0">
+            <a:spAutoFit/>
+          </a:bodyPr>
+          <a:p>
+            <a:pPr algn="ctr"/>
+            <a:r>
+              <a:rPr lang="en-US" altLang="zh-CN" sz="3600" b="1" dirty="0">
+                <a:solidFill>
+                  <a:srgbClr val="4669E3"/>
+                </a:solidFill>
+                <a:latin typeface="Microsoft YaHei Bold" panose="020B0703020204020201" charset="-122"/>
+                <a:ea typeface="Microsoft YaHei Bold" panose="020B0703020204020201" charset="-122"/>
+                <a:cs typeface="+mn-ea"/>
+                <a:sym typeface="+mn-lt"/>
+              </a:rPr>
+              <a:t>H265</a:t>
+            </a:r>
+            <a:r>
+              <a:rPr lang="zh-CN" altLang="en-US" sz="3600" b="1" dirty="0">
+                <a:solidFill>
+                  <a:srgbClr val="4669E3"/>
+                </a:solidFill>
+                <a:latin typeface="Microsoft YaHei Bold" panose="020B0703020204020201" charset="-122"/>
+                <a:ea typeface="Microsoft YaHei Bold" panose="020B0703020204020201" charset="-122"/>
+                <a:cs typeface="+mn-ea"/>
+                <a:sym typeface="+mn-lt"/>
+              </a:rPr>
+              <a:t>简介</a:t>
+            </a:r>
+            <a:endParaRPr lang="zh-CN" altLang="en-US" sz="3600" b="1" dirty="0">
+              <a:solidFill>
+                <a:srgbClr val="4669E3"/>
+              </a:solidFill>
+              <a:latin typeface="Microsoft YaHei Bold" panose="020B0703020204020201" charset="-122"/>
+              <a:ea typeface="Microsoft YaHei Bold" panose="020B0703020204020201" charset="-122"/>
+              <a:cs typeface="+mn-ea"/>
+              <a:sym typeface="+mn-lt"/>
+            </a:endParaRPr>
+          </a:p>
+        </p:txBody>
+      </p:sp>
+      <p:sp>
+        <p:nvSpPr>
+          <p:cNvPr id="6" name="文本框 5"/>
+          <p:cNvSpPr txBox="1"/>
+          <p:nvPr/>
+        </p:nvSpPr>
+        <p:spPr>
+          <a:xfrm>
+            <a:off x="2647385" y="2151291"/>
+            <a:ext cx="6897231" cy="347345"/>
+          </a:xfrm>
+          <a:prstGeom prst="rect">
+            <a:avLst/>
+          </a:prstGeom>
+          <a:noFill/>
+        </p:spPr>
+        <p:txBody>
+          <a:bodyPr wrap="square" rtlCol="0">
+            <a:spAutoFit/>
+          </a:bodyPr>
+          <a:p>
+            <a:pPr algn="l">
+              <a:lnSpc>
+                <a:spcPts val="2000"/>
+              </a:lnSpc>
+            </a:pPr>
+            <a:r>
+              <a:rPr lang="zh-CN" altLang="en-US" sz="1400" dirty="0">
+                <a:solidFill>
+                  <a:srgbClr val="323335"/>
+                </a:solidFill>
+                <a:latin typeface="黑体" panose="02010609060101010101" charset="-122"/>
+                <a:ea typeface="黑体" panose="02010609060101010101" charset="-122"/>
+                <a:cs typeface="黑体" panose="02010609060101010101" charset="-122"/>
+                <a:sym typeface="+mn-lt"/>
+              </a:rPr>
+              <a:t>内容</a:t>
+            </a:r>
+            <a:endParaRPr lang="zh-CN" altLang="en-US" sz="1400" dirty="0">
+              <a:solidFill>
+                <a:srgbClr val="323335"/>
+              </a:solidFill>
+              <a:latin typeface="黑体" panose="02010609060101010101" charset="-122"/>
+              <a:ea typeface="黑体" panose="02010609060101010101" charset="-122"/>
+              <a:cs typeface="黑体" panose="02010609060101010101" charset="-122"/>
+              <a:sym typeface="+mn-lt"/>
+            </a:endParaRPr>
+          </a:p>
+        </p:txBody>
+      </p:sp>
+    </p:spTree>
+  </p:cSld>
+  <p:clrMapOvr>
+    <a:masterClrMapping/>
+  </p:clrMapOvr>
+  <p:timing>
+    <p:tnLst>
+      <p:par>
+        <p:cTn id="1" dur="indefinite" restart="never" nodeType="tmRoot">
+          <p:childTnLst>
+            <p:seq concurrent="1" nextAc="seek">
+              <p:cTn id="2" dur="indefinite" nodeType="mainSeq">
+                <p:childTnLst>
+                  <p:par>
+                    <p:cTn id="3" fill="hold">
+                      <p:stCondLst>
+                        <p:cond delay="indefinite"/>
+                        <p:cond evt="onBegin" delay="0">
+                          <p:tn val="2"/>
+                        </p:cond>
+                      </p:stCondLst>
+                      <p:childTnLst>
+                        <p:par>
+                          <p:cTn id="4" fill="hold">
+                            <p:stCondLst>
+                              <p:cond delay="0"/>
+                            </p:stCondLst>
+                            <p:childTnLst>
+                              <p:par>
+                                <p:cTn id="5" presetID="4" presetClass="entr" presetSubtype="16" fill="hold" grpId="0" nodeType="withEffect">
+                                  <p:stCondLst>
+                                    <p:cond delay="0"/>
+                                  </p:stCondLst>
+                                  <p:childTnLst>
+                                    <p:set>
+                                      <p:cBhvr>
+                                        <p:cTn id="6" dur="1" fill="hold">
+                                          <p:stCondLst>
+                                            <p:cond delay="0"/>
+                                          </p:stCondLst>
+                                        </p:cTn>
+                                        <p:tgtEl>
+                                          <p:spTgt spid="7"/>
+                                        </p:tgtEl>
+                                        <p:attrNameLst>
+                                          <p:attrName>style.visibility</p:attrName>
+                                        </p:attrNameLst>
+                                      </p:cBhvr>
+                                      <p:to>
+                                        <p:strVal val="visible"/>
+                                      </p:to>
+                                    </p:set>
+                                    <p:animEffect transition="in" filter="box(in)">
+                                      <p:cBhvr>
+                                        <p:cTn id="7" dur="2000"/>
+                                        <p:tgtEl>
+                                          <p:spTgt spid="7"/>
+                                        </p:tgtEl>
+                                      </p:cBhvr>
+                                    </p:animEffect>
+                                  </p:childTnLst>
+                                </p:cTn>
+                              </p:par>
+                            </p:childTnLst>
+                          </p:cTn>
+                        </p:par>
+                        <p:par>
+                          <p:cTn id="8" fill="hold">
+                            <p:stCondLst>
+                              <p:cond delay="2000"/>
+                            </p:stCondLst>
+                            <p:childTnLst>
+                              <p:par>
+                                <p:cTn id="9" presetID="4" presetClass="entr" presetSubtype="16" fill="hold" grpId="0" nodeType="afterEffect">
+                                  <p:stCondLst>
+                                    <p:cond delay="0"/>
+                                  </p:stCondLst>
+                                  <p:childTnLst>
+                                    <p:set>
+                                      <p:cBhvr>
+                                        <p:cTn id="10" dur="1" fill="hold">
+                                          <p:stCondLst>
+                                            <p:cond delay="0"/>
+                                          </p:stCondLst>
+                                        </p:cTn>
+                                        <p:tgtEl>
+                                          <p:spTgt spid="6"/>
+                                        </p:tgtEl>
+                                        <p:attrNameLst>
+                                          <p:attrName>style.visibility</p:attrName>
+                                        </p:attrNameLst>
+                                      </p:cBhvr>
+                                      <p:to>
+                                        <p:strVal val="visible"/>
+                                      </p:to>
+                                    </p:set>
+                                    <p:animEffect transition="in" filter="box(in)">
+                                      <p:cBhvr>
+                                        <p:cTn id="11" dur="2000"/>
+                                        <p:tgtEl>
+                                          <p:spTgt spid="6"/>
+                                        </p:tgtEl>
+                                      </p:cBhvr>
+                                    </p:animEffect>
+                                  </p:childTnLst>
+                                </p:cTn>
+                              </p:par>
+                            </p:childTnLst>
+                          </p:cTn>
+                        </p:par>
+                      </p:childTnLst>
+                    </p:cTn>
+                  </p:par>
+                </p:childTnLst>
+              </p:cTn>
+              <p:prevCondLst>
+                <p:cond evt="onPrev" delay="0">
+                  <p:tgtEl>
+                    <p:sldTgt/>
+                  </p:tgtEl>
+                </p:cond>
+              </p:prevCondLst>
+              <p:nextCondLst>
+                <p:cond evt="onNext" delay="0">
+                  <p:tgtEl>
+                    <p:sldTgt/>
+                  </p:tgtEl>
+                </p:cond>
+              </p:nextCondLst>
+            </p:seq>
+          </p:childTnLst>
+        </p:cTn>
+      </p:par>
+    </p:tnLst>
+    <p:bldLst>
+      <p:bldP spid="7" grpId="0"/>
+      <p:bldP spid="6" grpId="0"/>
+    </p:bldLst>
+  </p:timing>
+</p:sld>
+</file>
+
+<file path=ppt/slides/slide12.xml><?xml version="1.0" encoding="utf-8"?>
+<p:sld xmlns:a="http://schemas.openxmlformats.org/drawingml/2006/main" xmlns:r="http://schemas.openxmlformats.org/officeDocument/2006/relationships" xmlns:p="http://schemas.openxmlformats.org/presentationml/2006/main">
+  <p:cSld>
+    <p:spTree>
+      <p:nvGrpSpPr>
+        <p:cNvPr id="1" name=""/>
+        <p:cNvGrpSpPr/>
+        <p:nvPr/>
+      </p:nvGrpSpPr>
+      <p:grpSpPr/>
+      <p:sp>
+        <p:nvSpPr>
+          <p:cNvPr id="7" name="文本框 6"/>
+          <p:cNvSpPr txBox="1"/>
+          <p:nvPr/>
+        </p:nvSpPr>
+        <p:spPr>
+          <a:xfrm>
+            <a:off x="3155950" y="1312545"/>
+            <a:ext cx="5878830" cy="645160"/>
+          </a:xfrm>
+          <a:prstGeom prst="rect">
+            <a:avLst/>
+          </a:prstGeom>
+          <a:noFill/>
+        </p:spPr>
+        <p:txBody>
+          <a:bodyPr wrap="square" rtlCol="0">
+            <a:spAutoFit/>
+          </a:bodyPr>
+          <a:p>
+            <a:pPr algn="ctr"/>
+            <a:r>
+              <a:rPr lang="en-US" altLang="zh-CN" sz="3600" b="1" dirty="0">
+                <a:solidFill>
+                  <a:srgbClr val="4669E3"/>
+                </a:solidFill>
+                <a:latin typeface="Microsoft YaHei Bold" panose="020B0703020204020201" charset="-122"/>
+                <a:ea typeface="Microsoft YaHei Bold" panose="020B0703020204020201" charset="-122"/>
+                <a:cs typeface="+mn-ea"/>
+                <a:sym typeface="+mn-lt"/>
+              </a:rPr>
+              <a:t>H264</a:t>
+            </a:r>
+            <a:r>
+              <a:rPr lang="zh-CN" altLang="en-US" sz="3600" b="1" dirty="0">
+                <a:solidFill>
+                  <a:srgbClr val="4669E3"/>
+                </a:solidFill>
+                <a:latin typeface="Microsoft YaHei Bold" panose="020B0703020204020201" charset="-122"/>
+                <a:ea typeface="Microsoft YaHei Bold" panose="020B0703020204020201" charset="-122"/>
+                <a:cs typeface="+mn-ea"/>
+                <a:sym typeface="+mn-lt"/>
+              </a:rPr>
+              <a:t>与</a:t>
+            </a:r>
+            <a:r>
+              <a:rPr lang="en-US" altLang="zh-CN" sz="3600" b="1" dirty="0">
+                <a:solidFill>
+                  <a:srgbClr val="4669E3"/>
+                </a:solidFill>
+                <a:latin typeface="Microsoft YaHei Bold" panose="020B0703020204020201" charset="-122"/>
+                <a:ea typeface="Microsoft YaHei Bold" panose="020B0703020204020201" charset="-122"/>
+                <a:cs typeface="+mn-ea"/>
+                <a:sym typeface="+mn-lt"/>
+              </a:rPr>
+              <a:t>H265</a:t>
+            </a:r>
+            <a:r>
+              <a:rPr lang="zh-CN" altLang="en-US" sz="3600" b="1" dirty="0">
+                <a:solidFill>
+                  <a:srgbClr val="4669E3"/>
+                </a:solidFill>
+                <a:latin typeface="Microsoft YaHei Bold" panose="020B0703020204020201" charset="-122"/>
+                <a:ea typeface="Microsoft YaHei Bold" panose="020B0703020204020201" charset="-122"/>
+                <a:cs typeface="+mn-ea"/>
+                <a:sym typeface="+mn-lt"/>
+              </a:rPr>
+              <a:t>对比</a:t>
+            </a:r>
+            <a:endParaRPr lang="zh-CN" altLang="en-US" sz="3600" b="1" dirty="0">
+              <a:solidFill>
+                <a:srgbClr val="4669E3"/>
+              </a:solidFill>
+              <a:latin typeface="Microsoft YaHei Bold" panose="020B0703020204020201" charset="-122"/>
+              <a:ea typeface="Microsoft YaHei Bold" panose="020B0703020204020201" charset="-122"/>
+              <a:cs typeface="+mn-ea"/>
+              <a:sym typeface="+mn-lt"/>
+            </a:endParaRPr>
+          </a:p>
+        </p:txBody>
+      </p:sp>
+      <p:sp>
+        <p:nvSpPr>
+          <p:cNvPr id="6" name="文本框 5"/>
+          <p:cNvSpPr txBox="1"/>
+          <p:nvPr/>
+        </p:nvSpPr>
+        <p:spPr>
+          <a:xfrm>
+            <a:off x="2647385" y="2151291"/>
+            <a:ext cx="6897231" cy="347345"/>
+          </a:xfrm>
+          <a:prstGeom prst="rect">
+            <a:avLst/>
+          </a:prstGeom>
+          <a:noFill/>
+        </p:spPr>
+        <p:txBody>
+          <a:bodyPr wrap="square" rtlCol="0">
+            <a:spAutoFit/>
+          </a:bodyPr>
+          <a:p>
+            <a:pPr algn="l">
+              <a:lnSpc>
+                <a:spcPts val="2000"/>
+              </a:lnSpc>
+            </a:pPr>
+            <a:r>
+              <a:rPr lang="zh-CN" altLang="en-US" sz="1400" dirty="0">
+                <a:solidFill>
+                  <a:srgbClr val="323335"/>
+                </a:solidFill>
+                <a:latin typeface="黑体" panose="02010609060101010101" charset="-122"/>
+                <a:ea typeface="黑体" panose="02010609060101010101" charset="-122"/>
+                <a:cs typeface="黑体" panose="02010609060101010101" charset="-122"/>
+                <a:sym typeface="+mn-lt"/>
+              </a:rPr>
+              <a:t>内容</a:t>
+            </a:r>
+            <a:endParaRPr lang="zh-CN" altLang="en-US" sz="1400" dirty="0">
+              <a:solidFill>
+                <a:srgbClr val="323335"/>
+              </a:solidFill>
+              <a:latin typeface="黑体" panose="02010609060101010101" charset="-122"/>
+              <a:ea typeface="黑体" panose="02010609060101010101" charset="-122"/>
+              <a:cs typeface="黑体" panose="02010609060101010101" charset="-122"/>
+              <a:sym typeface="+mn-lt"/>
+            </a:endParaRPr>
+          </a:p>
+        </p:txBody>
+      </p:sp>
+    </p:spTree>
+  </p:cSld>
+  <p:clrMapOvr>
+    <a:masterClrMapping/>
+  </p:clrMapOvr>
+  <p:timing>
+    <p:tnLst>
+      <p:par>
+        <p:cTn id="1" dur="indefinite" restart="never" nodeType="tmRoot">
+          <p:childTnLst>
+            <p:seq concurrent="1" nextAc="seek">
+              <p:cTn id="2" dur="indefinite" nodeType="mainSeq">
+                <p:childTnLst>
+                  <p:par>
+                    <p:cTn id="3" fill="hold">
+                      <p:stCondLst>
+                        <p:cond delay="indefinite"/>
+                        <p:cond evt="onBegin" delay="0">
+                          <p:tn val="2"/>
+                        </p:cond>
+                      </p:stCondLst>
+                      <p:childTnLst>
+                        <p:par>
+                          <p:cTn id="4" fill="hold">
+                            <p:stCondLst>
+                              <p:cond delay="0"/>
+                            </p:stCondLst>
+                            <p:childTnLst>
+                              <p:par>
+                                <p:cTn id="5" presetID="4" presetClass="entr" presetSubtype="16" fill="hold" grpId="0" nodeType="withEffect">
+                                  <p:stCondLst>
+                                    <p:cond delay="0"/>
+                                  </p:stCondLst>
+                                  <p:childTnLst>
+                                    <p:set>
+                                      <p:cBhvr>
+                                        <p:cTn id="6" dur="1" fill="hold">
+                                          <p:stCondLst>
+                                            <p:cond delay="0"/>
+                                          </p:stCondLst>
+                                        </p:cTn>
+                                        <p:tgtEl>
+                                          <p:spTgt spid="7"/>
+                                        </p:tgtEl>
+                                        <p:attrNameLst>
+                                          <p:attrName>style.visibility</p:attrName>
+                                        </p:attrNameLst>
+                                      </p:cBhvr>
+                                      <p:to>
+                                        <p:strVal val="visible"/>
+                                      </p:to>
+                                    </p:set>
+                                    <p:animEffect transition="in" filter="box(in)">
+                                      <p:cBhvr>
+                                        <p:cTn id="7" dur="2000"/>
+                                        <p:tgtEl>
+                                          <p:spTgt spid="7"/>
+                                        </p:tgtEl>
+                                      </p:cBhvr>
+                                    </p:animEffect>
+                                  </p:childTnLst>
+                                </p:cTn>
+                              </p:par>
+                            </p:childTnLst>
+                          </p:cTn>
+                        </p:par>
+                        <p:par>
+                          <p:cTn id="8" fill="hold">
+                            <p:stCondLst>
+                              <p:cond delay="2000"/>
+                            </p:stCondLst>
+                            <p:childTnLst>
+                              <p:par>
+                                <p:cTn id="9" presetID="4" presetClass="entr" presetSubtype="16" fill="hold" grpId="0" nodeType="afterEffect">
+                                  <p:stCondLst>
+                                    <p:cond delay="0"/>
+                                  </p:stCondLst>
+                                  <p:childTnLst>
+                                    <p:set>
+                                      <p:cBhvr>
+                                        <p:cTn id="10" dur="1" fill="hold">
+                                          <p:stCondLst>
+                                            <p:cond delay="0"/>
+                                          </p:stCondLst>
+                                        </p:cTn>
+                                        <p:tgtEl>
+                                          <p:spTgt spid="6"/>
+                                        </p:tgtEl>
+                                        <p:attrNameLst>
+                                          <p:attrName>style.visibility</p:attrName>
+                                        </p:attrNameLst>
+                                      </p:cBhvr>
+                                      <p:to>
+                                        <p:strVal val="visible"/>
+                                      </p:to>
+                                    </p:set>
+                                    <p:animEffect transition="in" filter="box(in)">
+                                      <p:cBhvr>
+                                        <p:cTn id="11" dur="2000"/>
+                                        <p:tgtEl>
+                                          <p:spTgt spid="6"/>
+                                        </p:tgtEl>
+                                      </p:cBhvr>
+                                    </p:animEffect>
+                                  </p:childTnLst>
+                                </p:cTn>
+                              </p:par>
+                            </p:childTnLst>
+                          </p:cTn>
+                        </p:par>
+                      </p:childTnLst>
+                    </p:cTn>
+                  </p:par>
+                </p:childTnLst>
+              </p:cTn>
+              <p:prevCondLst>
+                <p:cond evt="onPrev" delay="0">
+                  <p:tgtEl>
+                    <p:sldTgt/>
+                  </p:tgtEl>
+                </p:cond>
+              </p:prevCondLst>
+              <p:nextCondLst>
+                <p:cond evt="onNext" delay="0">
+                  <p:tgtEl>
+                    <p:sldTgt/>
+                  </p:tgtEl>
+                </p:cond>
+              </p:nextCondLst>
+            </p:seq>
+          </p:childTnLst>
+        </p:cTn>
+      </p:par>
+    </p:tnLst>
+    <p:bldLst>
+      <p:bldP spid="7" grpId="0"/>
+      <p:bldP spid="6" grpId="0"/>
+    </p:bldLst>
+  </p:timing>
+</p:sld>
+</file>
+
+<file path=ppt/slides/slide13.xml><?xml version="1.0" encoding="utf-8"?>
+<p:sld xmlns:a="http://schemas.openxmlformats.org/drawingml/2006/main" xmlns:r="http://schemas.openxmlformats.org/officeDocument/2006/relationships" xmlns:p="http://schemas.openxmlformats.org/presentationml/2006/main">
+  <p:cSld>
+    <p:spTree>
+      <p:nvGrpSpPr>
+        <p:cNvPr id="1" name=""/>
+        <p:cNvGrpSpPr/>
+        <p:nvPr/>
+      </p:nvGrpSpPr>
+      <p:grpSpPr/>
+      <p:sp>
+        <p:nvSpPr>
+          <p:cNvPr id="14" name="文本框 13"/>
+          <p:cNvSpPr txBox="1"/>
+          <p:nvPr userDrawn="1"/>
+        </p:nvSpPr>
+        <p:spPr>
+          <a:xfrm>
+            <a:off x="938530" y="1536065"/>
+            <a:ext cx="3620770" cy="3784600"/>
+          </a:xfrm>
+          <a:prstGeom prst="rect">
+            <a:avLst/>
+          </a:prstGeom>
+          <a:noFill/>
+        </p:spPr>
+        <p:txBody>
+          <a:bodyPr wrap="square" rtlCol="0">
+            <a:spAutoFit/>
+          </a:bodyPr>
+          <a:p>
+            <a:r>
+              <a:rPr lang="en-US" altLang="zh-CN" sz="24000">
+                <a:solidFill>
+                  <a:schemeClr val="bg1"/>
+                </a:solidFill>
+                <a:latin typeface="Arial Regular" panose="020B0604020202090204" charset="0"/>
+                <a:ea typeface="Microsoft YaHei Regular" panose="020B0703020204020201" charset="-122"/>
+                <a:cs typeface="Arial Regular" panose="020B0604020202090204" charset="0"/>
+              </a:rPr>
+              <a:t>03</a:t>
+            </a:r>
+            <a:endParaRPr lang="en-US" altLang="zh-CN" sz="24000">
+              <a:solidFill>
+                <a:schemeClr val="bg1"/>
+              </a:solidFill>
+              <a:latin typeface="Arial Regular" panose="020B0604020202090204" charset="0"/>
+              <a:ea typeface="Microsoft YaHei Regular" panose="020B0703020204020201" charset="-122"/>
+              <a:cs typeface="Arial Regular" panose="020B0604020202090204" charset="0"/>
+            </a:endParaRPr>
+          </a:p>
+        </p:txBody>
+      </p:sp>
+      <p:sp>
+        <p:nvSpPr>
+          <p:cNvPr id="16" name="文本框 15"/>
+          <p:cNvSpPr txBox="1"/>
+          <p:nvPr userDrawn="1"/>
+        </p:nvSpPr>
+        <p:spPr>
+          <a:xfrm>
+            <a:off x="5161915" y="2323465"/>
+            <a:ext cx="5932170" cy="891540"/>
+          </a:xfrm>
+          <a:prstGeom prst="rect">
+            <a:avLst/>
+          </a:prstGeom>
+          <a:noFill/>
+        </p:spPr>
+        <p:txBody>
+          <a:bodyPr wrap="square" rtlCol="0">
+            <a:spAutoFit/>
+          </a:bodyPr>
+          <a:p>
+            <a:pPr algn="l"/>
+            <a:r>
+              <a:rPr lang="en-US" altLang="zh-CN" sz="5200" b="1" dirty="0">
+                <a:solidFill>
+                  <a:srgbClr val="4669E3"/>
+                </a:solidFill>
+                <a:latin typeface="Microsoft YaHei Bold" panose="020B0703020204020201" charset="-122"/>
+                <a:ea typeface="Microsoft YaHei Bold" panose="020B0703020204020201" charset="-122"/>
+                <a:cs typeface="+mn-ea"/>
+                <a:sym typeface="+mn-lt"/>
+              </a:rPr>
+              <a:t>AAC</a:t>
+            </a:r>
+            <a:endParaRPr lang="en-US" altLang="zh-CN" sz="5200" b="1" dirty="0">
+              <a:solidFill>
+                <a:srgbClr val="4669E3"/>
+              </a:solidFill>
+              <a:latin typeface="Microsoft YaHei Bold" panose="020B0703020204020201" charset="-122"/>
+              <a:ea typeface="Microsoft YaHei Bold" panose="020B0703020204020201" charset="-122"/>
+              <a:cs typeface="+mn-ea"/>
+              <a:sym typeface="+mn-lt"/>
+            </a:endParaRPr>
+          </a:p>
+        </p:txBody>
+      </p:sp>
+      <p:sp>
+        <p:nvSpPr>
+          <p:cNvPr id="17" name="文本框 16"/>
+          <p:cNvSpPr txBox="1"/>
+          <p:nvPr userDrawn="1"/>
+        </p:nvSpPr>
+        <p:spPr>
+          <a:xfrm>
+            <a:off x="5161915" y="3328670"/>
+            <a:ext cx="6539865" cy="460375"/>
+          </a:xfrm>
+          <a:prstGeom prst="rect">
+            <a:avLst/>
+          </a:prstGeom>
+          <a:noFill/>
+        </p:spPr>
+        <p:txBody>
+          <a:bodyPr wrap="square" rtlCol="0">
+            <a:spAutoFit/>
+          </a:bodyPr>
+          <a:p>
+            <a:pPr algn="l"/>
+            <a:r>
+              <a:rPr lang="en-US" altLang="zh-CN" sz="2400" dirty="0">
+                <a:solidFill>
+                  <a:schemeClr val="tx1">
+                    <a:lumMod val="75000"/>
+                    <a:lumOff val="25000"/>
+                  </a:schemeClr>
+                </a:solidFill>
+                <a:latin typeface="Microsoft YaHei Regular" panose="020B0703020204020201" charset="-122"/>
+                <a:ea typeface="Microsoft YaHei Regular" panose="020B0703020204020201" charset="-122"/>
+                <a:cs typeface="+mn-ea"/>
+                <a:sym typeface="+mn-lt"/>
+              </a:rPr>
+              <a:t>1.AAC </a:t>
+            </a:r>
+            <a:r>
+              <a:rPr lang="zh-CN" altLang="en-US" sz="2400" dirty="0">
+                <a:solidFill>
+                  <a:schemeClr val="tx1">
+                    <a:lumMod val="75000"/>
+                    <a:lumOff val="25000"/>
+                  </a:schemeClr>
+                </a:solidFill>
+                <a:latin typeface="Microsoft YaHei Regular" panose="020B0703020204020201" charset="-122"/>
+                <a:ea typeface="Microsoft YaHei Regular" panose="020B0703020204020201" charset="-122"/>
+                <a:cs typeface="+mn-ea"/>
+                <a:sym typeface="+mn-lt"/>
+              </a:rPr>
+              <a:t>简介</a:t>
+            </a:r>
+            <a:endParaRPr lang="zh-CN" altLang="en-US" sz="2400" dirty="0">
+              <a:solidFill>
+                <a:schemeClr val="tx1">
+                  <a:lumMod val="75000"/>
+                  <a:lumOff val="25000"/>
+                </a:schemeClr>
+              </a:solidFill>
+              <a:latin typeface="Microsoft YaHei Regular" panose="020B0703020204020201" charset="-122"/>
+              <a:ea typeface="Microsoft YaHei Regular" panose="020B0703020204020201" charset="-122"/>
+              <a:cs typeface="+mn-ea"/>
+              <a:sym typeface="+mn-lt"/>
+            </a:endParaRPr>
+          </a:p>
+        </p:txBody>
+      </p:sp>
+    </p:spTree>
+  </p:cSld>
+  <p:clrMapOvr>
+    <a:masterClrMapping/>
+  </p:clrMapOvr>
+  <p:timing>
+    <p:tnLst>
+      <p:par>
+        <p:cTn id="1" dur="indefinite" restart="never" nodeType="tmRoot">
+          <p:childTnLst>
+            <p:seq concurrent="1" nextAc="seek">
+              <p:cTn id="2" dur="indefinite" nodeType="mainSeq">
+                <p:childTnLst>
+                  <p:par>
+                    <p:cTn id="3" fill="hold">
+                      <p:stCondLst>
+                        <p:cond delay="indefinite"/>
+                        <p:cond evt="onBegin" delay="0">
+                          <p:tn val="2"/>
+                        </p:cond>
+                      </p:stCondLst>
+                      <p:childTnLst>
+                        <p:par>
+                          <p:cTn id="4" fill="hold">
+                            <p:stCondLst>
+                              <p:cond delay="0"/>
+                            </p:stCondLst>
+                            <p:childTnLst>
+                              <p:par>
+                                <p:cTn id="5" presetID="55" presetClass="entr" presetSubtype="0" fill="hold" grpId="0" nodeType="withEffect">
+                                  <p:stCondLst>
+                                    <p:cond delay="0"/>
+                                  </p:stCondLst>
+                                  <p:childTnLst>
+                                    <p:set>
+                                      <p:cBhvr>
+                                        <p:cTn id="6" dur="1" fill="hold">
+                                          <p:stCondLst>
+                                            <p:cond delay="0"/>
+                                          </p:stCondLst>
+                                        </p:cTn>
+                                        <p:tgtEl>
+                                          <p:spTgt spid="16"/>
+                                        </p:tgtEl>
+                                        <p:attrNameLst>
+                                          <p:attrName>style.visibility</p:attrName>
+                                        </p:attrNameLst>
+                                      </p:cBhvr>
+                                      <p:to>
+                                        <p:strVal val="visible"/>
+                                      </p:to>
+                                    </p:set>
+                                    <p:anim calcmode="lin" valueType="num">
+                                      <p:cBhvr>
+                                        <p:cTn id="7" dur="1000" fill="hold"/>
+                                        <p:tgtEl>
+                                          <p:spTgt spid="16"/>
+                                        </p:tgtEl>
+                                        <p:attrNameLst>
+                                          <p:attrName>ppt_w</p:attrName>
+                                        </p:attrNameLst>
+                                      </p:cBhvr>
+                                      <p:tavLst>
+                                        <p:tav tm="0">
+                                          <p:val>
+                                            <p:strVal val="#ppt_w*0.70"/>
+                                          </p:val>
+                                        </p:tav>
+                                        <p:tav tm="100000">
+                                          <p:val>
+                                            <p:strVal val="#ppt_w"/>
+                                          </p:val>
+                                        </p:tav>
+                                      </p:tavLst>
+                                    </p:anim>
+                                    <p:anim calcmode="lin" valueType="num">
+                                      <p:cBhvr>
+                                        <p:cTn id="8" dur="1000" fill="hold"/>
+                                        <p:tgtEl>
+                                          <p:spTgt spid="16"/>
+                                        </p:tgtEl>
+                                        <p:attrNameLst>
+                                          <p:attrName>ppt_h</p:attrName>
+                                        </p:attrNameLst>
+                                      </p:cBhvr>
+                                      <p:tavLst>
+                                        <p:tav tm="0">
+                                          <p:val>
+                                            <p:strVal val="#ppt_h"/>
+                                          </p:val>
+                                        </p:tav>
+                                        <p:tav tm="100000">
+                                          <p:val>
+                                            <p:strVal val="#ppt_h"/>
+                                          </p:val>
+                                        </p:tav>
+                                      </p:tavLst>
+                                    </p:anim>
+                                    <p:animEffect transition="in" filter="fade">
+                                      <p:cBhvr>
+                                        <p:cTn id="9" dur="1000"/>
+                                        <p:tgtEl>
+                                          <p:spTgt spid="16"/>
+                                        </p:tgtEl>
+                                      </p:cBhvr>
+                                    </p:animEffect>
+                                  </p:childTnLst>
+                                </p:cTn>
+                              </p:par>
+                              <p:par>
+                                <p:cTn id="10" presetID="55" presetClass="entr" presetSubtype="0" fill="hold" grpId="0" nodeType="withEffect">
+                                  <p:stCondLst>
+                                    <p:cond delay="0"/>
+                                  </p:stCondLst>
+                                  <p:childTnLst>
+                                    <p:set>
+                                      <p:cBhvr>
+                                        <p:cTn id="11" dur="1" fill="hold">
+                                          <p:stCondLst>
+                                            <p:cond delay="0"/>
+                                          </p:stCondLst>
+                                        </p:cTn>
+                                        <p:tgtEl>
+                                          <p:spTgt spid="17"/>
+                                        </p:tgtEl>
+                                        <p:attrNameLst>
+                                          <p:attrName>style.visibility</p:attrName>
+                                        </p:attrNameLst>
+                                      </p:cBhvr>
+                                      <p:to>
+                                        <p:strVal val="visible"/>
+                                      </p:to>
+                                    </p:set>
+                                    <p:anim calcmode="lin" valueType="num">
+                                      <p:cBhvr>
+                                        <p:cTn id="12" dur="1000" fill="hold"/>
+                                        <p:tgtEl>
+                                          <p:spTgt spid="17"/>
+                                        </p:tgtEl>
+                                        <p:attrNameLst>
+                                          <p:attrName>ppt_w</p:attrName>
+                                        </p:attrNameLst>
+                                      </p:cBhvr>
+                                      <p:tavLst>
+                                        <p:tav tm="0">
+                                          <p:val>
+                                            <p:strVal val="#ppt_w*0.70"/>
+                                          </p:val>
+                                        </p:tav>
+                                        <p:tav tm="100000">
+                                          <p:val>
+                                            <p:strVal val="#ppt_w"/>
+                                          </p:val>
+                                        </p:tav>
+                                      </p:tavLst>
+                                    </p:anim>
+                                    <p:anim calcmode="lin" valueType="num">
+                                      <p:cBhvr>
+                                        <p:cTn id="13" dur="1000" fill="hold"/>
+                                        <p:tgtEl>
+                                          <p:spTgt spid="17"/>
+                                        </p:tgtEl>
+                                        <p:attrNameLst>
+                                          <p:attrName>ppt_h</p:attrName>
+                                        </p:attrNameLst>
+                                      </p:cBhvr>
+                                      <p:tavLst>
+                                        <p:tav tm="0">
+                                          <p:val>
+                                            <p:strVal val="#ppt_h"/>
+                                          </p:val>
+                                        </p:tav>
+                                        <p:tav tm="100000">
+                                          <p:val>
+                                            <p:strVal val="#ppt_h"/>
+                                          </p:val>
+                                        </p:tav>
+                                      </p:tavLst>
+                                    </p:anim>
+                                    <p:animEffect transition="in" filter="fade">
+                                      <p:cBhvr>
+                                        <p:cTn id="14" dur="1000"/>
+                                        <p:tgtEl>
+                                          <p:spTgt spid="17"/>
+                                        </p:tgtEl>
+                                      </p:cBhvr>
+                                    </p:animEffect>
+                                  </p:childTnLst>
+                                </p:cTn>
+                              </p:par>
+                            </p:childTnLst>
+                          </p:cTn>
+                        </p:par>
+                      </p:childTnLst>
+                    </p:cTn>
+                  </p:par>
+                </p:childTnLst>
+              </p:cTn>
+              <p:prevCondLst>
+                <p:cond evt="onPrev" delay="0">
+                  <p:tgtEl>
+                    <p:sldTgt/>
+                  </p:tgtEl>
+                </p:cond>
+              </p:prevCondLst>
+              <p:nextCondLst>
+                <p:cond evt="onNext" delay="0">
+                  <p:tgtEl>
+                    <p:sldTgt/>
+                  </p:tgtEl>
+                </p:cond>
+              </p:nextCondLst>
+            </p:seq>
+          </p:childTnLst>
+        </p:cTn>
+      </p:par>
+    </p:tnLst>
+    <p:bldLst>
+      <p:bldP spid="16" grpId="0"/>
+      <p:bldP spid="17" grpId="0"/>
+    </p:bldLst>
+  </p:timing>
+</p:sld>
+</file>
+
+<file path=ppt/slides/slide14.xml><?xml version="1.0" encoding="utf-8"?>
+<p:sld xmlns:a="http://schemas.openxmlformats.org/drawingml/2006/main" xmlns:r="http://schemas.openxmlformats.org/officeDocument/2006/relationships" xmlns:p="http://schemas.openxmlformats.org/presentationml/2006/main">
+  <p:cSld>
+    <p:spTree>
+      <p:nvGrpSpPr>
+        <p:cNvPr id="1" name=""/>
+        <p:cNvGrpSpPr/>
+        <p:nvPr/>
+      </p:nvGrpSpPr>
+      <p:grpSpPr/>
+      <p:sp>
+        <p:nvSpPr>
+          <p:cNvPr id="7" name="文本框 6"/>
+          <p:cNvSpPr txBox="1"/>
+          <p:nvPr/>
+        </p:nvSpPr>
+        <p:spPr>
+          <a:xfrm>
+            <a:off x="3155950" y="1312545"/>
+            <a:ext cx="5878830" cy="645160"/>
+          </a:xfrm>
+          <a:prstGeom prst="rect">
+            <a:avLst/>
+          </a:prstGeom>
+          <a:noFill/>
+        </p:spPr>
+        <p:txBody>
+          <a:bodyPr wrap="square" rtlCol="0">
+            <a:spAutoFit/>
+          </a:bodyPr>
+          <a:p>
+            <a:pPr algn="ctr"/>
+            <a:r>
+              <a:rPr lang="en-US" altLang="zh-CN" sz="3600" b="1" dirty="0">
+                <a:solidFill>
+                  <a:srgbClr val="4669E3"/>
+                </a:solidFill>
+                <a:latin typeface="Microsoft YaHei Bold" panose="020B0703020204020201" charset="-122"/>
+                <a:ea typeface="Microsoft YaHei Bold" panose="020B0703020204020201" charset="-122"/>
+                <a:cs typeface="+mn-ea"/>
+                <a:sym typeface="+mn-lt"/>
+              </a:rPr>
+              <a:t>AAC</a:t>
+            </a:r>
+            <a:endParaRPr lang="en-US" altLang="zh-CN" sz="3600" b="1" dirty="0">
+              <a:solidFill>
+                <a:srgbClr val="4669E3"/>
+              </a:solidFill>
+              <a:latin typeface="Microsoft YaHei Bold" panose="020B0703020204020201" charset="-122"/>
+              <a:ea typeface="Microsoft YaHei Bold" panose="020B0703020204020201" charset="-122"/>
+              <a:cs typeface="+mn-ea"/>
+              <a:sym typeface="+mn-lt"/>
+            </a:endParaRPr>
+          </a:p>
+        </p:txBody>
+      </p:sp>
+      <p:sp>
+        <p:nvSpPr>
+          <p:cNvPr id="6" name="文本框 5"/>
+          <p:cNvSpPr txBox="1"/>
+          <p:nvPr/>
+        </p:nvSpPr>
+        <p:spPr>
+          <a:xfrm>
+            <a:off x="2647385" y="2151291"/>
+            <a:ext cx="6897231" cy="347345"/>
+          </a:xfrm>
+          <a:prstGeom prst="rect">
+            <a:avLst/>
+          </a:prstGeom>
+          <a:noFill/>
+        </p:spPr>
+        <p:txBody>
+          <a:bodyPr wrap="square" rtlCol="0">
+            <a:spAutoFit/>
+          </a:bodyPr>
+          <a:p>
+            <a:pPr algn="l">
+              <a:lnSpc>
+                <a:spcPts val="2000"/>
+              </a:lnSpc>
+            </a:pPr>
+            <a:r>
+              <a:rPr lang="zh-CN" altLang="en-US" sz="1400" dirty="0">
+                <a:solidFill>
+                  <a:srgbClr val="323335"/>
+                </a:solidFill>
+                <a:latin typeface="黑体" panose="02010609060101010101" charset="-122"/>
+                <a:ea typeface="黑体" panose="02010609060101010101" charset="-122"/>
+                <a:cs typeface="黑体" panose="02010609060101010101" charset="-122"/>
+                <a:sym typeface="+mn-lt"/>
+              </a:rPr>
+              <a:t>内容</a:t>
+            </a:r>
+            <a:endParaRPr lang="zh-CN" altLang="en-US" sz="1400" dirty="0">
+              <a:solidFill>
+                <a:srgbClr val="323335"/>
+              </a:solidFill>
+              <a:latin typeface="黑体" panose="02010609060101010101" charset="-122"/>
+              <a:ea typeface="黑体" panose="02010609060101010101" charset="-122"/>
+              <a:cs typeface="黑体" panose="02010609060101010101" charset="-122"/>
+              <a:sym typeface="+mn-lt"/>
+            </a:endParaRPr>
+          </a:p>
+        </p:txBody>
+      </p:sp>
+    </p:spTree>
+  </p:cSld>
+  <p:clrMapOvr>
+    <a:masterClrMapping/>
+  </p:clrMapOvr>
+  <p:timing>
+    <p:tnLst>
+      <p:par>
+        <p:cTn id="1" dur="indefinite" restart="never" nodeType="tmRoot">
+          <p:childTnLst>
+            <p:seq concurrent="1" nextAc="seek">
+              <p:cTn id="2" dur="indefinite" nodeType="mainSeq">
+                <p:childTnLst>
+                  <p:par>
+                    <p:cTn id="3" fill="hold">
+                      <p:stCondLst>
+                        <p:cond delay="indefinite"/>
+                        <p:cond evt="onBegin" delay="0">
+                          <p:tn val="2"/>
+                        </p:cond>
+                      </p:stCondLst>
+                      <p:childTnLst>
+                        <p:par>
+                          <p:cTn id="4" fill="hold">
+                            <p:stCondLst>
+                              <p:cond delay="0"/>
+                            </p:stCondLst>
+                            <p:childTnLst>
+                              <p:par>
+                                <p:cTn id="5" presetID="4" presetClass="entr" presetSubtype="16" fill="hold" grpId="0" nodeType="withEffect">
+                                  <p:stCondLst>
+                                    <p:cond delay="0"/>
+                                  </p:stCondLst>
+                                  <p:childTnLst>
+                                    <p:set>
+                                      <p:cBhvr>
+                                        <p:cTn id="6" dur="1" fill="hold">
+                                          <p:stCondLst>
+                                            <p:cond delay="0"/>
+                                          </p:stCondLst>
+                                        </p:cTn>
+                                        <p:tgtEl>
+                                          <p:spTgt spid="7"/>
+                                        </p:tgtEl>
+                                        <p:attrNameLst>
+                                          <p:attrName>style.visibility</p:attrName>
+                                        </p:attrNameLst>
+                                      </p:cBhvr>
+                                      <p:to>
+                                        <p:strVal val="visible"/>
+                                      </p:to>
+                                    </p:set>
+                                    <p:animEffect transition="in" filter="box(in)">
+                                      <p:cBhvr>
+                                        <p:cTn id="7" dur="2000"/>
+                                        <p:tgtEl>
+                                          <p:spTgt spid="7"/>
+                                        </p:tgtEl>
+                                      </p:cBhvr>
+                                    </p:animEffect>
+                                  </p:childTnLst>
+                                </p:cTn>
+                              </p:par>
+                            </p:childTnLst>
+                          </p:cTn>
+                        </p:par>
+                        <p:par>
+                          <p:cTn id="8" fill="hold">
+                            <p:stCondLst>
+                              <p:cond delay="2000"/>
+                            </p:stCondLst>
+                            <p:childTnLst>
+                              <p:par>
+                                <p:cTn id="9" presetID="4" presetClass="entr" presetSubtype="16" fill="hold" grpId="0" nodeType="afterEffect">
+                                  <p:stCondLst>
+                                    <p:cond delay="0"/>
+                                  </p:stCondLst>
+                                  <p:childTnLst>
+                                    <p:set>
+                                      <p:cBhvr>
+                                        <p:cTn id="10" dur="1" fill="hold">
+                                          <p:stCondLst>
+                                            <p:cond delay="0"/>
+                                          </p:stCondLst>
+                                        </p:cTn>
+                                        <p:tgtEl>
+                                          <p:spTgt spid="6"/>
+                                        </p:tgtEl>
+                                        <p:attrNameLst>
+                                          <p:attrName>style.visibility</p:attrName>
+                                        </p:attrNameLst>
+                                      </p:cBhvr>
+                                      <p:to>
+                                        <p:strVal val="visible"/>
+                                      </p:to>
+                                    </p:set>
+                                    <p:animEffect transition="in" filter="box(in)">
+                                      <p:cBhvr>
+                                        <p:cTn id="11" dur="2000"/>
+                                        <p:tgtEl>
+                                          <p:spTgt spid="6"/>
+                                        </p:tgtEl>
+                                      </p:cBhvr>
+                                    </p:animEffect>
+                                  </p:childTnLst>
+                                </p:cTn>
+                              </p:par>
+                            </p:childTnLst>
+                          </p:cTn>
+                        </p:par>
+                      </p:childTnLst>
+                    </p:cTn>
+                  </p:par>
+                </p:childTnLst>
+              </p:cTn>
+              <p:prevCondLst>
+                <p:cond evt="onPrev" delay="0">
+                  <p:tgtEl>
+                    <p:sldTgt/>
+                  </p:tgtEl>
+                </p:cond>
+              </p:prevCondLst>
+              <p:nextCondLst>
+                <p:cond evt="onNext" delay="0">
+                  <p:tgtEl>
+                    <p:sldTgt/>
+                  </p:tgtEl>
+                </p:cond>
+              </p:nextCondLst>
+            </p:seq>
+          </p:childTnLst>
+        </p:cTn>
+      </p:par>
+    </p:tnLst>
+    <p:bldLst>
+      <p:bldP spid="7" grpId="0"/>
+      <p:bldP spid="6" grpId="0"/>
+    </p:bldLst>
+  </p:timing>
+</p:sld>
+</file>
+
+<file path=ppt/slides/slide15.xml><?xml version="1.0" encoding="utf-8"?>
+<p:sld xmlns:a="http://schemas.openxmlformats.org/drawingml/2006/main" xmlns:r="http://schemas.openxmlformats.org/officeDocument/2006/relationships" xmlns:p="http://schemas.openxmlformats.org/presentationml/2006/main">
+  <p:cSld>
+    <p:spTree>
+      <p:nvGrpSpPr>
+        <p:cNvPr id="1" name=""/>
+        <p:cNvGrpSpPr/>
+        <p:nvPr/>
+      </p:nvGrpSpPr>
+      <p:grpSpPr/>
+      <p:sp>
+        <p:nvSpPr>
+          <p:cNvPr id="14" name="文本框 13"/>
+          <p:cNvSpPr txBox="1"/>
+          <p:nvPr userDrawn="1"/>
+        </p:nvSpPr>
+        <p:spPr>
+          <a:xfrm>
+            <a:off x="938530" y="1536065"/>
+            <a:ext cx="3620770" cy="3784600"/>
+          </a:xfrm>
+          <a:prstGeom prst="rect">
+            <a:avLst/>
+          </a:prstGeom>
+          <a:noFill/>
+        </p:spPr>
+        <p:txBody>
+          <a:bodyPr wrap="square" rtlCol="0">
+            <a:spAutoFit/>
+          </a:bodyPr>
+          <a:p>
+            <a:r>
+              <a:rPr lang="en-US" altLang="zh-CN" sz="24000">
+                <a:solidFill>
+                  <a:schemeClr val="bg1"/>
+                </a:solidFill>
+                <a:latin typeface="Arial Regular" panose="020B0604020202090204" charset="0"/>
+                <a:ea typeface="Microsoft YaHei Regular" panose="020B0703020204020201" charset="-122"/>
+                <a:cs typeface="Arial Regular" panose="020B0604020202090204" charset="0"/>
+              </a:rPr>
+              <a:t>04</a:t>
+            </a:r>
+            <a:endParaRPr lang="en-US" altLang="zh-CN" sz="24000">
+              <a:solidFill>
+                <a:schemeClr val="bg1"/>
+              </a:solidFill>
+              <a:latin typeface="Arial Regular" panose="020B0604020202090204" charset="0"/>
+              <a:ea typeface="Microsoft YaHei Regular" panose="020B0703020204020201" charset="-122"/>
+              <a:cs typeface="Arial Regular" panose="020B0604020202090204" charset="0"/>
+            </a:endParaRPr>
+          </a:p>
+        </p:txBody>
+      </p:sp>
+      <p:sp>
+        <p:nvSpPr>
+          <p:cNvPr id="16" name="文本框 15"/>
+          <p:cNvSpPr txBox="1"/>
+          <p:nvPr userDrawn="1"/>
+        </p:nvSpPr>
+        <p:spPr>
+          <a:xfrm>
+            <a:off x="5161915" y="2323465"/>
+            <a:ext cx="5932170" cy="891540"/>
+          </a:xfrm>
+          <a:prstGeom prst="rect">
+            <a:avLst/>
+          </a:prstGeom>
+          <a:noFill/>
+        </p:spPr>
+        <p:txBody>
+          <a:bodyPr wrap="square" rtlCol="0">
+            <a:spAutoFit/>
+          </a:bodyPr>
+          <a:p>
+            <a:pPr algn="l"/>
+            <a:r>
+              <a:rPr lang="zh-CN" altLang="en-US" sz="5200" b="1" dirty="0">
+                <a:solidFill>
+                  <a:srgbClr val="4669E3"/>
+                </a:solidFill>
+                <a:latin typeface="Microsoft YaHei Bold" panose="020B0703020204020201" charset="-122"/>
+                <a:ea typeface="Microsoft YaHei Bold" panose="020B0703020204020201" charset="-122"/>
+                <a:cs typeface="+mn-ea"/>
+                <a:sym typeface="+mn-lt"/>
+              </a:rPr>
+              <a:t>实战</a:t>
+            </a:r>
+            <a:endParaRPr lang="zh-CN" altLang="en-US" sz="5200" b="1" dirty="0">
+              <a:solidFill>
+                <a:srgbClr val="4669E3"/>
+              </a:solidFill>
+              <a:latin typeface="Microsoft YaHei Bold" panose="020B0703020204020201" charset="-122"/>
+              <a:ea typeface="Microsoft YaHei Bold" panose="020B0703020204020201" charset="-122"/>
+              <a:cs typeface="+mn-ea"/>
+              <a:sym typeface="+mn-lt"/>
+            </a:endParaRPr>
+          </a:p>
+        </p:txBody>
+      </p:sp>
+      <p:sp>
+        <p:nvSpPr>
+          <p:cNvPr id="17" name="文本框 16"/>
+          <p:cNvSpPr txBox="1"/>
+          <p:nvPr userDrawn="1"/>
+        </p:nvSpPr>
+        <p:spPr>
+          <a:xfrm>
+            <a:off x="5161915" y="3328670"/>
+            <a:ext cx="6539865" cy="1568450"/>
+          </a:xfrm>
+          <a:prstGeom prst="rect">
+            <a:avLst/>
+          </a:prstGeom>
+          <a:noFill/>
+        </p:spPr>
+        <p:txBody>
+          <a:bodyPr wrap="square" rtlCol="0">
+            <a:spAutoFit/>
+          </a:bodyPr>
+          <a:p>
+            <a:pPr algn="l"/>
+            <a:r>
+              <a:rPr lang="en-US" altLang="zh-CN" sz="2400" dirty="0">
+                <a:solidFill>
+                  <a:schemeClr val="tx1">
+                    <a:lumMod val="75000"/>
+                    <a:lumOff val="25000"/>
+                  </a:schemeClr>
+                </a:solidFill>
+                <a:latin typeface="Microsoft YaHei Regular" panose="020B0703020204020201" charset="-122"/>
+                <a:ea typeface="Microsoft YaHei Regular" panose="020B0703020204020201" charset="-122"/>
+                <a:cs typeface="+mn-ea"/>
+                <a:sym typeface="+mn-lt"/>
+              </a:rPr>
+              <a:t>1.</a:t>
+            </a:r>
+            <a:r>
+              <a:rPr lang="zh-CN" altLang="en-US" sz="2400" dirty="0">
+                <a:solidFill>
+                  <a:schemeClr val="tx1">
+                    <a:lumMod val="75000"/>
+                    <a:lumOff val="25000"/>
+                  </a:schemeClr>
+                </a:solidFill>
+                <a:latin typeface="Microsoft YaHei Regular" panose="020B0703020204020201" charset="-122"/>
+                <a:ea typeface="Microsoft YaHei Regular" panose="020B0703020204020201" charset="-122"/>
+                <a:cs typeface="+mn-ea"/>
+                <a:sym typeface="+mn-lt"/>
+              </a:rPr>
+              <a:t>通过</a:t>
+            </a:r>
+            <a:r>
+              <a:rPr lang="en-US" altLang="zh-CN" sz="2400" dirty="0">
+                <a:solidFill>
+                  <a:schemeClr val="tx1">
+                    <a:lumMod val="75000"/>
+                    <a:lumOff val="25000"/>
+                  </a:schemeClr>
+                </a:solidFill>
+                <a:latin typeface="Microsoft YaHei Regular" panose="020B0703020204020201" charset="-122"/>
+                <a:ea typeface="Microsoft YaHei Regular" panose="020B0703020204020201" charset="-122"/>
+                <a:cs typeface="+mn-ea"/>
+                <a:sym typeface="+mn-lt"/>
+              </a:rPr>
+              <a:t>Android </a:t>
+            </a:r>
+            <a:r>
+              <a:rPr lang="zh-CN" altLang="en-US" sz="2400" dirty="0">
+                <a:solidFill>
+                  <a:schemeClr val="tx1">
+                    <a:lumMod val="75000"/>
+                    <a:lumOff val="25000"/>
+                  </a:schemeClr>
+                </a:solidFill>
+                <a:latin typeface="Microsoft YaHei Regular" panose="020B0703020204020201" charset="-122"/>
+                <a:ea typeface="Microsoft YaHei Regular" panose="020B0703020204020201" charset="-122"/>
+                <a:cs typeface="+mn-ea"/>
+                <a:sym typeface="+mn-lt"/>
+              </a:rPr>
+              <a:t>代码解析一个本地视频文件，获得对应的轨道信息。</a:t>
+            </a:r>
+            <a:endParaRPr lang="zh-CN" altLang="en-US" sz="2400" dirty="0">
+              <a:solidFill>
+                <a:schemeClr val="tx1">
+                  <a:lumMod val="75000"/>
+                  <a:lumOff val="25000"/>
+                </a:schemeClr>
+              </a:solidFill>
+              <a:latin typeface="Microsoft YaHei Regular" panose="020B0703020204020201" charset="-122"/>
+              <a:ea typeface="Microsoft YaHei Regular" panose="020B0703020204020201" charset="-122"/>
+              <a:cs typeface="+mn-ea"/>
+              <a:sym typeface="+mn-lt"/>
+            </a:endParaRPr>
+          </a:p>
+          <a:p>
+            <a:pPr algn="l"/>
+            <a:r>
+              <a:rPr lang="en-US" altLang="zh-CN" sz="2400" dirty="0">
+                <a:solidFill>
+                  <a:schemeClr val="tx1">
+                    <a:lumMod val="75000"/>
+                    <a:lumOff val="25000"/>
+                  </a:schemeClr>
+                </a:solidFill>
+                <a:latin typeface="Microsoft YaHei Regular" panose="020B0703020204020201" charset="-122"/>
+                <a:ea typeface="Microsoft YaHei Regular" panose="020B0703020204020201" charset="-122"/>
+                <a:cs typeface="+mn-ea"/>
+                <a:sym typeface="+mn-lt"/>
+              </a:rPr>
+              <a:t>2.</a:t>
+            </a:r>
+            <a:r>
+              <a:rPr lang="zh-CN" altLang="en-US" sz="2400" dirty="0">
+                <a:solidFill>
+                  <a:schemeClr val="tx1">
+                    <a:lumMod val="75000"/>
+                    <a:lumOff val="25000"/>
+                  </a:schemeClr>
+                </a:solidFill>
+                <a:latin typeface="Microsoft YaHei Regular" panose="020B0703020204020201" charset="-122"/>
+                <a:ea typeface="Microsoft YaHei Regular" panose="020B0703020204020201" charset="-122"/>
+                <a:cs typeface="+mn-ea"/>
+                <a:sym typeface="+mn-lt"/>
+              </a:rPr>
+              <a:t>通过</a:t>
+            </a:r>
+            <a:r>
+              <a:rPr lang="en-US" altLang="zh-CN" sz="2400" dirty="0">
+                <a:solidFill>
+                  <a:schemeClr val="tx1">
+                    <a:lumMod val="75000"/>
+                    <a:lumOff val="25000"/>
+                  </a:schemeClr>
+                </a:solidFill>
+                <a:latin typeface="Microsoft YaHei Regular" panose="020B0703020204020201" charset="-122"/>
+                <a:ea typeface="Microsoft YaHei Regular" panose="020B0703020204020201" charset="-122"/>
+                <a:cs typeface="+mn-ea"/>
+                <a:sym typeface="+mn-lt"/>
+              </a:rPr>
+              <a:t>Android </a:t>
+            </a:r>
+            <a:r>
+              <a:rPr lang="zh-CN" altLang="en-US" sz="2400" dirty="0">
+                <a:solidFill>
+                  <a:schemeClr val="tx1">
+                    <a:lumMod val="75000"/>
+                    <a:lumOff val="25000"/>
+                  </a:schemeClr>
+                </a:solidFill>
+                <a:latin typeface="Microsoft YaHei Regular" panose="020B0703020204020201" charset="-122"/>
+                <a:ea typeface="Microsoft YaHei Regular" panose="020B0703020204020201" charset="-122"/>
+                <a:cs typeface="+mn-ea"/>
+                <a:sym typeface="+mn-lt"/>
+              </a:rPr>
+              <a:t>代码将解析出来的轨道信息合成一个视频文件。</a:t>
+            </a:r>
+            <a:endParaRPr lang="zh-CN" altLang="en-US" sz="2400" dirty="0">
+              <a:solidFill>
+                <a:schemeClr val="tx1">
+                  <a:lumMod val="75000"/>
+                  <a:lumOff val="25000"/>
+                </a:schemeClr>
+              </a:solidFill>
+              <a:latin typeface="Microsoft YaHei Regular" panose="020B0703020204020201" charset="-122"/>
+              <a:ea typeface="Microsoft YaHei Regular" panose="020B0703020204020201" charset="-122"/>
+              <a:cs typeface="+mn-ea"/>
+              <a:sym typeface="+mn-lt"/>
+            </a:endParaRPr>
+          </a:p>
+        </p:txBody>
+      </p:sp>
+    </p:spTree>
+  </p:cSld>
+  <p:clrMapOvr>
+    <a:masterClrMapping/>
+  </p:clrMapOvr>
+  <p:timing>
+    <p:tnLst>
+      <p:par>
+        <p:cTn id="1" dur="indefinite" restart="never" nodeType="tmRoot">
+          <p:childTnLst>
+            <p:seq concurrent="1" nextAc="seek">
+              <p:cTn id="2" dur="indefinite" nodeType="mainSeq">
+                <p:childTnLst>
+                  <p:par>
+                    <p:cTn id="3" fill="hold">
+                      <p:stCondLst>
+                        <p:cond delay="indefinite"/>
+                        <p:cond evt="onBegin" delay="0">
+                          <p:tn val="2"/>
+                        </p:cond>
+                      </p:stCondLst>
+                      <p:childTnLst>
+                        <p:par>
+                          <p:cTn id="4" fill="hold">
+                            <p:stCondLst>
+                              <p:cond delay="0"/>
+                            </p:stCondLst>
+                            <p:childTnLst>
+                              <p:par>
+                                <p:cTn id="5" presetID="55" presetClass="entr" presetSubtype="0" fill="hold" grpId="0" nodeType="withEffect">
+                                  <p:stCondLst>
+                                    <p:cond delay="0"/>
+                                  </p:stCondLst>
+                                  <p:childTnLst>
+                                    <p:set>
+                                      <p:cBhvr>
+                                        <p:cTn id="6" dur="1" fill="hold">
+                                          <p:stCondLst>
+                                            <p:cond delay="0"/>
+                                          </p:stCondLst>
+                                        </p:cTn>
+                                        <p:tgtEl>
+                                          <p:spTgt spid="16"/>
+                                        </p:tgtEl>
+                                        <p:attrNameLst>
+                                          <p:attrName>style.visibility</p:attrName>
+                                        </p:attrNameLst>
+                                      </p:cBhvr>
+                                      <p:to>
+                                        <p:strVal val="visible"/>
+                                      </p:to>
+                                    </p:set>
+                                    <p:anim calcmode="lin" valueType="num">
+                                      <p:cBhvr>
+                                        <p:cTn id="7" dur="1000" fill="hold"/>
+                                        <p:tgtEl>
+                                          <p:spTgt spid="16"/>
+                                        </p:tgtEl>
+                                        <p:attrNameLst>
+                                          <p:attrName>ppt_w</p:attrName>
+                                        </p:attrNameLst>
+                                      </p:cBhvr>
+                                      <p:tavLst>
+                                        <p:tav tm="0">
+                                          <p:val>
+                                            <p:strVal val="#ppt_w*0.70"/>
+                                          </p:val>
+                                        </p:tav>
+                                        <p:tav tm="100000">
+                                          <p:val>
+                                            <p:strVal val="#ppt_w"/>
+                                          </p:val>
+                                        </p:tav>
+                                      </p:tavLst>
+                                    </p:anim>
+                                    <p:anim calcmode="lin" valueType="num">
+                                      <p:cBhvr>
+                                        <p:cTn id="8" dur="1000" fill="hold"/>
+                                        <p:tgtEl>
+                                          <p:spTgt spid="16"/>
+                                        </p:tgtEl>
+                                        <p:attrNameLst>
+                                          <p:attrName>ppt_h</p:attrName>
+                                        </p:attrNameLst>
+                                      </p:cBhvr>
+                                      <p:tavLst>
+                                        <p:tav tm="0">
+                                          <p:val>
+                                            <p:strVal val="#ppt_h"/>
+                                          </p:val>
+                                        </p:tav>
+                                        <p:tav tm="100000">
+                                          <p:val>
+                                            <p:strVal val="#ppt_h"/>
+                                          </p:val>
+                                        </p:tav>
+                                      </p:tavLst>
+                                    </p:anim>
+                                    <p:animEffect transition="in" filter="fade">
+                                      <p:cBhvr>
+                                        <p:cTn id="9" dur="1000"/>
+                                        <p:tgtEl>
+                                          <p:spTgt spid="16"/>
+                                        </p:tgtEl>
+                                      </p:cBhvr>
+                                    </p:animEffect>
+                                  </p:childTnLst>
+                                </p:cTn>
+                              </p:par>
+                              <p:par>
+                                <p:cTn id="10" presetID="55" presetClass="entr" presetSubtype="0" fill="hold" grpId="0" nodeType="withEffect">
+                                  <p:stCondLst>
+                                    <p:cond delay="0"/>
+                                  </p:stCondLst>
+                                  <p:childTnLst>
+                                    <p:set>
+                                      <p:cBhvr>
+                                        <p:cTn id="11" dur="1" fill="hold">
+                                          <p:stCondLst>
+                                            <p:cond delay="0"/>
+                                          </p:stCondLst>
+                                        </p:cTn>
+                                        <p:tgtEl>
+                                          <p:spTgt spid="17"/>
+                                        </p:tgtEl>
+                                        <p:attrNameLst>
+                                          <p:attrName>style.visibility</p:attrName>
+                                        </p:attrNameLst>
+                                      </p:cBhvr>
+                                      <p:to>
+                                        <p:strVal val="visible"/>
+                                      </p:to>
+                                    </p:set>
+                                    <p:anim calcmode="lin" valueType="num">
+                                      <p:cBhvr>
+                                        <p:cTn id="12" dur="1000" fill="hold"/>
+                                        <p:tgtEl>
+                                          <p:spTgt spid="17"/>
+                                        </p:tgtEl>
+                                        <p:attrNameLst>
+                                          <p:attrName>ppt_w</p:attrName>
+                                        </p:attrNameLst>
+                                      </p:cBhvr>
+                                      <p:tavLst>
+                                        <p:tav tm="0">
+                                          <p:val>
+                                            <p:strVal val="#ppt_w*0.70"/>
+                                          </p:val>
+                                        </p:tav>
+                                        <p:tav tm="100000">
+                                          <p:val>
+                                            <p:strVal val="#ppt_w"/>
+                                          </p:val>
+                                        </p:tav>
+                                      </p:tavLst>
+                                    </p:anim>
+                                    <p:anim calcmode="lin" valueType="num">
+                                      <p:cBhvr>
+                                        <p:cTn id="13" dur="1000" fill="hold"/>
+                                        <p:tgtEl>
+                                          <p:spTgt spid="17"/>
+                                        </p:tgtEl>
+                                        <p:attrNameLst>
+                                          <p:attrName>ppt_h</p:attrName>
+                                        </p:attrNameLst>
+                                      </p:cBhvr>
+                                      <p:tavLst>
+                                        <p:tav tm="0">
+                                          <p:val>
+                                            <p:strVal val="#ppt_h"/>
+                                          </p:val>
+                                        </p:tav>
+                                        <p:tav tm="100000">
+                                          <p:val>
+                                            <p:strVal val="#ppt_h"/>
+                                          </p:val>
+                                        </p:tav>
+                                      </p:tavLst>
+                                    </p:anim>
+                                    <p:animEffect transition="in" filter="fade">
+                                      <p:cBhvr>
+                                        <p:cTn id="14" dur="1000"/>
+                                        <p:tgtEl>
+                                          <p:spTgt spid="17"/>
+                                        </p:tgtEl>
+                                      </p:cBhvr>
+                                    </p:animEffect>
+                                  </p:childTnLst>
+                                </p:cTn>
+                              </p:par>
+                            </p:childTnLst>
+                          </p:cTn>
+                        </p:par>
+                      </p:childTnLst>
+                    </p:cTn>
+                  </p:par>
+                </p:childTnLst>
+              </p:cTn>
+              <p:prevCondLst>
+                <p:cond evt="onPrev" delay="0">
+                  <p:tgtEl>
+                    <p:sldTgt/>
+                  </p:tgtEl>
+                </p:cond>
+              </p:prevCondLst>
+              <p:nextCondLst>
+                <p:cond evt="onNext" delay="0">
+                  <p:tgtEl>
+                    <p:sldTgt/>
+                  </p:tgtEl>
+                </p:cond>
+              </p:nextCondLst>
+            </p:seq>
+          </p:childTnLst>
+        </p:cTn>
+      </p:par>
+    </p:tnLst>
+    <p:bldLst>
+      <p:bldP spid="16" grpId="0"/>
+      <p:bldP spid="17" grpId="0"/>
+    </p:bldLst>
+  </p:timing>
+</p:sld>
+</file>
+
+<file path=ppt/slides/slide16.xml><?xml version="1.0" encoding="utf-8"?>
+<p:sld xmlns:a="http://schemas.openxmlformats.org/drawingml/2006/main" xmlns:r="http://schemas.openxmlformats.org/officeDocument/2006/relationships" xmlns:p="http://schemas.openxmlformats.org/presentationml/2006/main">
+  <p:cSld>
+    <p:spTree>
+      <p:nvGrpSpPr>
+        <p:cNvPr id="1" name=""/>
+        <p:cNvGrpSpPr/>
+        <p:nvPr/>
+      </p:nvGrpSpPr>
+      <p:grpSpPr/>
+      <p:sp>
+        <p:nvSpPr>
+          <p:cNvPr id="7" name="文本框 6"/>
+          <p:cNvSpPr txBox="1"/>
+          <p:nvPr/>
+        </p:nvSpPr>
+        <p:spPr>
+          <a:xfrm>
+            <a:off x="3155950" y="1312545"/>
+            <a:ext cx="5878830" cy="645160"/>
+          </a:xfrm>
+          <a:prstGeom prst="rect">
+            <a:avLst/>
+          </a:prstGeom>
+          <a:noFill/>
+        </p:spPr>
+        <p:txBody>
+          <a:bodyPr wrap="square" rtlCol="0">
+            <a:spAutoFit/>
+          </a:bodyPr>
+          <a:p>
+            <a:pPr algn="ctr"/>
+            <a:r>
+              <a:rPr lang="zh-CN" altLang="en-US" sz="3600" b="1" dirty="0">
+                <a:solidFill>
+                  <a:srgbClr val="4669E3"/>
+                </a:solidFill>
+                <a:latin typeface="Microsoft YaHei Bold" panose="020B0703020204020201" charset="-122"/>
+                <a:ea typeface="Microsoft YaHei Bold" panose="020B0703020204020201" charset="-122"/>
+                <a:cs typeface="+mn-ea"/>
+                <a:sym typeface="+mn-lt"/>
+              </a:rPr>
+              <a:t>视频拆分</a:t>
+            </a:r>
+            <a:endParaRPr lang="zh-CN" altLang="en-US" sz="3600" b="1" dirty="0">
+              <a:solidFill>
+                <a:srgbClr val="4669E3"/>
+              </a:solidFill>
+              <a:latin typeface="Microsoft YaHei Bold" panose="020B0703020204020201" charset="-122"/>
+              <a:ea typeface="Microsoft YaHei Bold" panose="020B0703020204020201" charset="-122"/>
+              <a:cs typeface="+mn-ea"/>
+              <a:sym typeface="+mn-lt"/>
+            </a:endParaRPr>
+          </a:p>
+        </p:txBody>
+      </p:sp>
+      <p:sp>
+        <p:nvSpPr>
+          <p:cNvPr id="6" name="文本框 5"/>
+          <p:cNvSpPr txBox="1"/>
+          <p:nvPr/>
+        </p:nvSpPr>
+        <p:spPr>
+          <a:xfrm>
+            <a:off x="2647385" y="2151291"/>
+            <a:ext cx="6897231" cy="347345"/>
+          </a:xfrm>
+          <a:prstGeom prst="rect">
+            <a:avLst/>
+          </a:prstGeom>
+          <a:noFill/>
+        </p:spPr>
+        <p:txBody>
+          <a:bodyPr wrap="square" rtlCol="0">
+            <a:spAutoFit/>
+          </a:bodyPr>
+          <a:p>
+            <a:pPr algn="l">
+              <a:lnSpc>
+                <a:spcPts val="2000"/>
+              </a:lnSpc>
+            </a:pPr>
+            <a:r>
+              <a:rPr lang="zh-CN" altLang="en-US" sz="1400" dirty="0">
+                <a:solidFill>
+                  <a:srgbClr val="323335"/>
+                </a:solidFill>
+                <a:latin typeface="黑体" panose="02010609060101010101" charset="-122"/>
+                <a:ea typeface="黑体" panose="02010609060101010101" charset="-122"/>
+                <a:cs typeface="黑体" panose="02010609060101010101" charset="-122"/>
+                <a:sym typeface="+mn-lt"/>
+              </a:rPr>
+              <a:t>内容</a:t>
+            </a:r>
+            <a:endParaRPr lang="zh-CN" altLang="en-US" sz="1400" dirty="0">
+              <a:solidFill>
+                <a:srgbClr val="323335"/>
+              </a:solidFill>
+              <a:latin typeface="黑体" panose="02010609060101010101" charset="-122"/>
+              <a:ea typeface="黑体" panose="02010609060101010101" charset="-122"/>
+              <a:cs typeface="黑体" panose="02010609060101010101" charset="-122"/>
+              <a:sym typeface="+mn-lt"/>
+            </a:endParaRPr>
+          </a:p>
+        </p:txBody>
+      </p:sp>
+    </p:spTree>
+  </p:cSld>
+  <p:clrMapOvr>
+    <a:masterClrMapping/>
+  </p:clrMapOvr>
+  <p:timing>
+    <p:tnLst>
+      <p:par>
+        <p:cTn id="1" dur="indefinite" restart="never" nodeType="tmRoot">
+          <p:childTnLst>
+            <p:seq concurrent="1" nextAc="seek">
+              <p:cTn id="2" dur="indefinite" nodeType="mainSeq">
+                <p:childTnLst>
+                  <p:par>
+                    <p:cTn id="3" fill="hold">
+                      <p:stCondLst>
+                        <p:cond delay="indefinite"/>
+                        <p:cond evt="onBegin" delay="0">
+                          <p:tn val="2"/>
+                        </p:cond>
+                      </p:stCondLst>
+                      <p:childTnLst>
+                        <p:par>
+                          <p:cTn id="4" fill="hold">
+                            <p:stCondLst>
+                              <p:cond delay="0"/>
+                            </p:stCondLst>
+                            <p:childTnLst>
+                              <p:par>
+                                <p:cTn id="5" presetID="4" presetClass="entr" presetSubtype="16" fill="hold" grpId="0" nodeType="withEffect">
+                                  <p:stCondLst>
+                                    <p:cond delay="0"/>
+                                  </p:stCondLst>
+                                  <p:childTnLst>
+                                    <p:set>
+                                      <p:cBhvr>
+                                        <p:cTn id="6" dur="1" fill="hold">
+                                          <p:stCondLst>
+                                            <p:cond delay="0"/>
+                                          </p:stCondLst>
+                                        </p:cTn>
+                                        <p:tgtEl>
+                                          <p:spTgt spid="7"/>
+                                        </p:tgtEl>
+                                        <p:attrNameLst>
+                                          <p:attrName>style.visibility</p:attrName>
+                                        </p:attrNameLst>
+                                      </p:cBhvr>
+                                      <p:to>
+                                        <p:strVal val="visible"/>
+                                      </p:to>
+                                    </p:set>
+                                    <p:animEffect transition="in" filter="box(in)">
+                                      <p:cBhvr>
+                                        <p:cTn id="7" dur="2000"/>
+                                        <p:tgtEl>
+                                          <p:spTgt spid="7"/>
+                                        </p:tgtEl>
+                                      </p:cBhvr>
+                                    </p:animEffect>
+                                  </p:childTnLst>
+                                </p:cTn>
+                              </p:par>
+                            </p:childTnLst>
+                          </p:cTn>
+                        </p:par>
+                        <p:par>
+                          <p:cTn id="8" fill="hold">
+                            <p:stCondLst>
+                              <p:cond delay="2000"/>
+                            </p:stCondLst>
+                            <p:childTnLst>
+                              <p:par>
+                                <p:cTn id="9" presetID="4" presetClass="entr" presetSubtype="16" fill="hold" grpId="0" nodeType="afterEffect">
+                                  <p:stCondLst>
+                                    <p:cond delay="0"/>
+                                  </p:stCondLst>
+                                  <p:childTnLst>
+                                    <p:set>
+                                      <p:cBhvr>
+                                        <p:cTn id="10" dur="1" fill="hold">
+                                          <p:stCondLst>
+                                            <p:cond delay="0"/>
+                                          </p:stCondLst>
+                                        </p:cTn>
+                                        <p:tgtEl>
+                                          <p:spTgt spid="6"/>
+                                        </p:tgtEl>
+                                        <p:attrNameLst>
+                                          <p:attrName>style.visibility</p:attrName>
+                                        </p:attrNameLst>
+                                      </p:cBhvr>
+                                      <p:to>
+                                        <p:strVal val="visible"/>
+                                      </p:to>
+                                    </p:set>
+                                    <p:animEffect transition="in" filter="box(in)">
+                                      <p:cBhvr>
+                                        <p:cTn id="11" dur="2000"/>
+                                        <p:tgtEl>
+                                          <p:spTgt spid="6"/>
+                                        </p:tgtEl>
+                                      </p:cBhvr>
+                                    </p:animEffect>
+                                  </p:childTnLst>
+                                </p:cTn>
+                              </p:par>
+                            </p:childTnLst>
+                          </p:cTn>
+                        </p:par>
+                      </p:childTnLst>
+                    </p:cTn>
+                  </p:par>
+                </p:childTnLst>
+              </p:cTn>
+              <p:prevCondLst>
+                <p:cond evt="onPrev" delay="0">
+                  <p:tgtEl>
+                    <p:sldTgt/>
+                  </p:tgtEl>
+                </p:cond>
+              </p:prevCondLst>
+              <p:nextCondLst>
+                <p:cond evt="onNext" delay="0">
+                  <p:tgtEl>
+                    <p:sldTgt/>
+                  </p:tgtEl>
+                </p:cond>
+              </p:nextCondLst>
+            </p:seq>
+          </p:childTnLst>
+        </p:cTn>
+      </p:par>
+    </p:tnLst>
+    <p:bldLst>
+      <p:bldP spid="7" grpId="0"/>
+      <p:bldP spid="6" grpId="0"/>
+    </p:bldLst>
+  </p:timing>
+</p:sld>
+</file>
+
+<file path=ppt/slides/slide17.xml><?xml version="1.0" encoding="utf-8"?>
+<p:sld xmlns:a="http://schemas.openxmlformats.org/drawingml/2006/main" xmlns:r="http://schemas.openxmlformats.org/officeDocument/2006/relationships" xmlns:p="http://schemas.openxmlformats.org/presentationml/2006/main">
+  <p:cSld>
+    <p:spTree>
+      <p:nvGrpSpPr>
+        <p:cNvPr id="1" name=""/>
+        <p:cNvGrpSpPr/>
+        <p:nvPr/>
+      </p:nvGrpSpPr>
+      <p:grpSpPr/>
+      <p:sp>
+        <p:nvSpPr>
+          <p:cNvPr id="7" name="文本框 6"/>
+          <p:cNvSpPr txBox="1"/>
+          <p:nvPr/>
+        </p:nvSpPr>
+        <p:spPr>
+          <a:xfrm>
+            <a:off x="3155950" y="1312545"/>
+            <a:ext cx="5878830" cy="645160"/>
+          </a:xfrm>
+          <a:prstGeom prst="rect">
+            <a:avLst/>
+          </a:prstGeom>
+          <a:noFill/>
+        </p:spPr>
+        <p:txBody>
+          <a:bodyPr wrap="square" rtlCol="0">
+            <a:spAutoFit/>
+          </a:bodyPr>
+          <a:p>
+            <a:pPr algn="ctr"/>
+            <a:r>
+              <a:rPr lang="zh-CN" altLang="en-US" sz="3600" b="1" dirty="0">
+                <a:solidFill>
+                  <a:srgbClr val="4669E3"/>
+                </a:solidFill>
+                <a:latin typeface="Microsoft YaHei Bold" panose="020B0703020204020201" charset="-122"/>
+                <a:ea typeface="Microsoft YaHei Bold" panose="020B0703020204020201" charset="-122"/>
+                <a:cs typeface="+mn-ea"/>
+                <a:sym typeface="+mn-lt"/>
+              </a:rPr>
+              <a:t>视频封装</a:t>
+            </a:r>
+            <a:endParaRPr lang="zh-CN" altLang="en-US" sz="3600" b="1" dirty="0">
+              <a:solidFill>
+                <a:srgbClr val="4669E3"/>
+              </a:solidFill>
+              <a:latin typeface="Microsoft YaHei Bold" panose="020B0703020204020201" charset="-122"/>
+              <a:ea typeface="Microsoft YaHei Bold" panose="020B0703020204020201" charset="-122"/>
+              <a:cs typeface="+mn-ea"/>
+              <a:sym typeface="+mn-lt"/>
+            </a:endParaRPr>
+          </a:p>
+        </p:txBody>
+      </p:sp>
+      <p:sp>
+        <p:nvSpPr>
+          <p:cNvPr id="6" name="文本框 5"/>
+          <p:cNvSpPr txBox="1"/>
+          <p:nvPr/>
+        </p:nvSpPr>
+        <p:spPr>
+          <a:xfrm>
+            <a:off x="2647385" y="2151291"/>
+            <a:ext cx="6897231" cy="347345"/>
+          </a:xfrm>
+          <a:prstGeom prst="rect">
+            <a:avLst/>
+          </a:prstGeom>
+          <a:noFill/>
+        </p:spPr>
+        <p:txBody>
+          <a:bodyPr wrap="square" rtlCol="0">
+            <a:spAutoFit/>
+          </a:bodyPr>
+          <a:p>
+            <a:pPr algn="l">
+              <a:lnSpc>
+                <a:spcPts val="2000"/>
+              </a:lnSpc>
+            </a:pPr>
+            <a:r>
+              <a:rPr lang="zh-CN" altLang="en-US" sz="1400" dirty="0">
+                <a:solidFill>
+                  <a:srgbClr val="323335"/>
+                </a:solidFill>
+                <a:latin typeface="黑体" panose="02010609060101010101" charset="-122"/>
+                <a:ea typeface="黑体" panose="02010609060101010101" charset="-122"/>
+                <a:cs typeface="黑体" panose="02010609060101010101" charset="-122"/>
+                <a:sym typeface="+mn-lt"/>
+              </a:rPr>
+              <a:t>内容</a:t>
+            </a:r>
+            <a:endParaRPr lang="zh-CN" altLang="en-US" sz="1400" dirty="0">
+              <a:solidFill>
+                <a:srgbClr val="323335"/>
+              </a:solidFill>
+              <a:latin typeface="黑体" panose="02010609060101010101" charset="-122"/>
+              <a:ea typeface="黑体" panose="02010609060101010101" charset="-122"/>
+              <a:cs typeface="黑体" panose="02010609060101010101" charset="-122"/>
+              <a:sym typeface="+mn-lt"/>
+            </a:endParaRPr>
+          </a:p>
+        </p:txBody>
+      </p:sp>
+    </p:spTree>
+  </p:cSld>
+  <p:clrMapOvr>
+    <a:masterClrMapping/>
+  </p:clrMapOvr>
+  <p:timing>
+    <p:tnLst>
+      <p:par>
+        <p:cTn id="1" dur="indefinite" restart="never" nodeType="tmRoot">
+          <p:childTnLst>
+            <p:seq concurrent="1" nextAc="seek">
+              <p:cTn id="2" dur="indefinite" nodeType="mainSeq">
+                <p:childTnLst>
+                  <p:par>
+                    <p:cTn id="3" fill="hold">
+                      <p:stCondLst>
+                        <p:cond delay="indefinite"/>
+                        <p:cond evt="onBegin" delay="0">
+                          <p:tn val="2"/>
+                        </p:cond>
+                      </p:stCondLst>
+                      <p:childTnLst>
+                        <p:par>
+                          <p:cTn id="4" fill="hold">
+                            <p:stCondLst>
+                              <p:cond delay="0"/>
+                            </p:stCondLst>
+                            <p:childTnLst>
+                              <p:par>
+                                <p:cTn id="5" presetID="4" presetClass="entr" presetSubtype="16" fill="hold" grpId="0" nodeType="withEffect">
+                                  <p:stCondLst>
+                                    <p:cond delay="0"/>
+                                  </p:stCondLst>
+                                  <p:childTnLst>
+                                    <p:set>
+                                      <p:cBhvr>
+                                        <p:cTn id="6" dur="1" fill="hold">
+                                          <p:stCondLst>
+                                            <p:cond delay="0"/>
+                                          </p:stCondLst>
+                                        </p:cTn>
+                                        <p:tgtEl>
+                                          <p:spTgt spid="7"/>
+                                        </p:tgtEl>
+                                        <p:attrNameLst>
+                                          <p:attrName>style.visibility</p:attrName>
+                                        </p:attrNameLst>
+                                      </p:cBhvr>
+                                      <p:to>
+                                        <p:strVal val="visible"/>
+                                      </p:to>
+                                    </p:set>
+                                    <p:animEffect transition="in" filter="box(in)">
+                                      <p:cBhvr>
+                                        <p:cTn id="7" dur="2000"/>
+                                        <p:tgtEl>
+                                          <p:spTgt spid="7"/>
+                                        </p:tgtEl>
+                                      </p:cBhvr>
+                                    </p:animEffect>
+                                  </p:childTnLst>
+                                </p:cTn>
+                              </p:par>
+                            </p:childTnLst>
+                          </p:cTn>
+                        </p:par>
+                        <p:par>
+                          <p:cTn id="8" fill="hold">
+                            <p:stCondLst>
+                              <p:cond delay="2000"/>
+                            </p:stCondLst>
+                            <p:childTnLst>
+                              <p:par>
+                                <p:cTn id="9" presetID="4" presetClass="entr" presetSubtype="16" fill="hold" grpId="0" nodeType="afterEffect">
+                                  <p:stCondLst>
+                                    <p:cond delay="0"/>
+                                  </p:stCondLst>
+                                  <p:childTnLst>
+                                    <p:set>
+                                      <p:cBhvr>
+                                        <p:cTn id="10" dur="1" fill="hold">
+                                          <p:stCondLst>
+                                            <p:cond delay="0"/>
+                                          </p:stCondLst>
+                                        </p:cTn>
+                                        <p:tgtEl>
+                                          <p:spTgt spid="6"/>
+                                        </p:tgtEl>
+                                        <p:attrNameLst>
+                                          <p:attrName>style.visibility</p:attrName>
+                                        </p:attrNameLst>
+                                      </p:cBhvr>
+                                      <p:to>
+                                        <p:strVal val="visible"/>
+                                      </p:to>
+                                    </p:set>
+                                    <p:animEffect transition="in" filter="box(in)">
+                                      <p:cBhvr>
+                                        <p:cTn id="11" dur="2000"/>
+                                        <p:tgtEl>
+                                          <p:spTgt spid="6"/>
+                                        </p:tgtEl>
+                                      </p:cBhvr>
+                                    </p:animEffect>
+                                  </p:childTnLst>
+                                </p:cTn>
+                              </p:par>
+                            </p:childTnLst>
+                          </p:cTn>
+                        </p:par>
+                      </p:childTnLst>
+                    </p:cTn>
+                  </p:par>
+                </p:childTnLst>
+              </p:cTn>
+              <p:prevCondLst>
+                <p:cond evt="onPrev" delay="0">
+                  <p:tgtEl>
+                    <p:sldTgt/>
+                  </p:tgtEl>
+                </p:cond>
+              </p:prevCondLst>
+              <p:nextCondLst>
+                <p:cond evt="onNext" delay="0">
+                  <p:tgtEl>
+                    <p:sldTgt/>
+                  </p:tgtEl>
+                </p:cond>
+              </p:nextCondLst>
+            </p:seq>
+          </p:childTnLst>
+        </p:cTn>
+      </p:par>
+    </p:tnLst>
+    <p:bldLst>
+      <p:bldP spid="7" grpId="0"/>
+      <p:bldP spid="6" grpId="0"/>
+    </p:bldLst>
+  </p:timing>
+</p:sld>
+</file>
+
+<file path=ppt/slides/slide18.xml><?xml version="1.0" encoding="utf-8"?>
+<p:sld xmlns:a="http://schemas.openxmlformats.org/drawingml/2006/main" xmlns:r="http://schemas.openxmlformats.org/officeDocument/2006/relationships" xmlns:p="http://schemas.openxmlformats.org/presentationml/2006/main">
+  <p:cSld>
+    <p:spTree>
+      <p:nvGrpSpPr>
+        <p:cNvPr id="1" name=""/>
+        <p:cNvGrpSpPr/>
+        <p:nvPr/>
+      </p:nvGrpSpPr>
+      <p:grpSpPr/>
+    </p:spTree>
+  </p:cSld>
+  <p:clrMapOvr>
+    <a:masterClrMapping/>
+  </p:clrMapOvr>
+</p:sld>
+</file>
+
 <file path=ppt/slides/slide2.xml><?xml version="1.0" encoding="utf-8"?>
 <p:sld xmlns:a="http://schemas.openxmlformats.org/drawingml/2006/main" xmlns:r="http://schemas.openxmlformats.org/officeDocument/2006/relationships" xmlns:p="http://schemas.openxmlformats.org/presentationml/2006/main">
   <p:cSld>
@@ -5592,7 +8055,7 @@
         <p:spPr>
           <a:xfrm>
             <a:off x="5161915" y="3328670"/>
-            <a:ext cx="6539865" cy="1568450"/>
+            <a:ext cx="6539865" cy="1938020"/>
           </a:xfrm>
           <a:prstGeom prst="rect">
             <a:avLst/>
@@ -5678,7 +8141,7 @@
                 <a:cs typeface="+mn-ea"/>
                 <a:sym typeface="+mn-lt"/>
               </a:rPr>
-              <a:t>常用视频格式</a:t>
+              <a:t>常用解码方式</a:t>
             </a:r>
             <a:endParaRPr lang="zh-CN" altLang="en-US" sz="2400" dirty="0">
               <a:solidFill>
@@ -5723,7 +8186,7 @@
                 <a:cs typeface="+mn-ea"/>
                 <a:sym typeface="+mn-lt"/>
               </a:rPr>
-              <a:t>常用音频格式</a:t>
+              <a:t>常用视频格式</a:t>
             </a:r>
             <a:endParaRPr lang="zh-CN" altLang="en-US" sz="2400" dirty="0">
               <a:solidFill>
@@ -5753,7 +8216,52 @@
                 <a:cs typeface="+mn-ea"/>
                 <a:sym typeface="+mn-lt"/>
               </a:rPr>
-              <a:t>4.Android</a:t>
+              <a:t>4.</a:t>
+            </a:r>
+            <a:r>
+              <a:rPr lang="zh-CN" altLang="en-US" sz="2400" dirty="0">
+                <a:solidFill>
+                  <a:schemeClr val="tx1">
+                    <a:lumMod val="75000"/>
+                    <a:lumOff val="25000"/>
+                  </a:schemeClr>
+                </a:solidFill>
+                <a:latin typeface="Microsoft YaHei Regular" panose="020B0703020204020201" charset="-122"/>
+                <a:ea typeface="Microsoft YaHei Regular" panose="020B0703020204020201" charset="-122"/>
+                <a:cs typeface="+mn-ea"/>
+                <a:sym typeface="+mn-lt"/>
+              </a:rPr>
+              <a:t>常用音频格式</a:t>
+            </a:r>
+            <a:endParaRPr lang="zh-CN" altLang="en-US" sz="2400" dirty="0">
+              <a:solidFill>
+                <a:schemeClr val="tx1">
+                  <a:lumMod val="75000"/>
+                  <a:lumOff val="25000"/>
+                </a:schemeClr>
+              </a:solidFill>
+              <a:latin typeface="Microsoft YaHei Regular" panose="020B0703020204020201" charset="-122"/>
+              <a:ea typeface="Microsoft YaHei Regular" panose="020B0703020204020201" charset="-122"/>
+              <a:cs typeface="+mn-ea"/>
+              <a:sym typeface="+mn-lt"/>
+            </a:endParaRPr>
+          </a:p>
+          <a:p>
+            <a:pPr algn="l"/>
+            <a:r>
+              <a:rPr lang="en-US" altLang="zh-CN" sz="2400" dirty="0">
+                <a:solidFill>
+                  <a:schemeClr val="tx1">
+                    <a:lumMod val="75000"/>
+                    <a:lumOff val="25000"/>
+                  </a:schemeClr>
+                </a:solidFill>
+                <a:latin typeface="Microsoft YaHei Regular" panose="020B0703020204020201" charset="-122"/>
+                <a:ea typeface="Microsoft YaHei Regular" panose="020B0703020204020201" charset="-122"/>
+                <a:cs typeface="+mn-ea"/>
+                <a:sym typeface="+mn-lt"/>
+              </a:rPr>
+              <a:t>5.Android</a:t>
             </a:r>
             <a:r>
               <a:rPr lang="zh-CN" altLang="en-US" sz="2400" dirty="0">
@@ -6022,6 +8530,1231 @@
       <p:grpSpPr/>
       <p:sp>
         <p:nvSpPr>
+          <p:cNvPr id="7" name="文本框 6"/>
+          <p:cNvSpPr txBox="1"/>
+          <p:nvPr/>
+        </p:nvSpPr>
+        <p:spPr>
+          <a:xfrm>
+            <a:off x="-861695" y="1197610"/>
+            <a:ext cx="5878830" cy="645160"/>
+          </a:xfrm>
+          <a:prstGeom prst="rect">
+            <a:avLst/>
+          </a:prstGeom>
+          <a:noFill/>
+        </p:spPr>
+        <p:txBody>
+          <a:bodyPr wrap="square" rtlCol="0">
+            <a:spAutoFit/>
+          </a:bodyPr>
+          <a:p>
+            <a:pPr algn="ctr"/>
+            <a:r>
+              <a:rPr lang="zh-CN" sz="3600" b="1" dirty="0">
+                <a:solidFill>
+                  <a:srgbClr val="4669E3"/>
+                </a:solidFill>
+                <a:latin typeface="Microsoft YaHei Bold" panose="020B0703020204020201" charset="-122"/>
+                <a:ea typeface="Microsoft YaHei Bold" panose="020B0703020204020201" charset="-122"/>
+                <a:cs typeface="+mn-ea"/>
+                <a:sym typeface="+mn-lt"/>
+              </a:rPr>
+              <a:t>解码流程</a:t>
+            </a:r>
+            <a:endParaRPr lang="zh-CN" sz="3600" b="1" dirty="0">
+              <a:solidFill>
+                <a:srgbClr val="4669E3"/>
+              </a:solidFill>
+              <a:latin typeface="Microsoft YaHei Bold" panose="020B0703020204020201" charset="-122"/>
+              <a:ea typeface="Microsoft YaHei Bold" panose="020B0703020204020201" charset="-122"/>
+              <a:cs typeface="+mn-ea"/>
+              <a:sym typeface="+mn-lt"/>
+            </a:endParaRPr>
+          </a:p>
+        </p:txBody>
+      </p:sp>
+      <p:pic>
+        <p:nvPicPr>
+          <p:cNvPr id="2" name="图片 1" descr="4"/>
+          <p:cNvPicPr>
+            <a:picLocks noChangeAspect="1"/>
+          </p:cNvPicPr>
+          <p:nvPr>
+            <p:custDataLst>
+              <p:tags r:id="rId1"/>
+            </p:custDataLst>
+          </p:nvPr>
+        </p:nvPicPr>
+        <p:blipFill>
+          <a:blip r:embed="rId2"/>
+          <a:stretch>
+            <a:fillRect/>
+          </a:stretch>
+        </p:blipFill>
+        <p:spPr>
+          <a:xfrm>
+            <a:off x="3425190" y="511175"/>
+            <a:ext cx="6289040" cy="5637530"/>
+          </a:xfrm>
+          <a:prstGeom prst="rect">
+            <a:avLst/>
+          </a:prstGeom>
+        </p:spPr>
+      </p:pic>
+    </p:spTree>
+  </p:cSld>
+  <p:clrMapOvr>
+    <a:masterClrMapping/>
+  </p:clrMapOvr>
+  <p:timing>
+    <p:tnLst>
+      <p:par>
+        <p:cTn id="1" dur="indefinite" restart="never" nodeType="tmRoot">
+          <p:childTnLst>
+            <p:seq concurrent="1" nextAc="seek">
+              <p:cTn id="2" dur="indefinite" nodeType="mainSeq">
+                <p:childTnLst>
+                  <p:par>
+                    <p:cTn id="3" fill="hold">
+                      <p:stCondLst>
+                        <p:cond delay="indefinite"/>
+                        <p:cond evt="onBegin" delay="0">
+                          <p:tn val="2"/>
+                        </p:cond>
+                      </p:stCondLst>
+                      <p:childTnLst>
+                        <p:par>
+                          <p:cTn id="4" fill="hold">
+                            <p:stCondLst>
+                              <p:cond delay="0"/>
+                            </p:stCondLst>
+                            <p:childTnLst>
+                              <p:par>
+                                <p:cTn id="5" presetID="4" presetClass="entr" presetSubtype="16" fill="hold" grpId="0" nodeType="withEffect">
+                                  <p:stCondLst>
+                                    <p:cond delay="0"/>
+                                  </p:stCondLst>
+                                  <p:childTnLst>
+                                    <p:set>
+                                      <p:cBhvr>
+                                        <p:cTn id="6" dur="1" fill="hold">
+                                          <p:stCondLst>
+                                            <p:cond delay="0"/>
+                                          </p:stCondLst>
+                                        </p:cTn>
+                                        <p:tgtEl>
+                                          <p:spTgt spid="7"/>
+                                        </p:tgtEl>
+                                        <p:attrNameLst>
+                                          <p:attrName>style.visibility</p:attrName>
+                                        </p:attrNameLst>
+                                      </p:cBhvr>
+                                      <p:to>
+                                        <p:strVal val="visible"/>
+                                      </p:to>
+                                    </p:set>
+                                    <p:animEffect transition="in" filter="box(in)">
+                                      <p:cBhvr>
+                                        <p:cTn id="7" dur="2000"/>
+                                        <p:tgtEl>
+                                          <p:spTgt spid="7"/>
+                                        </p:tgtEl>
+                                      </p:cBhvr>
+                                    </p:animEffect>
+                                  </p:childTnLst>
+                                </p:cTn>
+                              </p:par>
+                            </p:childTnLst>
+                          </p:cTn>
+                        </p:par>
+                      </p:childTnLst>
+                    </p:cTn>
+                  </p:par>
+                </p:childTnLst>
+              </p:cTn>
+              <p:prevCondLst>
+                <p:cond evt="onPrev" delay="0">
+                  <p:tgtEl>
+                    <p:sldTgt/>
+                  </p:tgtEl>
+                </p:cond>
+              </p:prevCondLst>
+              <p:nextCondLst>
+                <p:cond evt="onNext" delay="0">
+                  <p:tgtEl>
+                    <p:sldTgt/>
+                  </p:tgtEl>
+                </p:cond>
+              </p:nextCondLst>
+            </p:seq>
+          </p:childTnLst>
+        </p:cTn>
+      </p:par>
+    </p:tnLst>
+    <p:bldLst>
+      <p:bldP spid="7" grpId="0"/>
+    </p:bldLst>
+  </p:timing>
+</p:sld>
+</file>
+
+<file path=ppt/slides/slide5.xml><?xml version="1.0" encoding="utf-8"?>
+<p:sld xmlns:a="http://schemas.openxmlformats.org/drawingml/2006/main" xmlns:r="http://schemas.openxmlformats.org/officeDocument/2006/relationships" xmlns:p="http://schemas.openxmlformats.org/presentationml/2006/main">
+  <p:cSld>
+    <p:spTree>
+      <p:nvGrpSpPr>
+        <p:cNvPr id="1" name=""/>
+        <p:cNvGrpSpPr/>
+        <p:nvPr/>
+      </p:nvGrpSpPr>
+      <p:grpSpPr/>
+      <p:sp>
+        <p:nvSpPr>
+          <p:cNvPr id="7" name="文本框 6"/>
+          <p:cNvSpPr txBox="1"/>
+          <p:nvPr/>
+        </p:nvSpPr>
+        <p:spPr>
+          <a:xfrm>
+            <a:off x="3155950" y="1312545"/>
+            <a:ext cx="5878830" cy="645160"/>
+          </a:xfrm>
+          <a:prstGeom prst="rect">
+            <a:avLst/>
+          </a:prstGeom>
+          <a:noFill/>
+        </p:spPr>
+        <p:txBody>
+          <a:bodyPr wrap="square" rtlCol="0">
+            <a:spAutoFit/>
+          </a:bodyPr>
+          <a:p>
+            <a:pPr algn="ctr"/>
+            <a:r>
+              <a:rPr lang="zh-CN" sz="3600" b="1" dirty="0">
+                <a:solidFill>
+                  <a:srgbClr val="4669E3"/>
+                </a:solidFill>
+                <a:latin typeface="Microsoft YaHei Bold" panose="020B0703020204020201" charset="-122"/>
+                <a:ea typeface="Microsoft YaHei Bold" panose="020B0703020204020201" charset="-122"/>
+                <a:cs typeface="+mn-ea"/>
+                <a:sym typeface="+mn-lt"/>
+              </a:rPr>
+              <a:t>常用解码方式</a:t>
+            </a:r>
+            <a:endParaRPr lang="zh-CN" sz="3600" b="1" dirty="0">
+              <a:solidFill>
+                <a:srgbClr val="4669E3"/>
+              </a:solidFill>
+              <a:latin typeface="Microsoft YaHei Bold" panose="020B0703020204020201" charset="-122"/>
+              <a:ea typeface="Microsoft YaHei Bold" panose="020B0703020204020201" charset="-122"/>
+              <a:cs typeface="+mn-ea"/>
+              <a:sym typeface="+mn-lt"/>
+            </a:endParaRPr>
+          </a:p>
+        </p:txBody>
+      </p:sp>
+      <p:sp>
+        <p:nvSpPr>
+          <p:cNvPr id="6" name="文本框 5"/>
+          <p:cNvSpPr txBox="1"/>
+          <p:nvPr/>
+        </p:nvSpPr>
+        <p:spPr>
+          <a:xfrm>
+            <a:off x="2647385" y="2151291"/>
+            <a:ext cx="6897231" cy="603885"/>
+          </a:xfrm>
+          <a:prstGeom prst="rect">
+            <a:avLst/>
+          </a:prstGeom>
+          <a:noFill/>
+        </p:spPr>
+        <p:txBody>
+          <a:bodyPr wrap="square" rtlCol="0">
+            <a:spAutoFit/>
+          </a:bodyPr>
+          <a:p>
+            <a:pPr algn="l">
+              <a:lnSpc>
+                <a:spcPts val="2000"/>
+              </a:lnSpc>
+            </a:pPr>
+            <a:r>
+              <a:rPr lang="zh-CN" altLang="en-US" sz="1400" dirty="0">
+                <a:solidFill>
+                  <a:srgbClr val="323335"/>
+                </a:solidFill>
+                <a:latin typeface="黑体" panose="02010609060101010101" charset="-122"/>
+                <a:ea typeface="黑体" panose="02010609060101010101" charset="-122"/>
+                <a:cs typeface="黑体" panose="02010609060101010101" charset="-122"/>
+                <a:sym typeface="+mn-lt"/>
+              </a:rPr>
+              <a:t>硬解</a:t>
+            </a:r>
+            <a:r>
+              <a:rPr lang="en-US" altLang="zh-CN" sz="1400" dirty="0">
+                <a:solidFill>
+                  <a:srgbClr val="323335"/>
+                </a:solidFill>
+                <a:latin typeface="黑体" panose="02010609060101010101" charset="-122"/>
+                <a:ea typeface="黑体" panose="02010609060101010101" charset="-122"/>
+                <a:cs typeface="黑体" panose="02010609060101010101" charset="-122"/>
+                <a:sym typeface="+mn-lt"/>
+              </a:rPr>
+              <a:t>:</a:t>
+            </a:r>
+            <a:endParaRPr lang="en-US" altLang="zh-CN" sz="1400" dirty="0">
+              <a:solidFill>
+                <a:srgbClr val="323335"/>
+              </a:solidFill>
+              <a:latin typeface="黑体" panose="02010609060101010101" charset="-122"/>
+              <a:ea typeface="黑体" panose="02010609060101010101" charset="-122"/>
+              <a:cs typeface="黑体" panose="02010609060101010101" charset="-122"/>
+              <a:sym typeface="+mn-lt"/>
+            </a:endParaRPr>
+          </a:p>
+          <a:p>
+            <a:pPr algn="l">
+              <a:lnSpc>
+                <a:spcPts val="2000"/>
+              </a:lnSpc>
+            </a:pPr>
+            <a:r>
+              <a:rPr lang="zh-CN" altLang="en-US" sz="1400" dirty="0">
+                <a:solidFill>
+                  <a:srgbClr val="323335"/>
+                </a:solidFill>
+                <a:latin typeface="黑体" panose="02010609060101010101" charset="-122"/>
+                <a:ea typeface="黑体" panose="02010609060101010101" charset="-122"/>
+                <a:cs typeface="黑体" panose="02010609060101010101" charset="-122"/>
+                <a:sym typeface="+mn-lt"/>
+              </a:rPr>
+              <a:t>软解：</a:t>
+            </a:r>
+            <a:endParaRPr lang="zh-CN" altLang="en-US" sz="1400" dirty="0">
+              <a:solidFill>
+                <a:srgbClr val="323335"/>
+              </a:solidFill>
+              <a:latin typeface="黑体" panose="02010609060101010101" charset="-122"/>
+              <a:ea typeface="黑体" panose="02010609060101010101" charset="-122"/>
+              <a:cs typeface="黑体" panose="02010609060101010101" charset="-122"/>
+              <a:sym typeface="+mn-lt"/>
+            </a:endParaRPr>
+          </a:p>
+        </p:txBody>
+      </p:sp>
+    </p:spTree>
+  </p:cSld>
+  <p:clrMapOvr>
+    <a:masterClrMapping/>
+  </p:clrMapOvr>
+  <p:timing>
+    <p:tnLst>
+      <p:par>
+        <p:cTn id="1" dur="indefinite" restart="never" nodeType="tmRoot">
+          <p:childTnLst>
+            <p:seq concurrent="1" nextAc="seek">
+              <p:cTn id="2" dur="indefinite" nodeType="mainSeq">
+                <p:childTnLst>
+                  <p:par>
+                    <p:cTn id="3" fill="hold">
+                      <p:stCondLst>
+                        <p:cond delay="indefinite"/>
+                        <p:cond evt="onBegin" delay="0">
+                          <p:tn val="2"/>
+                        </p:cond>
+                      </p:stCondLst>
+                      <p:childTnLst>
+                        <p:par>
+                          <p:cTn id="4" fill="hold">
+                            <p:stCondLst>
+                              <p:cond delay="0"/>
+                            </p:stCondLst>
+                            <p:childTnLst>
+                              <p:par>
+                                <p:cTn id="5" presetID="4" presetClass="entr" presetSubtype="16" fill="hold" grpId="0" nodeType="withEffect">
+                                  <p:stCondLst>
+                                    <p:cond delay="0"/>
+                                  </p:stCondLst>
+                                  <p:childTnLst>
+                                    <p:set>
+                                      <p:cBhvr>
+                                        <p:cTn id="6" dur="1" fill="hold">
+                                          <p:stCondLst>
+                                            <p:cond delay="0"/>
+                                          </p:stCondLst>
+                                        </p:cTn>
+                                        <p:tgtEl>
+                                          <p:spTgt spid="7"/>
+                                        </p:tgtEl>
+                                        <p:attrNameLst>
+                                          <p:attrName>style.visibility</p:attrName>
+                                        </p:attrNameLst>
+                                      </p:cBhvr>
+                                      <p:to>
+                                        <p:strVal val="visible"/>
+                                      </p:to>
+                                    </p:set>
+                                    <p:animEffect transition="in" filter="box(in)">
+                                      <p:cBhvr>
+                                        <p:cTn id="7" dur="2000"/>
+                                        <p:tgtEl>
+                                          <p:spTgt spid="7"/>
+                                        </p:tgtEl>
+                                      </p:cBhvr>
+                                    </p:animEffect>
+                                  </p:childTnLst>
+                                </p:cTn>
+                              </p:par>
+                            </p:childTnLst>
+                          </p:cTn>
+                        </p:par>
+                        <p:par>
+                          <p:cTn id="8" fill="hold">
+                            <p:stCondLst>
+                              <p:cond delay="2000"/>
+                            </p:stCondLst>
+                            <p:childTnLst>
+                              <p:par>
+                                <p:cTn id="9" presetID="4" presetClass="entr" presetSubtype="16" fill="hold" grpId="0" nodeType="afterEffect">
+                                  <p:stCondLst>
+                                    <p:cond delay="0"/>
+                                  </p:stCondLst>
+                                  <p:childTnLst>
+                                    <p:set>
+                                      <p:cBhvr>
+                                        <p:cTn id="10" dur="1" fill="hold">
+                                          <p:stCondLst>
+                                            <p:cond delay="0"/>
+                                          </p:stCondLst>
+                                        </p:cTn>
+                                        <p:tgtEl>
+                                          <p:spTgt spid="6"/>
+                                        </p:tgtEl>
+                                        <p:attrNameLst>
+                                          <p:attrName>style.visibility</p:attrName>
+                                        </p:attrNameLst>
+                                      </p:cBhvr>
+                                      <p:to>
+                                        <p:strVal val="visible"/>
+                                      </p:to>
+                                    </p:set>
+                                    <p:animEffect transition="in" filter="box(in)">
+                                      <p:cBhvr>
+                                        <p:cTn id="11" dur="2000"/>
+                                        <p:tgtEl>
+                                          <p:spTgt spid="6"/>
+                                        </p:tgtEl>
+                                      </p:cBhvr>
+                                    </p:animEffect>
+                                  </p:childTnLst>
+                                </p:cTn>
+                              </p:par>
+                            </p:childTnLst>
+                          </p:cTn>
+                        </p:par>
+                      </p:childTnLst>
+                    </p:cTn>
+                  </p:par>
+                </p:childTnLst>
+              </p:cTn>
+              <p:prevCondLst>
+                <p:cond evt="onPrev" delay="0">
+                  <p:tgtEl>
+                    <p:sldTgt/>
+                  </p:tgtEl>
+                </p:cond>
+              </p:prevCondLst>
+              <p:nextCondLst>
+                <p:cond evt="onNext" delay="0">
+                  <p:tgtEl>
+                    <p:sldTgt/>
+                  </p:tgtEl>
+                </p:cond>
+              </p:nextCondLst>
+            </p:seq>
+          </p:childTnLst>
+        </p:cTn>
+      </p:par>
+    </p:tnLst>
+    <p:bldLst>
+      <p:bldP spid="7" grpId="0"/>
+      <p:bldP spid="6" grpId="0"/>
+    </p:bldLst>
+  </p:timing>
+</p:sld>
+</file>
+
+<file path=ppt/slides/slide6.xml><?xml version="1.0" encoding="utf-8"?>
+<p:sld xmlns:a="http://schemas.openxmlformats.org/drawingml/2006/main" xmlns:r="http://schemas.openxmlformats.org/officeDocument/2006/relationships" xmlns:p="http://schemas.openxmlformats.org/presentationml/2006/main">
+  <p:cSld>
+    <p:spTree>
+      <p:nvGrpSpPr>
+        <p:cNvPr id="1" name=""/>
+        <p:cNvGrpSpPr/>
+        <p:nvPr/>
+      </p:nvGrpSpPr>
+      <p:grpSpPr/>
+      <p:sp>
+        <p:nvSpPr>
+          <p:cNvPr id="7" name="文本框 6"/>
+          <p:cNvSpPr txBox="1"/>
+          <p:nvPr/>
+        </p:nvSpPr>
+        <p:spPr>
+          <a:xfrm>
+            <a:off x="3155950" y="1312545"/>
+            <a:ext cx="5878830" cy="645160"/>
+          </a:xfrm>
+          <a:prstGeom prst="rect">
+            <a:avLst/>
+          </a:prstGeom>
+          <a:noFill/>
+        </p:spPr>
+        <p:txBody>
+          <a:bodyPr wrap="square" rtlCol="0">
+            <a:spAutoFit/>
+          </a:bodyPr>
+          <a:p>
+            <a:pPr algn="ctr"/>
+            <a:r>
+              <a:rPr lang="zh-CN" sz="3600" b="1" dirty="0">
+                <a:solidFill>
+                  <a:srgbClr val="4669E3"/>
+                </a:solidFill>
+                <a:latin typeface="Microsoft YaHei Bold" panose="020B0703020204020201" charset="-122"/>
+                <a:ea typeface="Microsoft YaHei Bold" panose="020B0703020204020201" charset="-122"/>
+                <a:cs typeface="+mn-ea"/>
+                <a:sym typeface="+mn-lt"/>
+              </a:rPr>
+              <a:t>常用视频格式</a:t>
+            </a:r>
+            <a:endParaRPr lang="zh-CN" sz="3600" b="1" dirty="0">
+              <a:solidFill>
+                <a:srgbClr val="4669E3"/>
+              </a:solidFill>
+              <a:latin typeface="Microsoft YaHei Bold" panose="020B0703020204020201" charset="-122"/>
+              <a:ea typeface="Microsoft YaHei Bold" panose="020B0703020204020201" charset="-122"/>
+              <a:cs typeface="+mn-ea"/>
+              <a:sym typeface="+mn-lt"/>
+            </a:endParaRPr>
+          </a:p>
+        </p:txBody>
+      </p:sp>
+      <p:sp>
+        <p:nvSpPr>
+          <p:cNvPr id="6" name="文本框 5"/>
+          <p:cNvSpPr txBox="1"/>
+          <p:nvPr/>
+        </p:nvSpPr>
+        <p:spPr>
+          <a:xfrm>
+            <a:off x="2647385" y="2151291"/>
+            <a:ext cx="6897231" cy="347345"/>
+          </a:xfrm>
+          <a:prstGeom prst="rect">
+            <a:avLst/>
+          </a:prstGeom>
+          <a:noFill/>
+        </p:spPr>
+        <p:txBody>
+          <a:bodyPr wrap="square" rtlCol="0">
+            <a:spAutoFit/>
+          </a:bodyPr>
+          <a:p>
+            <a:pPr algn="l">
+              <a:lnSpc>
+                <a:spcPts val="2000"/>
+              </a:lnSpc>
+            </a:pPr>
+            <a:r>
+              <a:rPr lang="zh-CN" altLang="en-US" sz="1400" dirty="0">
+                <a:solidFill>
+                  <a:srgbClr val="323335"/>
+                </a:solidFill>
+                <a:latin typeface="黑体" panose="02010609060101010101" charset="-122"/>
+                <a:ea typeface="黑体" panose="02010609060101010101" charset="-122"/>
+                <a:cs typeface="黑体" panose="02010609060101010101" charset="-122"/>
+                <a:sym typeface="+mn-lt"/>
+              </a:rPr>
+              <a:t>内容</a:t>
+            </a:r>
+            <a:endParaRPr lang="zh-CN" altLang="en-US" sz="1400" dirty="0">
+              <a:solidFill>
+                <a:srgbClr val="323335"/>
+              </a:solidFill>
+              <a:latin typeface="黑体" panose="02010609060101010101" charset="-122"/>
+              <a:ea typeface="黑体" panose="02010609060101010101" charset="-122"/>
+              <a:cs typeface="黑体" panose="02010609060101010101" charset="-122"/>
+              <a:sym typeface="+mn-lt"/>
+            </a:endParaRPr>
+          </a:p>
+        </p:txBody>
+      </p:sp>
+    </p:spTree>
+  </p:cSld>
+  <p:clrMapOvr>
+    <a:masterClrMapping/>
+  </p:clrMapOvr>
+  <p:timing>
+    <p:tnLst>
+      <p:par>
+        <p:cTn id="1" dur="indefinite" restart="never" nodeType="tmRoot">
+          <p:childTnLst>
+            <p:seq concurrent="1" nextAc="seek">
+              <p:cTn id="2" dur="indefinite" nodeType="mainSeq">
+                <p:childTnLst>
+                  <p:par>
+                    <p:cTn id="3" fill="hold">
+                      <p:stCondLst>
+                        <p:cond delay="indefinite"/>
+                        <p:cond evt="onBegin" delay="0">
+                          <p:tn val="2"/>
+                        </p:cond>
+                      </p:stCondLst>
+                      <p:childTnLst>
+                        <p:par>
+                          <p:cTn id="4" fill="hold">
+                            <p:stCondLst>
+                              <p:cond delay="0"/>
+                            </p:stCondLst>
+                            <p:childTnLst>
+                              <p:par>
+                                <p:cTn id="5" presetID="4" presetClass="entr" presetSubtype="16" fill="hold" grpId="0" nodeType="withEffect">
+                                  <p:stCondLst>
+                                    <p:cond delay="0"/>
+                                  </p:stCondLst>
+                                  <p:childTnLst>
+                                    <p:set>
+                                      <p:cBhvr>
+                                        <p:cTn id="6" dur="1" fill="hold">
+                                          <p:stCondLst>
+                                            <p:cond delay="0"/>
+                                          </p:stCondLst>
+                                        </p:cTn>
+                                        <p:tgtEl>
+                                          <p:spTgt spid="7"/>
+                                        </p:tgtEl>
+                                        <p:attrNameLst>
+                                          <p:attrName>style.visibility</p:attrName>
+                                        </p:attrNameLst>
+                                      </p:cBhvr>
+                                      <p:to>
+                                        <p:strVal val="visible"/>
+                                      </p:to>
+                                    </p:set>
+                                    <p:animEffect transition="in" filter="box(in)">
+                                      <p:cBhvr>
+                                        <p:cTn id="7" dur="2000"/>
+                                        <p:tgtEl>
+                                          <p:spTgt spid="7"/>
+                                        </p:tgtEl>
+                                      </p:cBhvr>
+                                    </p:animEffect>
+                                  </p:childTnLst>
+                                </p:cTn>
+                              </p:par>
+                            </p:childTnLst>
+                          </p:cTn>
+                        </p:par>
+                        <p:par>
+                          <p:cTn id="8" fill="hold">
+                            <p:stCondLst>
+                              <p:cond delay="2000"/>
+                            </p:stCondLst>
+                            <p:childTnLst>
+                              <p:par>
+                                <p:cTn id="9" presetID="4" presetClass="entr" presetSubtype="16" fill="hold" grpId="0" nodeType="afterEffect">
+                                  <p:stCondLst>
+                                    <p:cond delay="0"/>
+                                  </p:stCondLst>
+                                  <p:childTnLst>
+                                    <p:set>
+                                      <p:cBhvr>
+                                        <p:cTn id="10" dur="1" fill="hold">
+                                          <p:stCondLst>
+                                            <p:cond delay="0"/>
+                                          </p:stCondLst>
+                                        </p:cTn>
+                                        <p:tgtEl>
+                                          <p:spTgt spid="6"/>
+                                        </p:tgtEl>
+                                        <p:attrNameLst>
+                                          <p:attrName>style.visibility</p:attrName>
+                                        </p:attrNameLst>
+                                      </p:cBhvr>
+                                      <p:to>
+                                        <p:strVal val="visible"/>
+                                      </p:to>
+                                    </p:set>
+                                    <p:animEffect transition="in" filter="box(in)">
+                                      <p:cBhvr>
+                                        <p:cTn id="11" dur="2000"/>
+                                        <p:tgtEl>
+                                          <p:spTgt spid="6"/>
+                                        </p:tgtEl>
+                                      </p:cBhvr>
+                                    </p:animEffect>
+                                  </p:childTnLst>
+                                </p:cTn>
+                              </p:par>
+                            </p:childTnLst>
+                          </p:cTn>
+                        </p:par>
+                      </p:childTnLst>
+                    </p:cTn>
+                  </p:par>
+                </p:childTnLst>
+              </p:cTn>
+              <p:prevCondLst>
+                <p:cond evt="onPrev" delay="0">
+                  <p:tgtEl>
+                    <p:sldTgt/>
+                  </p:tgtEl>
+                </p:cond>
+              </p:prevCondLst>
+              <p:nextCondLst>
+                <p:cond evt="onNext" delay="0">
+                  <p:tgtEl>
+                    <p:sldTgt/>
+                  </p:tgtEl>
+                </p:cond>
+              </p:nextCondLst>
+            </p:seq>
+          </p:childTnLst>
+        </p:cTn>
+      </p:par>
+    </p:tnLst>
+    <p:bldLst>
+      <p:bldP spid="7" grpId="0"/>
+      <p:bldP spid="6" grpId="0"/>
+    </p:bldLst>
+  </p:timing>
+</p:sld>
+</file>
+
+<file path=ppt/slides/slide7.xml><?xml version="1.0" encoding="utf-8"?>
+<p:sld xmlns:a="http://schemas.openxmlformats.org/drawingml/2006/main" xmlns:r="http://schemas.openxmlformats.org/officeDocument/2006/relationships" xmlns:p="http://schemas.openxmlformats.org/presentationml/2006/main">
+  <p:cSld>
+    <p:spTree>
+      <p:nvGrpSpPr>
+        <p:cNvPr id="1" name=""/>
+        <p:cNvGrpSpPr/>
+        <p:nvPr/>
+      </p:nvGrpSpPr>
+      <p:grpSpPr/>
+      <p:sp>
+        <p:nvSpPr>
+          <p:cNvPr id="7" name="文本框 6"/>
+          <p:cNvSpPr txBox="1"/>
+          <p:nvPr/>
+        </p:nvSpPr>
+        <p:spPr>
+          <a:xfrm>
+            <a:off x="3155950" y="1312545"/>
+            <a:ext cx="5878830" cy="645160"/>
+          </a:xfrm>
+          <a:prstGeom prst="rect">
+            <a:avLst/>
+          </a:prstGeom>
+          <a:noFill/>
+        </p:spPr>
+        <p:txBody>
+          <a:bodyPr wrap="square" rtlCol="0">
+            <a:spAutoFit/>
+          </a:bodyPr>
+          <a:p>
+            <a:pPr algn="ctr"/>
+            <a:r>
+              <a:rPr lang="zh-CN" sz="3600" b="1" dirty="0">
+                <a:solidFill>
+                  <a:srgbClr val="4669E3"/>
+                </a:solidFill>
+                <a:latin typeface="Microsoft YaHei Bold" panose="020B0703020204020201" charset="-122"/>
+                <a:ea typeface="Microsoft YaHei Bold" panose="020B0703020204020201" charset="-122"/>
+                <a:cs typeface="+mn-ea"/>
+                <a:sym typeface="+mn-lt"/>
+              </a:rPr>
+              <a:t>常用音频格式</a:t>
+            </a:r>
+            <a:endParaRPr lang="zh-CN" sz="3600" b="1" dirty="0">
+              <a:solidFill>
+                <a:srgbClr val="4669E3"/>
+              </a:solidFill>
+              <a:latin typeface="Microsoft YaHei Bold" panose="020B0703020204020201" charset="-122"/>
+              <a:ea typeface="Microsoft YaHei Bold" panose="020B0703020204020201" charset="-122"/>
+              <a:cs typeface="+mn-ea"/>
+              <a:sym typeface="+mn-lt"/>
+            </a:endParaRPr>
+          </a:p>
+        </p:txBody>
+      </p:sp>
+      <p:sp>
+        <p:nvSpPr>
+          <p:cNvPr id="6" name="文本框 5"/>
+          <p:cNvSpPr txBox="1"/>
+          <p:nvPr/>
+        </p:nvSpPr>
+        <p:spPr>
+          <a:xfrm>
+            <a:off x="2647385" y="2151291"/>
+            <a:ext cx="6897231" cy="347345"/>
+          </a:xfrm>
+          <a:prstGeom prst="rect">
+            <a:avLst/>
+          </a:prstGeom>
+          <a:noFill/>
+        </p:spPr>
+        <p:txBody>
+          <a:bodyPr wrap="square" rtlCol="0">
+            <a:spAutoFit/>
+          </a:bodyPr>
+          <a:p>
+            <a:pPr algn="l">
+              <a:lnSpc>
+                <a:spcPts val="2000"/>
+              </a:lnSpc>
+            </a:pPr>
+            <a:r>
+              <a:rPr lang="zh-CN" altLang="en-US" sz="1400" dirty="0">
+                <a:solidFill>
+                  <a:srgbClr val="323335"/>
+                </a:solidFill>
+                <a:latin typeface="黑体" panose="02010609060101010101" charset="-122"/>
+                <a:ea typeface="黑体" panose="02010609060101010101" charset="-122"/>
+                <a:cs typeface="黑体" panose="02010609060101010101" charset="-122"/>
+                <a:sym typeface="+mn-lt"/>
+              </a:rPr>
+              <a:t>内容</a:t>
+            </a:r>
+            <a:endParaRPr lang="zh-CN" altLang="en-US" sz="1400" dirty="0">
+              <a:solidFill>
+                <a:srgbClr val="323335"/>
+              </a:solidFill>
+              <a:latin typeface="黑体" panose="02010609060101010101" charset="-122"/>
+              <a:ea typeface="黑体" panose="02010609060101010101" charset="-122"/>
+              <a:cs typeface="黑体" panose="02010609060101010101" charset="-122"/>
+              <a:sym typeface="+mn-lt"/>
+            </a:endParaRPr>
+          </a:p>
+        </p:txBody>
+      </p:sp>
+    </p:spTree>
+  </p:cSld>
+  <p:clrMapOvr>
+    <a:masterClrMapping/>
+  </p:clrMapOvr>
+  <p:timing>
+    <p:tnLst>
+      <p:par>
+        <p:cTn id="1" dur="indefinite" restart="never" nodeType="tmRoot">
+          <p:childTnLst>
+            <p:seq concurrent="1" nextAc="seek">
+              <p:cTn id="2" dur="indefinite" nodeType="mainSeq">
+                <p:childTnLst>
+                  <p:par>
+                    <p:cTn id="3" fill="hold">
+                      <p:stCondLst>
+                        <p:cond delay="indefinite"/>
+                        <p:cond evt="onBegin" delay="0">
+                          <p:tn val="2"/>
+                        </p:cond>
+                      </p:stCondLst>
+                      <p:childTnLst>
+                        <p:par>
+                          <p:cTn id="4" fill="hold">
+                            <p:stCondLst>
+                              <p:cond delay="0"/>
+                            </p:stCondLst>
+                            <p:childTnLst>
+                              <p:par>
+                                <p:cTn id="5" presetID="4" presetClass="entr" presetSubtype="16" fill="hold" grpId="0" nodeType="withEffect">
+                                  <p:stCondLst>
+                                    <p:cond delay="0"/>
+                                  </p:stCondLst>
+                                  <p:childTnLst>
+                                    <p:set>
+                                      <p:cBhvr>
+                                        <p:cTn id="6" dur="1" fill="hold">
+                                          <p:stCondLst>
+                                            <p:cond delay="0"/>
+                                          </p:stCondLst>
+                                        </p:cTn>
+                                        <p:tgtEl>
+                                          <p:spTgt spid="7"/>
+                                        </p:tgtEl>
+                                        <p:attrNameLst>
+                                          <p:attrName>style.visibility</p:attrName>
+                                        </p:attrNameLst>
+                                      </p:cBhvr>
+                                      <p:to>
+                                        <p:strVal val="visible"/>
+                                      </p:to>
+                                    </p:set>
+                                    <p:animEffect transition="in" filter="box(in)">
+                                      <p:cBhvr>
+                                        <p:cTn id="7" dur="2000"/>
+                                        <p:tgtEl>
+                                          <p:spTgt spid="7"/>
+                                        </p:tgtEl>
+                                      </p:cBhvr>
+                                    </p:animEffect>
+                                  </p:childTnLst>
+                                </p:cTn>
+                              </p:par>
+                            </p:childTnLst>
+                          </p:cTn>
+                        </p:par>
+                        <p:par>
+                          <p:cTn id="8" fill="hold">
+                            <p:stCondLst>
+                              <p:cond delay="2000"/>
+                            </p:stCondLst>
+                            <p:childTnLst>
+                              <p:par>
+                                <p:cTn id="9" presetID="4" presetClass="entr" presetSubtype="16" fill="hold" grpId="0" nodeType="afterEffect">
+                                  <p:stCondLst>
+                                    <p:cond delay="0"/>
+                                  </p:stCondLst>
+                                  <p:childTnLst>
+                                    <p:set>
+                                      <p:cBhvr>
+                                        <p:cTn id="10" dur="1" fill="hold">
+                                          <p:stCondLst>
+                                            <p:cond delay="0"/>
+                                          </p:stCondLst>
+                                        </p:cTn>
+                                        <p:tgtEl>
+                                          <p:spTgt spid="6"/>
+                                        </p:tgtEl>
+                                        <p:attrNameLst>
+                                          <p:attrName>style.visibility</p:attrName>
+                                        </p:attrNameLst>
+                                      </p:cBhvr>
+                                      <p:to>
+                                        <p:strVal val="visible"/>
+                                      </p:to>
+                                    </p:set>
+                                    <p:animEffect transition="in" filter="box(in)">
+                                      <p:cBhvr>
+                                        <p:cTn id="11" dur="2000"/>
+                                        <p:tgtEl>
+                                          <p:spTgt spid="6"/>
+                                        </p:tgtEl>
+                                      </p:cBhvr>
+                                    </p:animEffect>
+                                  </p:childTnLst>
+                                </p:cTn>
+                              </p:par>
+                            </p:childTnLst>
+                          </p:cTn>
+                        </p:par>
+                      </p:childTnLst>
+                    </p:cTn>
+                  </p:par>
+                </p:childTnLst>
+              </p:cTn>
+              <p:prevCondLst>
+                <p:cond evt="onPrev" delay="0">
+                  <p:tgtEl>
+                    <p:sldTgt/>
+                  </p:tgtEl>
+                </p:cond>
+              </p:prevCondLst>
+              <p:nextCondLst>
+                <p:cond evt="onNext" delay="0">
+                  <p:tgtEl>
+                    <p:sldTgt/>
+                  </p:tgtEl>
+                </p:cond>
+              </p:nextCondLst>
+            </p:seq>
+          </p:childTnLst>
+        </p:cTn>
+      </p:par>
+    </p:tnLst>
+    <p:bldLst>
+      <p:bldP spid="7" grpId="0"/>
+      <p:bldP spid="6" grpId="0"/>
+    </p:bldLst>
+  </p:timing>
+</p:sld>
+</file>
+
+<file path=ppt/slides/slide8.xml><?xml version="1.0" encoding="utf-8"?>
+<p:sld xmlns:a="http://schemas.openxmlformats.org/drawingml/2006/main" xmlns:r="http://schemas.openxmlformats.org/officeDocument/2006/relationships" xmlns:p="http://schemas.openxmlformats.org/presentationml/2006/main">
+  <p:cSld>
+    <p:spTree>
+      <p:nvGrpSpPr>
+        <p:cNvPr id="1" name=""/>
+        <p:cNvGrpSpPr/>
+        <p:nvPr/>
+      </p:nvGrpSpPr>
+      <p:grpSpPr/>
+      <p:sp>
+        <p:nvSpPr>
+          <p:cNvPr id="7" name="文本框 6"/>
+          <p:cNvSpPr txBox="1"/>
+          <p:nvPr/>
+        </p:nvSpPr>
+        <p:spPr>
+          <a:xfrm>
+            <a:off x="3155950" y="1312545"/>
+            <a:ext cx="5878830" cy="645160"/>
+          </a:xfrm>
+          <a:prstGeom prst="rect">
+            <a:avLst/>
+          </a:prstGeom>
+          <a:noFill/>
+        </p:spPr>
+        <p:txBody>
+          <a:bodyPr wrap="square" rtlCol="0">
+            <a:spAutoFit/>
+          </a:bodyPr>
+          <a:p>
+            <a:pPr algn="ctr"/>
+            <a:r>
+              <a:rPr lang="en-US" altLang="zh-CN" sz="3600" b="1" dirty="0">
+                <a:solidFill>
+                  <a:srgbClr val="4669E3"/>
+                </a:solidFill>
+                <a:latin typeface="Microsoft YaHei Bold" panose="020B0703020204020201" charset="-122"/>
+                <a:ea typeface="Microsoft YaHei Bold" panose="020B0703020204020201" charset="-122"/>
+                <a:cs typeface="+mn-ea"/>
+                <a:sym typeface="+mn-lt"/>
+              </a:rPr>
+              <a:t>Android</a:t>
+            </a:r>
+            <a:r>
+              <a:rPr lang="zh-CN" altLang="en-US" sz="3600" b="1" dirty="0">
+                <a:solidFill>
+                  <a:srgbClr val="4669E3"/>
+                </a:solidFill>
+                <a:latin typeface="Microsoft YaHei Bold" panose="020B0703020204020201" charset="-122"/>
+                <a:ea typeface="Microsoft YaHei Bold" panose="020B0703020204020201" charset="-122"/>
+                <a:cs typeface="+mn-ea"/>
+                <a:sym typeface="+mn-lt"/>
+              </a:rPr>
+              <a:t>支持解码格式</a:t>
+            </a:r>
+            <a:endParaRPr lang="zh-CN" altLang="en-US" sz="3600" b="1" dirty="0">
+              <a:solidFill>
+                <a:srgbClr val="4669E3"/>
+              </a:solidFill>
+              <a:latin typeface="Microsoft YaHei Bold" panose="020B0703020204020201" charset="-122"/>
+              <a:ea typeface="Microsoft YaHei Bold" panose="020B0703020204020201" charset="-122"/>
+              <a:cs typeface="+mn-ea"/>
+              <a:sym typeface="+mn-lt"/>
+            </a:endParaRPr>
+          </a:p>
+        </p:txBody>
+      </p:sp>
+      <p:sp>
+        <p:nvSpPr>
+          <p:cNvPr id="6" name="文本框 5"/>
+          <p:cNvSpPr txBox="1"/>
+          <p:nvPr/>
+        </p:nvSpPr>
+        <p:spPr>
+          <a:xfrm>
+            <a:off x="2647385" y="2151291"/>
+            <a:ext cx="6897231" cy="347345"/>
+          </a:xfrm>
+          <a:prstGeom prst="rect">
+            <a:avLst/>
+          </a:prstGeom>
+          <a:noFill/>
+        </p:spPr>
+        <p:txBody>
+          <a:bodyPr wrap="square" rtlCol="0">
+            <a:spAutoFit/>
+          </a:bodyPr>
+          <a:p>
+            <a:pPr algn="l">
+              <a:lnSpc>
+                <a:spcPts val="2000"/>
+              </a:lnSpc>
+            </a:pPr>
+            <a:r>
+              <a:rPr lang="zh-CN" altLang="en-US" sz="1400" dirty="0">
+                <a:solidFill>
+                  <a:srgbClr val="323335"/>
+                </a:solidFill>
+                <a:latin typeface="黑体" panose="02010609060101010101" charset="-122"/>
+                <a:ea typeface="黑体" panose="02010609060101010101" charset="-122"/>
+                <a:cs typeface="黑体" panose="02010609060101010101" charset="-122"/>
+                <a:sym typeface="+mn-lt"/>
+              </a:rPr>
+              <a:t>内容</a:t>
+            </a:r>
+            <a:endParaRPr lang="zh-CN" altLang="en-US" sz="1400" dirty="0">
+              <a:solidFill>
+                <a:srgbClr val="323335"/>
+              </a:solidFill>
+              <a:latin typeface="黑体" panose="02010609060101010101" charset="-122"/>
+              <a:ea typeface="黑体" panose="02010609060101010101" charset="-122"/>
+              <a:cs typeface="黑体" panose="02010609060101010101" charset="-122"/>
+              <a:sym typeface="+mn-lt"/>
+            </a:endParaRPr>
+          </a:p>
+        </p:txBody>
+      </p:sp>
+    </p:spTree>
+  </p:cSld>
+  <p:clrMapOvr>
+    <a:masterClrMapping/>
+  </p:clrMapOvr>
+  <p:timing>
+    <p:tnLst>
+      <p:par>
+        <p:cTn id="1" dur="indefinite" restart="never" nodeType="tmRoot">
+          <p:childTnLst>
+            <p:seq concurrent="1" nextAc="seek">
+              <p:cTn id="2" dur="indefinite" nodeType="mainSeq">
+                <p:childTnLst>
+                  <p:par>
+                    <p:cTn id="3" fill="hold">
+                      <p:stCondLst>
+                        <p:cond delay="indefinite"/>
+                        <p:cond evt="onBegin" delay="0">
+                          <p:tn val="2"/>
+                        </p:cond>
+                      </p:stCondLst>
+                      <p:childTnLst>
+                        <p:par>
+                          <p:cTn id="4" fill="hold">
+                            <p:stCondLst>
+                              <p:cond delay="0"/>
+                            </p:stCondLst>
+                            <p:childTnLst>
+                              <p:par>
+                                <p:cTn id="5" presetID="4" presetClass="entr" presetSubtype="16" fill="hold" grpId="0" nodeType="withEffect">
+                                  <p:stCondLst>
+                                    <p:cond delay="0"/>
+                                  </p:stCondLst>
+                                  <p:childTnLst>
+                                    <p:set>
+                                      <p:cBhvr>
+                                        <p:cTn id="6" dur="1" fill="hold">
+                                          <p:stCondLst>
+                                            <p:cond delay="0"/>
+                                          </p:stCondLst>
+                                        </p:cTn>
+                                        <p:tgtEl>
+                                          <p:spTgt spid="7"/>
+                                        </p:tgtEl>
+                                        <p:attrNameLst>
+                                          <p:attrName>style.visibility</p:attrName>
+                                        </p:attrNameLst>
+                                      </p:cBhvr>
+                                      <p:to>
+                                        <p:strVal val="visible"/>
+                                      </p:to>
+                                    </p:set>
+                                    <p:animEffect transition="in" filter="box(in)">
+                                      <p:cBhvr>
+                                        <p:cTn id="7" dur="2000"/>
+                                        <p:tgtEl>
+                                          <p:spTgt spid="7"/>
+                                        </p:tgtEl>
+                                      </p:cBhvr>
+                                    </p:animEffect>
+                                  </p:childTnLst>
+                                </p:cTn>
+                              </p:par>
+                            </p:childTnLst>
+                          </p:cTn>
+                        </p:par>
+                        <p:par>
+                          <p:cTn id="8" fill="hold">
+                            <p:stCondLst>
+                              <p:cond delay="2000"/>
+                            </p:stCondLst>
+                            <p:childTnLst>
+                              <p:par>
+                                <p:cTn id="9" presetID="4" presetClass="entr" presetSubtype="16" fill="hold" grpId="0" nodeType="afterEffect">
+                                  <p:stCondLst>
+                                    <p:cond delay="0"/>
+                                  </p:stCondLst>
+                                  <p:childTnLst>
+                                    <p:set>
+                                      <p:cBhvr>
+                                        <p:cTn id="10" dur="1" fill="hold">
+                                          <p:stCondLst>
+                                            <p:cond delay="0"/>
+                                          </p:stCondLst>
+                                        </p:cTn>
+                                        <p:tgtEl>
+                                          <p:spTgt spid="6"/>
+                                        </p:tgtEl>
+                                        <p:attrNameLst>
+                                          <p:attrName>style.visibility</p:attrName>
+                                        </p:attrNameLst>
+                                      </p:cBhvr>
+                                      <p:to>
+                                        <p:strVal val="visible"/>
+                                      </p:to>
+                                    </p:set>
+                                    <p:animEffect transition="in" filter="box(in)">
+                                      <p:cBhvr>
+                                        <p:cTn id="11" dur="2000"/>
+                                        <p:tgtEl>
+                                          <p:spTgt spid="6"/>
+                                        </p:tgtEl>
+                                      </p:cBhvr>
+                                    </p:animEffect>
+                                  </p:childTnLst>
+                                </p:cTn>
+                              </p:par>
+                            </p:childTnLst>
+                          </p:cTn>
+                        </p:par>
+                      </p:childTnLst>
+                    </p:cTn>
+                  </p:par>
+                </p:childTnLst>
+              </p:cTn>
+              <p:prevCondLst>
+                <p:cond evt="onPrev" delay="0">
+                  <p:tgtEl>
+                    <p:sldTgt/>
+                  </p:tgtEl>
+                </p:cond>
+              </p:prevCondLst>
+              <p:nextCondLst>
+                <p:cond evt="onNext" delay="0">
+                  <p:tgtEl>
+                    <p:sldTgt/>
+                  </p:tgtEl>
+                </p:cond>
+              </p:nextCondLst>
+            </p:seq>
+          </p:childTnLst>
+        </p:cTn>
+      </p:par>
+    </p:tnLst>
+    <p:bldLst>
+      <p:bldP spid="7" grpId="0"/>
+      <p:bldP spid="6" grpId="0"/>
+    </p:bldLst>
+  </p:timing>
+</p:sld>
+</file>
+
+<file path=ppt/slides/slide9.xml><?xml version="1.0" encoding="utf-8"?>
+<p:sld xmlns:a="http://schemas.openxmlformats.org/drawingml/2006/main" xmlns:r="http://schemas.openxmlformats.org/officeDocument/2006/relationships" xmlns:p="http://schemas.openxmlformats.org/presentationml/2006/main">
+  <p:cSld>
+    <p:spTree>
+      <p:nvGrpSpPr>
+        <p:cNvPr id="1" name=""/>
+        <p:cNvGrpSpPr/>
+        <p:nvPr/>
+      </p:nvGrpSpPr>
+      <p:grpSpPr/>
+      <p:sp>
+        <p:nvSpPr>
           <p:cNvPr id="14" name="文本框 13"/>
           <p:cNvSpPr txBox="1"/>
           <p:nvPr userDrawn="1"/>
@@ -6545,1160 +10278,13 @@
 </p:sld>
 </file>
 
-<file path=ppt/slides/slide5.xml><?xml version="1.0" encoding="utf-8"?>
-<p:sld xmlns:a="http://schemas.openxmlformats.org/drawingml/2006/main" xmlns:r="http://schemas.openxmlformats.org/officeDocument/2006/relationships" xmlns:p="http://schemas.openxmlformats.org/presentationml/2006/main">
-  <p:cSld>
-    <p:spTree>
-      <p:nvGrpSpPr>
-        <p:cNvPr id="1" name=""/>
-        <p:cNvGrpSpPr/>
-        <p:nvPr/>
-      </p:nvGrpSpPr>
-      <p:grpSpPr/>
-      <p:sp>
-        <p:nvSpPr>
-          <p:cNvPr id="14" name="文本框 13"/>
-          <p:cNvSpPr txBox="1"/>
-          <p:nvPr userDrawn="1"/>
-        </p:nvSpPr>
-        <p:spPr>
-          <a:xfrm>
-            <a:off x="938530" y="1536065"/>
-            <a:ext cx="3620770" cy="3784600"/>
-          </a:xfrm>
-          <a:prstGeom prst="rect">
-            <a:avLst/>
-          </a:prstGeom>
-          <a:noFill/>
-        </p:spPr>
-        <p:txBody>
-          <a:bodyPr wrap="square" rtlCol="0">
-            <a:spAutoFit/>
-          </a:bodyPr>
-          <a:p>
-            <a:r>
-              <a:rPr lang="en-US" altLang="zh-CN" sz="24000">
-                <a:solidFill>
-                  <a:schemeClr val="bg1"/>
-                </a:solidFill>
-                <a:latin typeface="Arial Regular" panose="020B0604020202090204" charset="0"/>
-                <a:ea typeface="Microsoft YaHei Regular" panose="020B0703020204020201" charset="-122"/>
-                <a:cs typeface="Arial Regular" panose="020B0604020202090204" charset="0"/>
-              </a:rPr>
-              <a:t>03</a:t>
-            </a:r>
-            <a:endParaRPr lang="en-US" altLang="zh-CN" sz="24000">
-              <a:solidFill>
-                <a:schemeClr val="bg1"/>
-              </a:solidFill>
-              <a:latin typeface="Arial Regular" panose="020B0604020202090204" charset="0"/>
-              <a:ea typeface="Microsoft YaHei Regular" panose="020B0703020204020201" charset="-122"/>
-              <a:cs typeface="Arial Regular" panose="020B0604020202090204" charset="0"/>
-            </a:endParaRPr>
-          </a:p>
-        </p:txBody>
-      </p:sp>
-      <p:sp>
-        <p:nvSpPr>
-          <p:cNvPr id="16" name="文本框 15"/>
-          <p:cNvSpPr txBox="1"/>
-          <p:nvPr userDrawn="1"/>
-        </p:nvSpPr>
-        <p:spPr>
-          <a:xfrm>
-            <a:off x="5161915" y="2323465"/>
-            <a:ext cx="5932170" cy="891540"/>
-          </a:xfrm>
-          <a:prstGeom prst="rect">
-            <a:avLst/>
-          </a:prstGeom>
-          <a:noFill/>
-        </p:spPr>
-        <p:txBody>
-          <a:bodyPr wrap="square" rtlCol="0">
-            <a:spAutoFit/>
-          </a:bodyPr>
-          <a:p>
-            <a:pPr algn="l"/>
-            <a:r>
-              <a:rPr lang="en-US" altLang="zh-CN" sz="5200" b="1" dirty="0">
-                <a:solidFill>
-                  <a:srgbClr val="4669E3"/>
-                </a:solidFill>
-                <a:latin typeface="Microsoft YaHei Bold" panose="020B0703020204020201" charset="-122"/>
-                <a:ea typeface="Microsoft YaHei Bold" panose="020B0703020204020201" charset="-122"/>
-                <a:cs typeface="+mn-ea"/>
-                <a:sym typeface="+mn-lt"/>
-              </a:rPr>
-              <a:t>AAC</a:t>
-            </a:r>
-            <a:endParaRPr lang="en-US" altLang="zh-CN" sz="5200" b="1" dirty="0">
-              <a:solidFill>
-                <a:srgbClr val="4669E3"/>
-              </a:solidFill>
-              <a:latin typeface="Microsoft YaHei Bold" panose="020B0703020204020201" charset="-122"/>
-              <a:ea typeface="Microsoft YaHei Bold" panose="020B0703020204020201" charset="-122"/>
-              <a:cs typeface="+mn-ea"/>
-              <a:sym typeface="+mn-lt"/>
-            </a:endParaRPr>
-          </a:p>
-        </p:txBody>
-      </p:sp>
-      <p:sp>
-        <p:nvSpPr>
-          <p:cNvPr id="17" name="文本框 16"/>
-          <p:cNvSpPr txBox="1"/>
-          <p:nvPr userDrawn="1"/>
-        </p:nvSpPr>
-        <p:spPr>
-          <a:xfrm>
-            <a:off x="5161915" y="3328670"/>
-            <a:ext cx="6539865" cy="460375"/>
-          </a:xfrm>
-          <a:prstGeom prst="rect">
-            <a:avLst/>
-          </a:prstGeom>
-          <a:noFill/>
-        </p:spPr>
-        <p:txBody>
-          <a:bodyPr wrap="square" rtlCol="0">
-            <a:spAutoFit/>
-          </a:bodyPr>
-          <a:p>
-            <a:pPr algn="l"/>
-            <a:r>
-              <a:rPr lang="en-US" altLang="zh-CN" sz="2400" dirty="0">
-                <a:solidFill>
-                  <a:schemeClr val="tx1">
-                    <a:lumMod val="75000"/>
-                    <a:lumOff val="25000"/>
-                  </a:schemeClr>
-                </a:solidFill>
-                <a:latin typeface="Microsoft YaHei Regular" panose="020B0703020204020201" charset="-122"/>
-                <a:ea typeface="Microsoft YaHei Regular" panose="020B0703020204020201" charset="-122"/>
-                <a:cs typeface="+mn-ea"/>
-                <a:sym typeface="+mn-lt"/>
-              </a:rPr>
-              <a:t>1.AAC </a:t>
-            </a:r>
-            <a:r>
-              <a:rPr lang="zh-CN" altLang="en-US" sz="2400" dirty="0">
-                <a:solidFill>
-                  <a:schemeClr val="tx1">
-                    <a:lumMod val="75000"/>
-                    <a:lumOff val="25000"/>
-                  </a:schemeClr>
-                </a:solidFill>
-                <a:latin typeface="Microsoft YaHei Regular" panose="020B0703020204020201" charset="-122"/>
-                <a:ea typeface="Microsoft YaHei Regular" panose="020B0703020204020201" charset="-122"/>
-                <a:cs typeface="+mn-ea"/>
-                <a:sym typeface="+mn-lt"/>
-              </a:rPr>
-              <a:t>简介</a:t>
-            </a:r>
-            <a:endParaRPr lang="zh-CN" altLang="en-US" sz="2400" dirty="0">
-              <a:solidFill>
-                <a:schemeClr val="tx1">
-                  <a:lumMod val="75000"/>
-                  <a:lumOff val="25000"/>
-                </a:schemeClr>
-              </a:solidFill>
-              <a:latin typeface="Microsoft YaHei Regular" panose="020B0703020204020201" charset="-122"/>
-              <a:ea typeface="Microsoft YaHei Regular" panose="020B0703020204020201" charset="-122"/>
-              <a:cs typeface="+mn-ea"/>
-              <a:sym typeface="+mn-lt"/>
-            </a:endParaRPr>
-          </a:p>
-        </p:txBody>
-      </p:sp>
-    </p:spTree>
-  </p:cSld>
-  <p:clrMapOvr>
-    <a:masterClrMapping/>
-  </p:clrMapOvr>
-  <p:timing>
-    <p:tnLst>
-      <p:par>
-        <p:cTn id="1" dur="indefinite" restart="never" nodeType="tmRoot">
-          <p:childTnLst>
-            <p:seq concurrent="1" nextAc="seek">
-              <p:cTn id="2" dur="indefinite" nodeType="mainSeq">
-                <p:childTnLst>
-                  <p:par>
-                    <p:cTn id="3" fill="hold">
-                      <p:stCondLst>
-                        <p:cond delay="indefinite"/>
-                        <p:cond evt="onBegin" delay="0">
-                          <p:tn val="2"/>
-                        </p:cond>
-                      </p:stCondLst>
-                      <p:childTnLst>
-                        <p:par>
-                          <p:cTn id="4" fill="hold">
-                            <p:stCondLst>
-                              <p:cond delay="0"/>
-                            </p:stCondLst>
-                            <p:childTnLst>
-                              <p:par>
-                                <p:cTn id="5" presetID="55" presetClass="entr" presetSubtype="0" fill="hold" grpId="0" nodeType="withEffect">
-                                  <p:stCondLst>
-                                    <p:cond delay="0"/>
-                                  </p:stCondLst>
-                                  <p:childTnLst>
-                                    <p:set>
-                                      <p:cBhvr>
-                                        <p:cTn id="6" dur="1" fill="hold">
-                                          <p:stCondLst>
-                                            <p:cond delay="0"/>
-                                          </p:stCondLst>
-                                        </p:cTn>
-                                        <p:tgtEl>
-                                          <p:spTgt spid="16"/>
-                                        </p:tgtEl>
-                                        <p:attrNameLst>
-                                          <p:attrName>style.visibility</p:attrName>
-                                        </p:attrNameLst>
-                                      </p:cBhvr>
-                                      <p:to>
-                                        <p:strVal val="visible"/>
-                                      </p:to>
-                                    </p:set>
-                                    <p:anim calcmode="lin" valueType="num">
-                                      <p:cBhvr>
-                                        <p:cTn id="7" dur="1000" fill="hold"/>
-                                        <p:tgtEl>
-                                          <p:spTgt spid="16"/>
-                                        </p:tgtEl>
-                                        <p:attrNameLst>
-                                          <p:attrName>ppt_w</p:attrName>
-                                        </p:attrNameLst>
-                                      </p:cBhvr>
-                                      <p:tavLst>
-                                        <p:tav tm="0">
-                                          <p:val>
-                                            <p:strVal val="#ppt_w*0.70"/>
-                                          </p:val>
-                                        </p:tav>
-                                        <p:tav tm="100000">
-                                          <p:val>
-                                            <p:strVal val="#ppt_w"/>
-                                          </p:val>
-                                        </p:tav>
-                                      </p:tavLst>
-                                    </p:anim>
-                                    <p:anim calcmode="lin" valueType="num">
-                                      <p:cBhvr>
-                                        <p:cTn id="8" dur="1000" fill="hold"/>
-                                        <p:tgtEl>
-                                          <p:spTgt spid="16"/>
-                                        </p:tgtEl>
-                                        <p:attrNameLst>
-                                          <p:attrName>ppt_h</p:attrName>
-                                        </p:attrNameLst>
-                                      </p:cBhvr>
-                                      <p:tavLst>
-                                        <p:tav tm="0">
-                                          <p:val>
-                                            <p:strVal val="#ppt_h"/>
-                                          </p:val>
-                                        </p:tav>
-                                        <p:tav tm="100000">
-                                          <p:val>
-                                            <p:strVal val="#ppt_h"/>
-                                          </p:val>
-                                        </p:tav>
-                                      </p:tavLst>
-                                    </p:anim>
-                                    <p:animEffect transition="in" filter="fade">
-                                      <p:cBhvr>
-                                        <p:cTn id="9" dur="1000"/>
-                                        <p:tgtEl>
-                                          <p:spTgt spid="16"/>
-                                        </p:tgtEl>
-                                      </p:cBhvr>
-                                    </p:animEffect>
-                                  </p:childTnLst>
-                                </p:cTn>
-                              </p:par>
-                              <p:par>
-                                <p:cTn id="10" presetID="55" presetClass="entr" presetSubtype="0" fill="hold" grpId="0" nodeType="withEffect">
-                                  <p:stCondLst>
-                                    <p:cond delay="0"/>
-                                  </p:stCondLst>
-                                  <p:childTnLst>
-                                    <p:set>
-                                      <p:cBhvr>
-                                        <p:cTn id="11" dur="1" fill="hold">
-                                          <p:stCondLst>
-                                            <p:cond delay="0"/>
-                                          </p:stCondLst>
-                                        </p:cTn>
-                                        <p:tgtEl>
-                                          <p:spTgt spid="17"/>
-                                        </p:tgtEl>
-                                        <p:attrNameLst>
-                                          <p:attrName>style.visibility</p:attrName>
-                                        </p:attrNameLst>
-                                      </p:cBhvr>
-                                      <p:to>
-                                        <p:strVal val="visible"/>
-                                      </p:to>
-                                    </p:set>
-                                    <p:anim calcmode="lin" valueType="num">
-                                      <p:cBhvr>
-                                        <p:cTn id="12" dur="1000" fill="hold"/>
-                                        <p:tgtEl>
-                                          <p:spTgt spid="17"/>
-                                        </p:tgtEl>
-                                        <p:attrNameLst>
-                                          <p:attrName>ppt_w</p:attrName>
-                                        </p:attrNameLst>
-                                      </p:cBhvr>
-                                      <p:tavLst>
-                                        <p:tav tm="0">
-                                          <p:val>
-                                            <p:strVal val="#ppt_w*0.70"/>
-                                          </p:val>
-                                        </p:tav>
-                                        <p:tav tm="100000">
-                                          <p:val>
-                                            <p:strVal val="#ppt_w"/>
-                                          </p:val>
-                                        </p:tav>
-                                      </p:tavLst>
-                                    </p:anim>
-                                    <p:anim calcmode="lin" valueType="num">
-                                      <p:cBhvr>
-                                        <p:cTn id="13" dur="1000" fill="hold"/>
-                                        <p:tgtEl>
-                                          <p:spTgt spid="17"/>
-                                        </p:tgtEl>
-                                        <p:attrNameLst>
-                                          <p:attrName>ppt_h</p:attrName>
-                                        </p:attrNameLst>
-                                      </p:cBhvr>
-                                      <p:tavLst>
-                                        <p:tav tm="0">
-                                          <p:val>
-                                            <p:strVal val="#ppt_h"/>
-                                          </p:val>
-                                        </p:tav>
-                                        <p:tav tm="100000">
-                                          <p:val>
-                                            <p:strVal val="#ppt_h"/>
-                                          </p:val>
-                                        </p:tav>
-                                      </p:tavLst>
-                                    </p:anim>
-                                    <p:animEffect transition="in" filter="fade">
-                                      <p:cBhvr>
-                                        <p:cTn id="14" dur="1000"/>
-                                        <p:tgtEl>
-                                          <p:spTgt spid="17"/>
-                                        </p:tgtEl>
-                                      </p:cBhvr>
-                                    </p:animEffect>
-                                  </p:childTnLst>
-                                </p:cTn>
-                              </p:par>
-                            </p:childTnLst>
-                          </p:cTn>
-                        </p:par>
-                      </p:childTnLst>
-                    </p:cTn>
-                  </p:par>
-                </p:childTnLst>
-              </p:cTn>
-              <p:prevCondLst>
-                <p:cond evt="onPrev" delay="0">
-                  <p:tgtEl>
-                    <p:sldTgt/>
-                  </p:tgtEl>
-                </p:cond>
-              </p:prevCondLst>
-              <p:nextCondLst>
-                <p:cond evt="onNext" delay="0">
-                  <p:tgtEl>
-                    <p:sldTgt/>
-                  </p:tgtEl>
-                </p:cond>
-              </p:nextCondLst>
-            </p:seq>
-          </p:childTnLst>
-        </p:cTn>
-      </p:par>
-    </p:tnLst>
-    <p:bldLst>
-      <p:bldP spid="16" grpId="0"/>
-      <p:bldP spid="17" grpId="0"/>
-    </p:bldLst>
-  </p:timing>
-</p:sld>
+<file path=ppt/tags/tag1.xml><?xml version="1.0" encoding="utf-8"?>
+<p:tagLst xmlns:p="http://schemas.openxmlformats.org/presentationml/2006/main">
+  <p:tag name="KSO_WM_UNIT_PLACING_PICTURE_USER_VIEWPORT" val="{&quot;height&quot;:11521,&quot;width&quot;:12853}"/>
+</p:tagLst>
 </file>
 
-<file path=ppt/slides/slide6.xml><?xml version="1.0" encoding="utf-8"?>
-<p:sld xmlns:a="http://schemas.openxmlformats.org/drawingml/2006/main" xmlns:r="http://schemas.openxmlformats.org/officeDocument/2006/relationships" xmlns:p="http://schemas.openxmlformats.org/presentationml/2006/main">
-  <p:cSld>
-    <p:spTree>
-      <p:nvGrpSpPr>
-        <p:cNvPr id="1" name=""/>
-        <p:cNvGrpSpPr/>
-        <p:nvPr/>
-      </p:nvGrpSpPr>
-      <p:grpSpPr/>
-      <p:sp>
-        <p:nvSpPr>
-          <p:cNvPr id="14" name="文本框 13"/>
-          <p:cNvSpPr txBox="1"/>
-          <p:nvPr userDrawn="1"/>
-        </p:nvSpPr>
-        <p:spPr>
-          <a:xfrm>
-            <a:off x="938530" y="1536065"/>
-            <a:ext cx="3620770" cy="3784600"/>
-          </a:xfrm>
-          <a:prstGeom prst="rect">
-            <a:avLst/>
-          </a:prstGeom>
-          <a:noFill/>
-        </p:spPr>
-        <p:txBody>
-          <a:bodyPr wrap="square" rtlCol="0">
-            <a:spAutoFit/>
-          </a:bodyPr>
-          <a:p>
-            <a:r>
-              <a:rPr lang="en-US" altLang="zh-CN" sz="24000">
-                <a:solidFill>
-                  <a:schemeClr val="bg1"/>
-                </a:solidFill>
-                <a:latin typeface="Arial Regular" panose="020B0604020202090204" charset="0"/>
-                <a:ea typeface="Microsoft YaHei Regular" panose="020B0703020204020201" charset="-122"/>
-                <a:cs typeface="Arial Regular" panose="020B0604020202090204" charset="0"/>
-              </a:rPr>
-              <a:t>04</a:t>
-            </a:r>
-            <a:endParaRPr lang="en-US" altLang="zh-CN" sz="24000">
-              <a:solidFill>
-                <a:schemeClr val="bg1"/>
-              </a:solidFill>
-              <a:latin typeface="Arial Regular" panose="020B0604020202090204" charset="0"/>
-              <a:ea typeface="Microsoft YaHei Regular" panose="020B0703020204020201" charset="-122"/>
-              <a:cs typeface="Arial Regular" panose="020B0604020202090204" charset="0"/>
-            </a:endParaRPr>
-          </a:p>
-        </p:txBody>
-      </p:sp>
-      <p:sp>
-        <p:nvSpPr>
-          <p:cNvPr id="16" name="文本框 15"/>
-          <p:cNvSpPr txBox="1"/>
-          <p:nvPr userDrawn="1"/>
-        </p:nvSpPr>
-        <p:spPr>
-          <a:xfrm>
-            <a:off x="5161915" y="2323465"/>
-            <a:ext cx="5932170" cy="891540"/>
-          </a:xfrm>
-          <a:prstGeom prst="rect">
-            <a:avLst/>
-          </a:prstGeom>
-          <a:noFill/>
-        </p:spPr>
-        <p:txBody>
-          <a:bodyPr wrap="square" rtlCol="0">
-            <a:spAutoFit/>
-          </a:bodyPr>
-          <a:p>
-            <a:pPr algn="l"/>
-            <a:r>
-              <a:rPr lang="zh-CN" altLang="en-US" sz="5200" b="1" dirty="0">
-                <a:solidFill>
-                  <a:srgbClr val="4669E3"/>
-                </a:solidFill>
-                <a:latin typeface="Microsoft YaHei Bold" panose="020B0703020204020201" charset="-122"/>
-                <a:ea typeface="Microsoft YaHei Bold" panose="020B0703020204020201" charset="-122"/>
-                <a:cs typeface="+mn-ea"/>
-                <a:sym typeface="+mn-lt"/>
-              </a:rPr>
-              <a:t>实战</a:t>
-            </a:r>
-            <a:endParaRPr lang="zh-CN" altLang="en-US" sz="5200" b="1" dirty="0">
-              <a:solidFill>
-                <a:srgbClr val="4669E3"/>
-              </a:solidFill>
-              <a:latin typeface="Microsoft YaHei Bold" panose="020B0703020204020201" charset="-122"/>
-              <a:ea typeface="Microsoft YaHei Bold" panose="020B0703020204020201" charset="-122"/>
-              <a:cs typeface="+mn-ea"/>
-              <a:sym typeface="+mn-lt"/>
-            </a:endParaRPr>
-          </a:p>
-        </p:txBody>
-      </p:sp>
-      <p:sp>
-        <p:nvSpPr>
-          <p:cNvPr id="17" name="文本框 16"/>
-          <p:cNvSpPr txBox="1"/>
-          <p:nvPr userDrawn="1"/>
-        </p:nvSpPr>
-        <p:spPr>
-          <a:xfrm>
-            <a:off x="5161915" y="3328670"/>
-            <a:ext cx="6539865" cy="1568450"/>
-          </a:xfrm>
-          <a:prstGeom prst="rect">
-            <a:avLst/>
-          </a:prstGeom>
-          <a:noFill/>
-        </p:spPr>
-        <p:txBody>
-          <a:bodyPr wrap="square" rtlCol="0">
-            <a:spAutoFit/>
-          </a:bodyPr>
-          <a:p>
-            <a:pPr algn="l"/>
-            <a:r>
-              <a:rPr lang="en-US" altLang="zh-CN" sz="2400" dirty="0">
-                <a:solidFill>
-                  <a:schemeClr val="tx1">
-                    <a:lumMod val="75000"/>
-                    <a:lumOff val="25000"/>
-                  </a:schemeClr>
-                </a:solidFill>
-                <a:latin typeface="Microsoft YaHei Regular" panose="020B0703020204020201" charset="-122"/>
-                <a:ea typeface="Microsoft YaHei Regular" panose="020B0703020204020201" charset="-122"/>
-                <a:cs typeface="+mn-ea"/>
-                <a:sym typeface="+mn-lt"/>
-              </a:rPr>
-              <a:t>1.</a:t>
-            </a:r>
-            <a:r>
-              <a:rPr lang="zh-CN" altLang="en-US" sz="2400" dirty="0">
-                <a:solidFill>
-                  <a:schemeClr val="tx1">
-                    <a:lumMod val="75000"/>
-                    <a:lumOff val="25000"/>
-                  </a:schemeClr>
-                </a:solidFill>
-                <a:latin typeface="Microsoft YaHei Regular" panose="020B0703020204020201" charset="-122"/>
-                <a:ea typeface="Microsoft YaHei Regular" panose="020B0703020204020201" charset="-122"/>
-                <a:cs typeface="+mn-ea"/>
-                <a:sym typeface="+mn-lt"/>
-              </a:rPr>
-              <a:t>通过</a:t>
-            </a:r>
-            <a:r>
-              <a:rPr lang="en-US" altLang="zh-CN" sz="2400" dirty="0">
-                <a:solidFill>
-                  <a:schemeClr val="tx1">
-                    <a:lumMod val="75000"/>
-                    <a:lumOff val="25000"/>
-                  </a:schemeClr>
-                </a:solidFill>
-                <a:latin typeface="Microsoft YaHei Regular" panose="020B0703020204020201" charset="-122"/>
-                <a:ea typeface="Microsoft YaHei Regular" panose="020B0703020204020201" charset="-122"/>
-                <a:cs typeface="+mn-ea"/>
-                <a:sym typeface="+mn-lt"/>
-              </a:rPr>
-              <a:t>Android </a:t>
-            </a:r>
-            <a:r>
-              <a:rPr lang="zh-CN" altLang="en-US" sz="2400" dirty="0">
-                <a:solidFill>
-                  <a:schemeClr val="tx1">
-                    <a:lumMod val="75000"/>
-                    <a:lumOff val="25000"/>
-                  </a:schemeClr>
-                </a:solidFill>
-                <a:latin typeface="Microsoft YaHei Regular" panose="020B0703020204020201" charset="-122"/>
-                <a:ea typeface="Microsoft YaHei Regular" panose="020B0703020204020201" charset="-122"/>
-                <a:cs typeface="+mn-ea"/>
-                <a:sym typeface="+mn-lt"/>
-              </a:rPr>
-              <a:t>代码解析一个本地视频文件，获得对应的轨道信息。</a:t>
-            </a:r>
-            <a:endParaRPr lang="zh-CN" altLang="en-US" sz="2400" dirty="0">
-              <a:solidFill>
-                <a:schemeClr val="tx1">
-                  <a:lumMod val="75000"/>
-                  <a:lumOff val="25000"/>
-                </a:schemeClr>
-              </a:solidFill>
-              <a:latin typeface="Microsoft YaHei Regular" panose="020B0703020204020201" charset="-122"/>
-              <a:ea typeface="Microsoft YaHei Regular" panose="020B0703020204020201" charset="-122"/>
-              <a:cs typeface="+mn-ea"/>
-              <a:sym typeface="+mn-lt"/>
-            </a:endParaRPr>
-          </a:p>
-          <a:p>
-            <a:pPr algn="l"/>
-            <a:r>
-              <a:rPr lang="en-US" altLang="zh-CN" sz="2400" dirty="0">
-                <a:solidFill>
-                  <a:schemeClr val="tx1">
-                    <a:lumMod val="75000"/>
-                    <a:lumOff val="25000"/>
-                  </a:schemeClr>
-                </a:solidFill>
-                <a:latin typeface="Microsoft YaHei Regular" panose="020B0703020204020201" charset="-122"/>
-                <a:ea typeface="Microsoft YaHei Regular" panose="020B0703020204020201" charset="-122"/>
-                <a:cs typeface="+mn-ea"/>
-                <a:sym typeface="+mn-lt"/>
-              </a:rPr>
-              <a:t>2.</a:t>
-            </a:r>
-            <a:r>
-              <a:rPr lang="zh-CN" altLang="en-US" sz="2400" dirty="0">
-                <a:solidFill>
-                  <a:schemeClr val="tx1">
-                    <a:lumMod val="75000"/>
-                    <a:lumOff val="25000"/>
-                  </a:schemeClr>
-                </a:solidFill>
-                <a:latin typeface="Microsoft YaHei Regular" panose="020B0703020204020201" charset="-122"/>
-                <a:ea typeface="Microsoft YaHei Regular" panose="020B0703020204020201" charset="-122"/>
-                <a:cs typeface="+mn-ea"/>
-                <a:sym typeface="+mn-lt"/>
-              </a:rPr>
-              <a:t>通过</a:t>
-            </a:r>
-            <a:r>
-              <a:rPr lang="en-US" altLang="zh-CN" sz="2400" dirty="0">
-                <a:solidFill>
-                  <a:schemeClr val="tx1">
-                    <a:lumMod val="75000"/>
-                    <a:lumOff val="25000"/>
-                  </a:schemeClr>
-                </a:solidFill>
-                <a:latin typeface="Microsoft YaHei Regular" panose="020B0703020204020201" charset="-122"/>
-                <a:ea typeface="Microsoft YaHei Regular" panose="020B0703020204020201" charset="-122"/>
-                <a:cs typeface="+mn-ea"/>
-                <a:sym typeface="+mn-lt"/>
-              </a:rPr>
-              <a:t>Android </a:t>
-            </a:r>
-            <a:r>
-              <a:rPr lang="zh-CN" altLang="en-US" sz="2400" dirty="0">
-                <a:solidFill>
-                  <a:schemeClr val="tx1">
-                    <a:lumMod val="75000"/>
-                    <a:lumOff val="25000"/>
-                  </a:schemeClr>
-                </a:solidFill>
-                <a:latin typeface="Microsoft YaHei Regular" panose="020B0703020204020201" charset="-122"/>
-                <a:ea typeface="Microsoft YaHei Regular" panose="020B0703020204020201" charset="-122"/>
-                <a:cs typeface="+mn-ea"/>
-                <a:sym typeface="+mn-lt"/>
-              </a:rPr>
-              <a:t>代码将解析出来的轨道信息合成一个视频文件。</a:t>
-            </a:r>
-            <a:endParaRPr lang="zh-CN" altLang="en-US" sz="2400" dirty="0">
-              <a:solidFill>
-                <a:schemeClr val="tx1">
-                  <a:lumMod val="75000"/>
-                  <a:lumOff val="25000"/>
-                </a:schemeClr>
-              </a:solidFill>
-              <a:latin typeface="Microsoft YaHei Regular" panose="020B0703020204020201" charset="-122"/>
-              <a:ea typeface="Microsoft YaHei Regular" panose="020B0703020204020201" charset="-122"/>
-              <a:cs typeface="+mn-ea"/>
-              <a:sym typeface="+mn-lt"/>
-            </a:endParaRPr>
-          </a:p>
-        </p:txBody>
-      </p:sp>
-    </p:spTree>
-  </p:cSld>
-  <p:clrMapOvr>
-    <a:masterClrMapping/>
-  </p:clrMapOvr>
-  <p:timing>
-    <p:tnLst>
-      <p:par>
-        <p:cTn id="1" dur="indefinite" restart="never" nodeType="tmRoot">
-          <p:childTnLst>
-            <p:seq concurrent="1" nextAc="seek">
-              <p:cTn id="2" dur="indefinite" nodeType="mainSeq">
-                <p:childTnLst>
-                  <p:par>
-                    <p:cTn id="3" fill="hold">
-                      <p:stCondLst>
-                        <p:cond delay="indefinite"/>
-                        <p:cond evt="onBegin" delay="0">
-                          <p:tn val="2"/>
-                        </p:cond>
-                      </p:stCondLst>
-                      <p:childTnLst>
-                        <p:par>
-                          <p:cTn id="4" fill="hold">
-                            <p:stCondLst>
-                              <p:cond delay="0"/>
-                            </p:stCondLst>
-                            <p:childTnLst>
-                              <p:par>
-                                <p:cTn id="5" presetID="55" presetClass="entr" presetSubtype="0" fill="hold" grpId="0" nodeType="withEffect">
-                                  <p:stCondLst>
-                                    <p:cond delay="0"/>
-                                  </p:stCondLst>
-                                  <p:childTnLst>
-                                    <p:set>
-                                      <p:cBhvr>
-                                        <p:cTn id="6" dur="1" fill="hold">
-                                          <p:stCondLst>
-                                            <p:cond delay="0"/>
-                                          </p:stCondLst>
-                                        </p:cTn>
-                                        <p:tgtEl>
-                                          <p:spTgt spid="16"/>
-                                        </p:tgtEl>
-                                        <p:attrNameLst>
-                                          <p:attrName>style.visibility</p:attrName>
-                                        </p:attrNameLst>
-                                      </p:cBhvr>
-                                      <p:to>
-                                        <p:strVal val="visible"/>
-                                      </p:to>
-                                    </p:set>
-                                    <p:anim calcmode="lin" valueType="num">
-                                      <p:cBhvr>
-                                        <p:cTn id="7" dur="1000" fill="hold"/>
-                                        <p:tgtEl>
-                                          <p:spTgt spid="16"/>
-                                        </p:tgtEl>
-                                        <p:attrNameLst>
-                                          <p:attrName>ppt_w</p:attrName>
-                                        </p:attrNameLst>
-                                      </p:cBhvr>
-                                      <p:tavLst>
-                                        <p:tav tm="0">
-                                          <p:val>
-                                            <p:strVal val="#ppt_w*0.70"/>
-                                          </p:val>
-                                        </p:tav>
-                                        <p:tav tm="100000">
-                                          <p:val>
-                                            <p:strVal val="#ppt_w"/>
-                                          </p:val>
-                                        </p:tav>
-                                      </p:tavLst>
-                                    </p:anim>
-                                    <p:anim calcmode="lin" valueType="num">
-                                      <p:cBhvr>
-                                        <p:cTn id="8" dur="1000" fill="hold"/>
-                                        <p:tgtEl>
-                                          <p:spTgt spid="16"/>
-                                        </p:tgtEl>
-                                        <p:attrNameLst>
-                                          <p:attrName>ppt_h</p:attrName>
-                                        </p:attrNameLst>
-                                      </p:cBhvr>
-                                      <p:tavLst>
-                                        <p:tav tm="0">
-                                          <p:val>
-                                            <p:strVal val="#ppt_h"/>
-                                          </p:val>
-                                        </p:tav>
-                                        <p:tav tm="100000">
-                                          <p:val>
-                                            <p:strVal val="#ppt_h"/>
-                                          </p:val>
-                                        </p:tav>
-                                      </p:tavLst>
-                                    </p:anim>
-                                    <p:animEffect transition="in" filter="fade">
-                                      <p:cBhvr>
-                                        <p:cTn id="9" dur="1000"/>
-                                        <p:tgtEl>
-                                          <p:spTgt spid="16"/>
-                                        </p:tgtEl>
-                                      </p:cBhvr>
-                                    </p:animEffect>
-                                  </p:childTnLst>
-                                </p:cTn>
-                              </p:par>
-                              <p:par>
-                                <p:cTn id="10" presetID="55" presetClass="entr" presetSubtype="0" fill="hold" grpId="0" nodeType="withEffect">
-                                  <p:stCondLst>
-                                    <p:cond delay="0"/>
-                                  </p:stCondLst>
-                                  <p:childTnLst>
-                                    <p:set>
-                                      <p:cBhvr>
-                                        <p:cTn id="11" dur="1" fill="hold">
-                                          <p:stCondLst>
-                                            <p:cond delay="0"/>
-                                          </p:stCondLst>
-                                        </p:cTn>
-                                        <p:tgtEl>
-                                          <p:spTgt spid="17"/>
-                                        </p:tgtEl>
-                                        <p:attrNameLst>
-                                          <p:attrName>style.visibility</p:attrName>
-                                        </p:attrNameLst>
-                                      </p:cBhvr>
-                                      <p:to>
-                                        <p:strVal val="visible"/>
-                                      </p:to>
-                                    </p:set>
-                                    <p:anim calcmode="lin" valueType="num">
-                                      <p:cBhvr>
-                                        <p:cTn id="12" dur="1000" fill="hold"/>
-                                        <p:tgtEl>
-                                          <p:spTgt spid="17"/>
-                                        </p:tgtEl>
-                                        <p:attrNameLst>
-                                          <p:attrName>ppt_w</p:attrName>
-                                        </p:attrNameLst>
-                                      </p:cBhvr>
-                                      <p:tavLst>
-                                        <p:tav tm="0">
-                                          <p:val>
-                                            <p:strVal val="#ppt_w*0.70"/>
-                                          </p:val>
-                                        </p:tav>
-                                        <p:tav tm="100000">
-                                          <p:val>
-                                            <p:strVal val="#ppt_w"/>
-                                          </p:val>
-                                        </p:tav>
-                                      </p:tavLst>
-                                    </p:anim>
-                                    <p:anim calcmode="lin" valueType="num">
-                                      <p:cBhvr>
-                                        <p:cTn id="13" dur="1000" fill="hold"/>
-                                        <p:tgtEl>
-                                          <p:spTgt spid="17"/>
-                                        </p:tgtEl>
-                                        <p:attrNameLst>
-                                          <p:attrName>ppt_h</p:attrName>
-                                        </p:attrNameLst>
-                                      </p:cBhvr>
-                                      <p:tavLst>
-                                        <p:tav tm="0">
-                                          <p:val>
-                                            <p:strVal val="#ppt_h"/>
-                                          </p:val>
-                                        </p:tav>
-                                        <p:tav tm="100000">
-                                          <p:val>
-                                            <p:strVal val="#ppt_h"/>
-                                          </p:val>
-                                        </p:tav>
-                                      </p:tavLst>
-                                    </p:anim>
-                                    <p:animEffect transition="in" filter="fade">
-                                      <p:cBhvr>
-                                        <p:cTn id="14" dur="1000"/>
-                                        <p:tgtEl>
-                                          <p:spTgt spid="17"/>
-                                        </p:tgtEl>
-                                      </p:cBhvr>
-                                    </p:animEffect>
-                                  </p:childTnLst>
-                                </p:cTn>
-                              </p:par>
-                            </p:childTnLst>
-                          </p:cTn>
-                        </p:par>
-                      </p:childTnLst>
-                    </p:cTn>
-                  </p:par>
-                </p:childTnLst>
-              </p:cTn>
-              <p:prevCondLst>
-                <p:cond evt="onPrev" delay="0">
-                  <p:tgtEl>
-                    <p:sldTgt/>
-                  </p:tgtEl>
-                </p:cond>
-              </p:prevCondLst>
-              <p:nextCondLst>
-                <p:cond evt="onNext" delay="0">
-                  <p:tgtEl>
-                    <p:sldTgt/>
-                  </p:tgtEl>
-                </p:cond>
-              </p:nextCondLst>
-            </p:seq>
-          </p:childTnLst>
-        </p:cTn>
-      </p:par>
-    </p:tnLst>
-    <p:bldLst>
-      <p:bldP spid="16" grpId="0"/>
-      <p:bldP spid="17" grpId="0"/>
-    </p:bldLst>
-  </p:timing>
-</p:sld>
-</file>
-
-<file path=ppt/slides/slide7.xml><?xml version="1.0" encoding="utf-8"?>
-<p:sld xmlns:a="http://schemas.openxmlformats.org/drawingml/2006/main" xmlns:r="http://schemas.openxmlformats.org/officeDocument/2006/relationships" xmlns:p="http://schemas.openxmlformats.org/presentationml/2006/main">
-  <p:cSld>
-    <p:spTree>
-      <p:nvGrpSpPr>
-        <p:cNvPr id="1" name=""/>
-        <p:cNvGrpSpPr/>
-        <p:nvPr/>
-      </p:nvGrpSpPr>
-      <p:grpSpPr/>
-      <p:sp>
-        <p:nvSpPr>
-          <p:cNvPr id="7" name="文本框 6"/>
-          <p:cNvSpPr txBox="1"/>
-          <p:nvPr/>
-        </p:nvSpPr>
-        <p:spPr>
-          <a:xfrm>
-            <a:off x="3155950" y="1312545"/>
-            <a:ext cx="5878830" cy="645160"/>
-          </a:xfrm>
-          <a:prstGeom prst="rect">
-            <a:avLst/>
-          </a:prstGeom>
-          <a:noFill/>
-        </p:spPr>
-        <p:txBody>
-          <a:bodyPr wrap="square" rtlCol="0">
-            <a:spAutoFit/>
-          </a:bodyPr>
-          <a:p>
-            <a:pPr algn="ctr"/>
-            <a:r>
-              <a:rPr lang="zh-CN" sz="3600" b="1" dirty="0">
-                <a:solidFill>
-                  <a:srgbClr val="4669E3"/>
-                </a:solidFill>
-                <a:latin typeface="Microsoft YaHei Bold" panose="020B0703020204020201" charset="-122"/>
-                <a:ea typeface="Microsoft YaHei Bold" panose="020B0703020204020201" charset="-122"/>
-                <a:cs typeface="+mn-ea"/>
-                <a:sym typeface="+mn-lt"/>
-              </a:rPr>
-              <a:t>标题</a:t>
-            </a:r>
-            <a:endParaRPr lang="zh-CN" sz="3600" b="1" dirty="0">
-              <a:solidFill>
-                <a:srgbClr val="4669E3"/>
-              </a:solidFill>
-              <a:latin typeface="Microsoft YaHei Bold" panose="020B0703020204020201" charset="-122"/>
-              <a:ea typeface="Microsoft YaHei Bold" panose="020B0703020204020201" charset="-122"/>
-              <a:cs typeface="+mn-ea"/>
-              <a:sym typeface="+mn-lt"/>
-            </a:endParaRPr>
-          </a:p>
-        </p:txBody>
-      </p:sp>
-      <p:sp>
-        <p:nvSpPr>
-          <p:cNvPr id="6" name="文本框 5"/>
-          <p:cNvSpPr txBox="1"/>
-          <p:nvPr/>
-        </p:nvSpPr>
-        <p:spPr>
-          <a:xfrm>
-            <a:off x="2647385" y="2151291"/>
-            <a:ext cx="6897231" cy="347345"/>
-          </a:xfrm>
-          <a:prstGeom prst="rect">
-            <a:avLst/>
-          </a:prstGeom>
-          <a:noFill/>
-        </p:spPr>
-        <p:txBody>
-          <a:bodyPr wrap="square" rtlCol="0">
-            <a:spAutoFit/>
-          </a:bodyPr>
-          <a:p>
-            <a:pPr algn="l">
-              <a:lnSpc>
-                <a:spcPts val="2000"/>
-              </a:lnSpc>
-            </a:pPr>
-            <a:r>
-              <a:rPr lang="zh-CN" altLang="en-US" sz="1400" dirty="0">
-                <a:solidFill>
-                  <a:srgbClr val="323335"/>
-                </a:solidFill>
-                <a:latin typeface="黑体" panose="02010609060101010101" charset="-122"/>
-                <a:ea typeface="黑体" panose="02010609060101010101" charset="-122"/>
-                <a:cs typeface="黑体" panose="02010609060101010101" charset="-122"/>
-                <a:sym typeface="+mn-lt"/>
-              </a:rPr>
-              <a:t>内容</a:t>
-            </a:r>
-            <a:endParaRPr lang="zh-CN" altLang="en-US" sz="1400" dirty="0">
-              <a:solidFill>
-                <a:srgbClr val="323335"/>
-              </a:solidFill>
-              <a:latin typeface="黑体" panose="02010609060101010101" charset="-122"/>
-              <a:ea typeface="黑体" panose="02010609060101010101" charset="-122"/>
-              <a:cs typeface="黑体" panose="02010609060101010101" charset="-122"/>
-              <a:sym typeface="+mn-lt"/>
-            </a:endParaRPr>
-          </a:p>
-        </p:txBody>
-      </p:sp>
-    </p:spTree>
-  </p:cSld>
-  <p:clrMapOvr>
-    <a:masterClrMapping/>
-  </p:clrMapOvr>
-  <p:timing>
-    <p:tnLst>
-      <p:par>
-        <p:cTn id="1" dur="indefinite" restart="never" nodeType="tmRoot">
-          <p:childTnLst>
-            <p:seq concurrent="1" nextAc="seek">
-              <p:cTn id="2" dur="indefinite" nodeType="mainSeq">
-                <p:childTnLst>
-                  <p:par>
-                    <p:cTn id="3" fill="hold">
-                      <p:stCondLst>
-                        <p:cond delay="indefinite"/>
-                        <p:cond evt="onBegin" delay="0">
-                          <p:tn val="2"/>
-                        </p:cond>
-                      </p:stCondLst>
-                      <p:childTnLst>
-                        <p:par>
-                          <p:cTn id="4" fill="hold">
-                            <p:stCondLst>
-                              <p:cond delay="0"/>
-                            </p:stCondLst>
-                            <p:childTnLst>
-                              <p:par>
-                                <p:cTn id="5" presetID="4" presetClass="entr" presetSubtype="16" fill="hold" grpId="0" nodeType="withEffect">
-                                  <p:stCondLst>
-                                    <p:cond delay="0"/>
-                                  </p:stCondLst>
-                                  <p:childTnLst>
-                                    <p:set>
-                                      <p:cBhvr>
-                                        <p:cTn id="6" dur="1" fill="hold">
-                                          <p:stCondLst>
-                                            <p:cond delay="0"/>
-                                          </p:stCondLst>
-                                        </p:cTn>
-                                        <p:tgtEl>
-                                          <p:spTgt spid="7"/>
-                                        </p:tgtEl>
-                                        <p:attrNameLst>
-                                          <p:attrName>style.visibility</p:attrName>
-                                        </p:attrNameLst>
-                                      </p:cBhvr>
-                                      <p:to>
-                                        <p:strVal val="visible"/>
-                                      </p:to>
-                                    </p:set>
-                                    <p:animEffect transition="in" filter="box(in)">
-                                      <p:cBhvr>
-                                        <p:cTn id="7" dur="2000"/>
-                                        <p:tgtEl>
-                                          <p:spTgt spid="7"/>
-                                        </p:tgtEl>
-                                      </p:cBhvr>
-                                    </p:animEffect>
-                                  </p:childTnLst>
-                                </p:cTn>
-                              </p:par>
-                            </p:childTnLst>
-                          </p:cTn>
-                        </p:par>
-                        <p:par>
-                          <p:cTn id="8" fill="hold">
-                            <p:stCondLst>
-                              <p:cond delay="2000"/>
-                            </p:stCondLst>
-                            <p:childTnLst>
-                              <p:par>
-                                <p:cTn id="9" presetID="4" presetClass="entr" presetSubtype="16" fill="hold" grpId="0" nodeType="afterEffect">
-                                  <p:stCondLst>
-                                    <p:cond delay="0"/>
-                                  </p:stCondLst>
-                                  <p:childTnLst>
-                                    <p:set>
-                                      <p:cBhvr>
-                                        <p:cTn id="10" dur="1" fill="hold">
-                                          <p:stCondLst>
-                                            <p:cond delay="0"/>
-                                          </p:stCondLst>
-                                        </p:cTn>
-                                        <p:tgtEl>
-                                          <p:spTgt spid="6"/>
-                                        </p:tgtEl>
-                                        <p:attrNameLst>
-                                          <p:attrName>style.visibility</p:attrName>
-                                        </p:attrNameLst>
-                                      </p:cBhvr>
-                                      <p:to>
-                                        <p:strVal val="visible"/>
-                                      </p:to>
-                                    </p:set>
-                                    <p:animEffect transition="in" filter="box(in)">
-                                      <p:cBhvr>
-                                        <p:cTn id="11" dur="2000"/>
-                                        <p:tgtEl>
-                                          <p:spTgt spid="6"/>
-                                        </p:tgtEl>
-                                      </p:cBhvr>
-                                    </p:animEffect>
-                                  </p:childTnLst>
-                                </p:cTn>
-                              </p:par>
-                            </p:childTnLst>
-                          </p:cTn>
-                        </p:par>
-                      </p:childTnLst>
-                    </p:cTn>
-                  </p:par>
-                </p:childTnLst>
-              </p:cTn>
-              <p:prevCondLst>
-                <p:cond evt="onPrev" delay="0">
-                  <p:tgtEl>
-                    <p:sldTgt/>
-                  </p:tgtEl>
-                </p:cond>
-              </p:prevCondLst>
-              <p:nextCondLst>
-                <p:cond evt="onNext" delay="0">
-                  <p:tgtEl>
-                    <p:sldTgt/>
-                  </p:tgtEl>
-                </p:cond>
-              </p:nextCondLst>
-            </p:seq>
-          </p:childTnLst>
-        </p:cTn>
-      </p:par>
-    </p:tnLst>
-    <p:bldLst>
-      <p:bldP spid="7" grpId="0"/>
-      <p:bldP spid="6" grpId="0"/>
-    </p:bldLst>
-  </p:timing>
-</p:sld>
-</file>
-
-<file path=ppt/slides/slide8.xml><?xml version="1.0" encoding="utf-8"?>
-<p:sld xmlns:a="http://schemas.openxmlformats.org/drawingml/2006/main" xmlns:r="http://schemas.openxmlformats.org/officeDocument/2006/relationships" xmlns:p="http://schemas.openxmlformats.org/presentationml/2006/main">
-  <p:cSld>
-    <p:spTree>
-      <p:nvGrpSpPr>
-        <p:cNvPr id="1" name=""/>
-        <p:cNvGrpSpPr/>
-        <p:nvPr/>
-      </p:nvGrpSpPr>
-      <p:grpSpPr/>
-    </p:spTree>
-  </p:cSld>
-  <p:clrMapOvr>
-    <a:masterClrMapping/>
-  </p:clrMapOvr>
-</p:sld>
-</file>
-
-<file path=ppt/tags/tag1.xml><?xml version="1.0" encoding="utf-8"?>
+<file path=ppt/tags/tag2.xml><?xml version="1.0" encoding="utf-8"?>
 <p:tagLst xmlns:p="http://schemas.openxmlformats.org/presentationml/2006/main">
   <p:tag name="COMMONDATA" val="eyJoZGlkIjoiNTE2YjUyNDI3NjI3MWIwYzFkMThmMzMwYWU0MGMzNTIifQ=="/>
 </p:tagLst>

--- a/blogpage/content/posts/Android/音视频/培训/音视频原理简介.pptx
+++ b/blogpage/content/posts/Android/音视频/培训/音视频原理简介.pptx
@@ -8717,7 +8717,7 @@
         </p:nvSpPr>
         <p:spPr>
           <a:xfrm>
-            <a:off x="3155950" y="1312545"/>
+            <a:off x="165735" y="781050"/>
             <a:ext cx="5878830" cy="645160"/>
           </a:xfrm>
           <a:prstGeom prst="rect">
@@ -8755,96 +8755,30 @@
           </a:p>
         </p:txBody>
       </p:sp>
-      <p:sp>
-        <p:nvSpPr>
-          <p:cNvPr id="6" name="文本框 5"/>
-          <p:cNvSpPr txBox="1"/>
+      <p:pic>
+        <p:nvPicPr>
+          <p:cNvPr id="2" name="图片 1"/>
+          <p:cNvPicPr>
+            <a:picLocks noChangeAspect="1"/>
+          </p:cNvPicPr>
           <p:nvPr/>
-        </p:nvSpPr>
+        </p:nvPicPr>
+        <p:blipFill>
+          <a:blip r:embed="rId1"/>
+          <a:stretch>
+            <a:fillRect/>
+          </a:stretch>
+        </p:blipFill>
         <p:spPr>
           <a:xfrm>
-            <a:off x="2647385" y="2151291"/>
-            <a:ext cx="6897231" cy="603885"/>
+            <a:off x="4483735" y="1426210"/>
+            <a:ext cx="7388225" cy="4881880"/>
           </a:xfrm>
           <a:prstGeom prst="rect">
             <a:avLst/>
           </a:prstGeom>
-          <a:noFill/>
         </p:spPr>
-        <p:txBody>
-          <a:bodyPr wrap="square" rtlCol="0">
-            <a:spAutoFit/>
-          </a:bodyPr>
-          <a:p>
-            <a:pPr algn="l">
-              <a:lnSpc>
-                <a:spcPts val="2000"/>
-              </a:lnSpc>
-            </a:pPr>
-            <a:r>
-              <a:rPr lang="zh-CN" altLang="en-US" sz="1400" dirty="0">
-                <a:solidFill>
-                  <a:srgbClr val="323335"/>
-                </a:solidFill>
-                <a:latin typeface="黑体" panose="02010609060101010101" charset="-122"/>
-                <a:ea typeface="黑体" panose="02010609060101010101" charset="-122"/>
-                <a:cs typeface="黑体" panose="02010609060101010101" charset="-122"/>
-                <a:sym typeface="+mn-lt"/>
-              </a:rPr>
-              <a:t>硬解</a:t>
-            </a:r>
-            <a:r>
-              <a:rPr lang="en-US" altLang="zh-CN" sz="1400" dirty="0">
-                <a:solidFill>
-                  <a:srgbClr val="323335"/>
-                </a:solidFill>
-                <a:latin typeface="黑体" panose="02010609060101010101" charset="-122"/>
-                <a:ea typeface="黑体" panose="02010609060101010101" charset="-122"/>
-                <a:cs typeface="黑体" panose="02010609060101010101" charset="-122"/>
-                <a:sym typeface="+mn-lt"/>
-              </a:rPr>
-              <a:t>:</a:t>
-            </a:r>
-            <a:endParaRPr lang="en-US" altLang="zh-CN" sz="1400" dirty="0">
-              <a:solidFill>
-                <a:srgbClr val="323335"/>
-              </a:solidFill>
-              <a:latin typeface="黑体" panose="02010609060101010101" charset="-122"/>
-              <a:ea typeface="黑体" panose="02010609060101010101" charset="-122"/>
-              <a:cs typeface="黑体" panose="02010609060101010101" charset="-122"/>
-              <a:sym typeface="+mn-lt"/>
-            </a:endParaRPr>
-          </a:p>
-          <a:p>
-            <a:pPr algn="l">
-              <a:lnSpc>
-                <a:spcPts val="2000"/>
-              </a:lnSpc>
-            </a:pPr>
-            <a:r>
-              <a:rPr lang="zh-CN" altLang="en-US" sz="1400" dirty="0">
-                <a:solidFill>
-                  <a:srgbClr val="323335"/>
-                </a:solidFill>
-                <a:latin typeface="黑体" panose="02010609060101010101" charset="-122"/>
-                <a:ea typeface="黑体" panose="02010609060101010101" charset="-122"/>
-                <a:cs typeface="黑体" panose="02010609060101010101" charset="-122"/>
-                <a:sym typeface="+mn-lt"/>
-              </a:rPr>
-              <a:t>软解：</a:t>
-            </a:r>
-            <a:endParaRPr lang="zh-CN" altLang="en-US" sz="1400" dirty="0">
-              <a:solidFill>
-                <a:srgbClr val="323335"/>
-              </a:solidFill>
-              <a:latin typeface="黑体" panose="02010609060101010101" charset="-122"/>
-              <a:ea typeface="黑体" panose="02010609060101010101" charset="-122"/>
-              <a:cs typeface="黑体" panose="02010609060101010101" charset="-122"/>
-              <a:sym typeface="+mn-lt"/>
-            </a:endParaRPr>
-          </a:p>
-        </p:txBody>
-      </p:sp>
+      </p:pic>
     </p:spTree>
   </p:cSld>
   <p:clrMapOvr>
@@ -8911,50 +8845,6 @@
                             </p:childTnLst>
                           </p:cTn>
                         </p:par>
-                        <p:par>
-                          <p:cTn id="8" fill="hold">
-                            <p:stCondLst>
-                              <p:cond delay="2000"/>
-                            </p:stCondLst>
-                            <p:childTnLst>
-                              <p:par>
-                                <p:cTn id="9" presetID="4" presetClass="entr" presetSubtype="16" fill="hold" grpId="0" nodeType="afterEffect">
-                                  <p:stCondLst>
-                                    <p:cond delay="0"/>
-                                  </p:stCondLst>
-                                  <p:childTnLst>
-                                    <p:set>
-                                      <p:cBhvr>
-                                        <p:cTn id="10" dur="1" fill="hold">
-                                          <p:stCondLst>
-                                            <p:cond delay="0"/>
-                                          </p:stCondLst>
-                                        </p:cTn>
-                                        <p:tgtEl>
-                                          <p:spTgt spid="6"/>
-                                        </p:tgtEl>
-                                        <p:attrNameLst>
-                                          <p:attrName>style.visibility</p:attrName>
-                                        </p:attrNameLst>
-                                      </p:cBhvr>
-                                      <p:to>
-                                        <p:strVal val="visible"/>
-                                      </p:to>
-                                    </p:set>
-                                    <p:animEffect transition="in" filter="box(in)">
-                                      <p:cBhvr>
-                                        <p:cTn id="11" dur="2000"/>
-                                        <p:tgtEl>
-                                          <p:spTgt spid="6"/>
-                                        </p:tgtEl>
-                                      </p:cBhvr>
-                                    </p:animEffect>
-                                  </p:childTnLst>
-                                </p:cTn>
-                              </p:par>
-                            </p:childTnLst>
-                          </p:cTn>
-                        </p:par>
                       </p:childTnLst>
                     </p:cTn>
                   </p:par>
@@ -8981,7 +8871,6 @@
     </p:tnLst>
     <p:bldLst>
       <p:bldP spid="7" grpId="0"/>
-      <p:bldP spid="6" grpId="0"/>
     </p:bldLst>
   </p:timing>
 </p:sld>

--- a/blogpage/content/posts/Android/音视频/培训/音视频原理简介.pptx
+++ b/blogpage/content/posts/Android/音视频/培训/音视频原理简介.pptx
@@ -700,9 +700,9 @@
                     <a:alpha val="50000"/>
                   </a:schemeClr>
                 </a:solidFill>
-                <a:latin typeface="Arial" panose="020B0604020202090204" pitchFamily="34" charset="0"/>
+                <a:latin typeface="Arial" panose="020B0604020202020204" pitchFamily="34" charset="0"/>
                 <a:ea typeface="字魂58号-创中黑" panose="00000500000000000000" charset="-122"/>
-                <a:cs typeface="Arial" panose="020B0604020202090204" pitchFamily="34" charset="0"/>
+                <a:cs typeface="Arial" panose="020B0604020202020204" pitchFamily="34" charset="0"/>
                 <a:sym typeface="+mn-lt"/>
               </a:rPr>
               <a:t>SHUPIAN</a:t>
@@ -713,9 +713,9 @@
                   <a:alpha val="50000"/>
                 </a:schemeClr>
               </a:solidFill>
-              <a:latin typeface="Arial" panose="020B0604020202090204" pitchFamily="34" charset="0"/>
+              <a:latin typeface="Arial" panose="020B0604020202020204" pitchFamily="34" charset="0"/>
               <a:ea typeface="字魂58号-创中黑" panose="00000500000000000000" charset="-122"/>
-              <a:cs typeface="Arial" panose="020B0604020202090204" pitchFamily="34" charset="0"/>
+              <a:cs typeface="Arial" panose="020B0604020202020204" pitchFamily="34" charset="0"/>
               <a:sym typeface="+mn-lt"/>
             </a:endParaRPr>
           </a:p>
@@ -738,9 +738,9 @@
                     <a:alpha val="50000"/>
                   </a:schemeClr>
                 </a:solidFill>
-                <a:latin typeface="Arial" panose="020B0604020202090204" pitchFamily="34" charset="0"/>
+                <a:latin typeface="Arial" panose="020B0604020202020204" pitchFamily="34" charset="0"/>
                 <a:ea typeface="字魂58号-创中黑" panose="00000500000000000000" charset="-122"/>
-                <a:cs typeface="Arial" panose="020B0604020202090204" pitchFamily="34" charset="0"/>
+                <a:cs typeface="Arial" panose="020B0604020202020204" pitchFamily="34" charset="0"/>
                 <a:sym typeface="+mn-lt"/>
               </a:rPr>
               <a:t>Copyright Shupian&amp;Dgg All Rights Reserved</a:t>
@@ -751,9 +751,9 @@
                   <a:alpha val="50000"/>
                 </a:schemeClr>
               </a:solidFill>
-              <a:latin typeface="Arial" panose="020B0604020202090204" pitchFamily="34" charset="0"/>
+              <a:latin typeface="Arial" panose="020B0604020202020204" pitchFamily="34" charset="0"/>
               <a:ea typeface="字魂58号-创中黑" panose="00000500000000000000" charset="-122"/>
-              <a:cs typeface="Arial" panose="020B0604020202090204" pitchFamily="34" charset="0"/>
+              <a:cs typeface="Arial" panose="020B0604020202020204" pitchFamily="34" charset="0"/>
               <a:sym typeface="+mn-lt"/>
             </a:endParaRPr>
           </a:p>
@@ -1423,9 +1423,9 @@
                       <a:alpha val="50000"/>
                     </a:schemeClr>
                   </a:solidFill>
-                  <a:latin typeface="Arial" panose="020B0604020202090204" pitchFamily="34" charset="0"/>
+                  <a:latin typeface="Arial" panose="020B0604020202020204" pitchFamily="34" charset="0"/>
                   <a:ea typeface="字魂58号-创中黑" panose="00000500000000000000" charset="-122"/>
-                  <a:cs typeface="Arial" panose="020B0604020202090204" pitchFamily="34" charset="0"/>
+                  <a:cs typeface="Arial" panose="020B0604020202020204" pitchFamily="34" charset="0"/>
                   <a:sym typeface="+mn-lt"/>
                 </a:rPr>
                 <a:t>SHUPIAN</a:t>
@@ -1438,9 +1438,9 @@
                     <a:alpha val="50000"/>
                   </a:schemeClr>
                 </a:solidFill>
-                <a:latin typeface="Arial" panose="020B0604020202090204" pitchFamily="34" charset="0"/>
+                <a:latin typeface="Arial" panose="020B0604020202020204" pitchFamily="34" charset="0"/>
                 <a:ea typeface="字魂58号-创中黑" panose="00000500000000000000" charset="-122"/>
-                <a:cs typeface="Arial" panose="020B0604020202090204" pitchFamily="34" charset="0"/>
+                <a:cs typeface="Arial" panose="020B0604020202020204" pitchFamily="34" charset="0"/>
                 <a:sym typeface="+mn-lt"/>
               </a:endParaRPr>
             </a:p>
@@ -1465,9 +1465,9 @@
                       <a:alpha val="50000"/>
                     </a:schemeClr>
                   </a:solidFill>
-                  <a:latin typeface="Arial" panose="020B0604020202090204" pitchFamily="34" charset="0"/>
+                  <a:latin typeface="Arial" panose="020B0604020202020204" pitchFamily="34" charset="0"/>
                   <a:ea typeface="字魂58号-创中黑" panose="00000500000000000000" charset="-122"/>
-                  <a:cs typeface="Arial" panose="020B0604020202090204" pitchFamily="34" charset="0"/>
+                  <a:cs typeface="Arial" panose="020B0604020202020204" pitchFamily="34" charset="0"/>
                   <a:sym typeface="+mn-lt"/>
                 </a:rPr>
                 <a:t>Copyright Shupian&amp;Dgg All Rights Reserved</a:t>
@@ -1480,9 +1480,9 @@
                     <a:alpha val="50000"/>
                   </a:schemeClr>
                 </a:solidFill>
-                <a:latin typeface="Arial" panose="020B0604020202090204" pitchFamily="34" charset="0"/>
+                <a:latin typeface="Arial" panose="020B0604020202020204" pitchFamily="34" charset="0"/>
                 <a:ea typeface="字魂58号-创中黑" panose="00000500000000000000" charset="-122"/>
-                <a:cs typeface="Arial" panose="020B0604020202090204" pitchFamily="34" charset="0"/>
+                <a:cs typeface="Arial" panose="020B0604020202020204" pitchFamily="34" charset="0"/>
                 <a:sym typeface="+mn-lt"/>
               </a:endParaRPr>
             </a:p>
@@ -1849,9 +1849,9 @@
                       <a:alpha val="50000"/>
                     </a:schemeClr>
                   </a:solidFill>
-                  <a:latin typeface="Arial" panose="020B0604020202090204" pitchFamily="34" charset="0"/>
+                  <a:latin typeface="Arial" panose="020B0604020202020204" pitchFamily="34" charset="0"/>
                   <a:ea typeface="字魂58号-创中黑" panose="00000500000000000000" charset="-122"/>
-                  <a:cs typeface="Arial" panose="020B0604020202090204" pitchFamily="34" charset="0"/>
+                  <a:cs typeface="Arial" panose="020B0604020202020204" pitchFamily="34" charset="0"/>
                   <a:sym typeface="+mn-lt"/>
                 </a:rPr>
                 <a:t>SHUPIAN</a:t>
@@ -1864,9 +1864,9 @@
                     <a:alpha val="50000"/>
                   </a:schemeClr>
                 </a:solidFill>
-                <a:latin typeface="Arial" panose="020B0604020202090204" pitchFamily="34" charset="0"/>
+                <a:latin typeface="Arial" panose="020B0604020202020204" pitchFamily="34" charset="0"/>
                 <a:ea typeface="字魂58号-创中黑" panose="00000500000000000000" charset="-122"/>
-                <a:cs typeface="Arial" panose="020B0604020202090204" pitchFamily="34" charset="0"/>
+                <a:cs typeface="Arial" panose="020B0604020202020204" pitchFamily="34" charset="0"/>
                 <a:sym typeface="+mn-lt"/>
               </a:endParaRPr>
             </a:p>
@@ -1891,9 +1891,9 @@
                       <a:alpha val="50000"/>
                     </a:schemeClr>
                   </a:solidFill>
-                  <a:latin typeface="Arial" panose="020B0604020202090204" pitchFamily="34" charset="0"/>
+                  <a:latin typeface="Arial" panose="020B0604020202020204" pitchFamily="34" charset="0"/>
                   <a:ea typeface="字魂58号-创中黑" panose="00000500000000000000" charset="-122"/>
-                  <a:cs typeface="Arial" panose="020B0604020202090204" pitchFamily="34" charset="0"/>
+                  <a:cs typeface="Arial" panose="020B0604020202020204" pitchFamily="34" charset="0"/>
                   <a:sym typeface="+mn-lt"/>
                 </a:rPr>
                 <a:t>Copyright Shupian&amp;Dgg All Rights Reserved</a:t>
@@ -1906,9 +1906,9 @@
                     <a:alpha val="50000"/>
                   </a:schemeClr>
                 </a:solidFill>
-                <a:latin typeface="Arial" panose="020B0604020202090204" pitchFamily="34" charset="0"/>
+                <a:latin typeface="Arial" panose="020B0604020202020204" pitchFamily="34" charset="0"/>
                 <a:ea typeface="字魂58号-创中黑" panose="00000500000000000000" charset="-122"/>
-                <a:cs typeface="Arial" panose="020B0604020202090204" pitchFamily="34" charset="0"/>
+                <a:cs typeface="Arial" panose="020B0604020202020204" pitchFamily="34" charset="0"/>
                 <a:sym typeface="+mn-lt"/>
               </a:endParaRPr>
             </a:p>
@@ -2481,9 +2481,9 @@
                       <a:alpha val="50000"/>
                     </a:schemeClr>
                   </a:solidFill>
-                  <a:latin typeface="Arial" panose="020B0604020202090204" pitchFamily="34" charset="0"/>
+                  <a:latin typeface="Arial" panose="020B0604020202020204" pitchFamily="34" charset="0"/>
                   <a:ea typeface="字魂58号-创中黑" panose="00000500000000000000" charset="-122"/>
-                  <a:cs typeface="Arial" panose="020B0604020202090204" pitchFamily="34" charset="0"/>
+                  <a:cs typeface="Arial" panose="020B0604020202020204" pitchFamily="34" charset="0"/>
                   <a:sym typeface="+mn-lt"/>
                 </a:rPr>
                 <a:t>SHUPIAN</a:t>
@@ -2496,9 +2496,9 @@
                     <a:alpha val="50000"/>
                   </a:schemeClr>
                 </a:solidFill>
-                <a:latin typeface="Arial" panose="020B0604020202090204" pitchFamily="34" charset="0"/>
+                <a:latin typeface="Arial" panose="020B0604020202020204" pitchFamily="34" charset="0"/>
                 <a:ea typeface="字魂58号-创中黑" panose="00000500000000000000" charset="-122"/>
-                <a:cs typeface="Arial" panose="020B0604020202090204" pitchFamily="34" charset="0"/>
+                <a:cs typeface="Arial" panose="020B0604020202020204" pitchFamily="34" charset="0"/>
                 <a:sym typeface="+mn-lt"/>
               </a:endParaRPr>
             </a:p>
@@ -2523,9 +2523,9 @@
                       <a:alpha val="50000"/>
                     </a:schemeClr>
                   </a:solidFill>
-                  <a:latin typeface="Arial" panose="020B0604020202090204" pitchFamily="34" charset="0"/>
+                  <a:latin typeface="Arial" panose="020B0604020202020204" pitchFamily="34" charset="0"/>
                   <a:ea typeface="字魂58号-创中黑" panose="00000500000000000000" charset="-122"/>
-                  <a:cs typeface="Arial" panose="020B0604020202090204" pitchFamily="34" charset="0"/>
+                  <a:cs typeface="Arial" panose="020B0604020202020204" pitchFamily="34" charset="0"/>
                   <a:sym typeface="+mn-lt"/>
                 </a:rPr>
                 <a:t>Copyright Shupian&amp;Dgg All Rights Reserved</a:t>
@@ -2538,9 +2538,9 @@
                     <a:alpha val="50000"/>
                   </a:schemeClr>
                 </a:solidFill>
-                <a:latin typeface="Arial" panose="020B0604020202090204" pitchFamily="34" charset="0"/>
+                <a:latin typeface="Arial" panose="020B0604020202020204" pitchFamily="34" charset="0"/>
                 <a:ea typeface="字魂58号-创中黑" panose="00000500000000000000" charset="-122"/>
-                <a:cs typeface="Arial" panose="020B0604020202090204" pitchFamily="34" charset="0"/>
+                <a:cs typeface="Arial" panose="020B0604020202020204" pitchFamily="34" charset="0"/>
                 <a:sym typeface="+mn-lt"/>
               </a:endParaRPr>
             </a:p>
@@ -2859,9 +2859,9 @@
                       <a:alpha val="50000"/>
                     </a:schemeClr>
                   </a:solidFill>
-                  <a:latin typeface="Arial" panose="020B0604020202090204" pitchFamily="34" charset="0"/>
+                  <a:latin typeface="Arial" panose="020B0604020202020204" pitchFamily="34" charset="0"/>
                   <a:ea typeface="字魂58号-创中黑" panose="00000500000000000000" charset="-122"/>
-                  <a:cs typeface="Arial" panose="020B0604020202090204" pitchFamily="34" charset="0"/>
+                  <a:cs typeface="Arial" panose="020B0604020202020204" pitchFamily="34" charset="0"/>
                   <a:sym typeface="+mn-lt"/>
                 </a:rPr>
                 <a:t>SHUPIAN</a:t>
@@ -2874,9 +2874,9 @@
                     <a:alpha val="50000"/>
                   </a:schemeClr>
                 </a:solidFill>
-                <a:latin typeface="Arial" panose="020B0604020202090204" pitchFamily="34" charset="0"/>
+                <a:latin typeface="Arial" panose="020B0604020202020204" pitchFamily="34" charset="0"/>
                 <a:ea typeface="字魂58号-创中黑" panose="00000500000000000000" charset="-122"/>
-                <a:cs typeface="Arial" panose="020B0604020202090204" pitchFamily="34" charset="0"/>
+                <a:cs typeface="Arial" panose="020B0604020202020204" pitchFamily="34" charset="0"/>
                 <a:sym typeface="+mn-lt"/>
               </a:endParaRPr>
             </a:p>
@@ -2901,9 +2901,9 @@
                       <a:alpha val="50000"/>
                     </a:schemeClr>
                   </a:solidFill>
-                  <a:latin typeface="Arial" panose="020B0604020202090204" pitchFamily="34" charset="0"/>
+                  <a:latin typeface="Arial" panose="020B0604020202020204" pitchFamily="34" charset="0"/>
                   <a:ea typeface="字魂58号-创中黑" panose="00000500000000000000" charset="-122"/>
-                  <a:cs typeface="Arial" panose="020B0604020202090204" pitchFamily="34" charset="0"/>
+                  <a:cs typeface="Arial" panose="020B0604020202020204" pitchFamily="34" charset="0"/>
                   <a:sym typeface="+mn-lt"/>
                 </a:rPr>
                 <a:t>Copyright Shupian&amp;Dgg All Rights Reserved</a:t>
@@ -2916,9 +2916,9 @@
                     <a:alpha val="50000"/>
                   </a:schemeClr>
                 </a:solidFill>
-                <a:latin typeface="Arial" panose="020B0604020202090204" pitchFamily="34" charset="0"/>
+                <a:latin typeface="Arial" panose="020B0604020202020204" pitchFamily="34" charset="0"/>
                 <a:ea typeface="字魂58号-创中黑" panose="00000500000000000000" charset="-122"/>
-                <a:cs typeface="Arial" panose="020B0604020202090204" pitchFamily="34" charset="0"/>
+                <a:cs typeface="Arial" panose="020B0604020202020204" pitchFamily="34" charset="0"/>
                 <a:sym typeface="+mn-lt"/>
               </a:endParaRPr>
             </a:p>
@@ -3427,9 +3427,9 @@
                     <a:alpha val="50000"/>
                   </a:schemeClr>
                 </a:solidFill>
-                <a:latin typeface="Arial" panose="020B0604020202090204" pitchFamily="34" charset="0"/>
+                <a:latin typeface="Arial" panose="020B0604020202020204" pitchFamily="34" charset="0"/>
                 <a:ea typeface="字魂58号-创中黑" panose="00000500000000000000" charset="-122"/>
-                <a:cs typeface="Arial" panose="020B0604020202090204" pitchFamily="34" charset="0"/>
+                <a:cs typeface="Arial" panose="020B0604020202020204" pitchFamily="34" charset="0"/>
                 <a:sym typeface="+mn-lt"/>
               </a:rPr>
               <a:t>SHUPIAN</a:t>
@@ -3440,9 +3440,9 @@
                   <a:alpha val="50000"/>
                 </a:schemeClr>
               </a:solidFill>
-              <a:latin typeface="Arial" panose="020B0604020202090204" pitchFamily="34" charset="0"/>
+              <a:latin typeface="Arial" panose="020B0604020202020204" pitchFamily="34" charset="0"/>
               <a:ea typeface="字魂58号-创中黑" panose="00000500000000000000" charset="-122"/>
-              <a:cs typeface="Arial" panose="020B0604020202090204" pitchFamily="34" charset="0"/>
+              <a:cs typeface="Arial" panose="020B0604020202020204" pitchFamily="34" charset="0"/>
               <a:sym typeface="+mn-lt"/>
             </a:endParaRPr>
           </a:p>
@@ -3465,9 +3465,9 @@
                     <a:alpha val="50000"/>
                   </a:schemeClr>
                 </a:solidFill>
-                <a:latin typeface="Arial" panose="020B0604020202090204" pitchFamily="34" charset="0"/>
+                <a:latin typeface="Arial" panose="020B0604020202020204" pitchFamily="34" charset="0"/>
                 <a:ea typeface="字魂58号-创中黑" panose="00000500000000000000" charset="-122"/>
-                <a:cs typeface="Arial" panose="020B0604020202090204" pitchFamily="34" charset="0"/>
+                <a:cs typeface="Arial" panose="020B0604020202020204" pitchFamily="34" charset="0"/>
                 <a:sym typeface="+mn-lt"/>
               </a:rPr>
               <a:t>Copyright Shupian&amp;Dgg All Rights Reserved</a:t>
@@ -3478,9 +3478,9 @@
                   <a:alpha val="50000"/>
                 </a:schemeClr>
               </a:solidFill>
-              <a:latin typeface="Arial" panose="020B0604020202090204" pitchFamily="34" charset="0"/>
+              <a:latin typeface="Arial" panose="020B0604020202020204" pitchFamily="34" charset="0"/>
               <a:ea typeface="字魂58号-创中黑" panose="00000500000000000000" charset="-122"/>
-              <a:cs typeface="Arial" panose="020B0604020202090204" pitchFamily="34" charset="0"/>
+              <a:cs typeface="Arial" panose="020B0604020202020204" pitchFamily="34" charset="0"/>
               <a:sym typeface="+mn-lt"/>
             </a:endParaRPr>
           </a:p>
@@ -4064,7 +4064,7 @@
         <a:spcBef>
           <a:spcPts val="1000"/>
         </a:spcBef>
-        <a:buFont typeface="Arial" panose="020B0604020202090204" pitchFamily="34" charset="0"/>
+        <a:buFont typeface="Arial" panose="020B0604020202020204" pitchFamily="34" charset="0"/>
         <a:buChar char="•"/>
         <a:defRPr sz="2800" kern="1200">
           <a:solidFill>
@@ -4082,7 +4082,7 @@
         <a:spcBef>
           <a:spcPts val="500"/>
         </a:spcBef>
-        <a:buFont typeface="Arial" panose="020B0604020202090204" pitchFamily="34" charset="0"/>
+        <a:buFont typeface="Arial" panose="020B0604020202020204" pitchFamily="34" charset="0"/>
         <a:buChar char="•"/>
         <a:defRPr sz="2400" kern="1200">
           <a:solidFill>
@@ -4100,7 +4100,7 @@
         <a:spcBef>
           <a:spcPts val="500"/>
         </a:spcBef>
-        <a:buFont typeface="Arial" panose="020B0604020202090204" pitchFamily="34" charset="0"/>
+        <a:buFont typeface="Arial" panose="020B0604020202020204" pitchFamily="34" charset="0"/>
         <a:buChar char="•"/>
         <a:defRPr sz="2000" kern="1200">
           <a:solidFill>
@@ -4118,7 +4118,7 @@
         <a:spcBef>
           <a:spcPts val="500"/>
         </a:spcBef>
-        <a:buFont typeface="Arial" panose="020B0604020202090204" pitchFamily="34" charset="0"/>
+        <a:buFont typeface="Arial" panose="020B0604020202020204" pitchFamily="34" charset="0"/>
         <a:buChar char="•"/>
         <a:defRPr sz="1800" kern="1200">
           <a:solidFill>
@@ -4136,7 +4136,7 @@
         <a:spcBef>
           <a:spcPts val="500"/>
         </a:spcBef>
-        <a:buFont typeface="Arial" panose="020B0604020202090204" pitchFamily="34" charset="0"/>
+        <a:buFont typeface="Arial" panose="020B0604020202020204" pitchFamily="34" charset="0"/>
         <a:buChar char="•"/>
         <a:defRPr sz="1800" kern="1200">
           <a:solidFill>
@@ -4154,7 +4154,7 @@
         <a:spcBef>
           <a:spcPts val="500"/>
         </a:spcBef>
-        <a:buFont typeface="Arial" panose="020B0604020202090204" pitchFamily="34" charset="0"/>
+        <a:buFont typeface="Arial" panose="020B0604020202020204" pitchFamily="34" charset="0"/>
         <a:buChar char="•"/>
         <a:defRPr sz="1800" kern="1200">
           <a:solidFill>
@@ -4172,7 +4172,7 @@
         <a:spcBef>
           <a:spcPts val="500"/>
         </a:spcBef>
-        <a:buFont typeface="Arial" panose="020B0604020202090204" pitchFamily="34" charset="0"/>
+        <a:buFont typeface="Arial" panose="020B0604020202020204" pitchFamily="34" charset="0"/>
         <a:buChar char="•"/>
         <a:defRPr sz="1800" kern="1200">
           <a:solidFill>
@@ -4190,7 +4190,7 @@
         <a:spcBef>
           <a:spcPts val="500"/>
         </a:spcBef>
-        <a:buFont typeface="Arial" panose="020B0604020202090204" pitchFamily="34" charset="0"/>
+        <a:buFont typeface="Arial" panose="020B0604020202020204" pitchFamily="34" charset="0"/>
         <a:buChar char="•"/>
         <a:defRPr sz="1800" kern="1200">
           <a:solidFill>
@@ -4208,7 +4208,7 @@
         <a:spcBef>
           <a:spcPts val="500"/>
         </a:spcBef>
-        <a:buFont typeface="Arial" panose="020B0604020202090204" pitchFamily="34" charset="0"/>
+        <a:buFont typeface="Arial" panose="020B0604020202020204" pitchFamily="34" charset="0"/>
         <a:buChar char="•"/>
         <a:defRPr sz="1800" kern="1200">
           <a:solidFill>
@@ -8779,6 +8779,43 @@
           </a:prstGeom>
         </p:spPr>
       </p:pic>
+      <p:sp>
+        <p:nvSpPr>
+          <p:cNvPr id="3" name="文本框 2"/>
+          <p:cNvSpPr txBox="1"/>
+          <p:nvPr/>
+        </p:nvSpPr>
+        <p:spPr>
+          <a:xfrm>
+            <a:off x="1743710" y="1760220"/>
+            <a:ext cx="1052830" cy="368300"/>
+          </a:xfrm>
+          <a:prstGeom prst="rect">
+            <a:avLst/>
+          </a:prstGeom>
+          <a:noFill/>
+        </p:spPr>
+        <p:txBody>
+          <a:bodyPr wrap="none" rtlCol="0">
+            <a:spAutoFit/>
+          </a:bodyPr>
+          <a:p>
+            <a:r>
+              <a:rPr lang="en-US" altLang="zh-CN">
+                <a:hlinkClick r:id="rId2" tooltip=""/>
+              </a:rPr>
+              <a:t>Wiki</a:t>
+            </a:r>
+            <a:r>
+              <a:rPr lang="zh-CN" altLang="en-US">
+                <a:hlinkClick r:id="rId2" tooltip=""/>
+              </a:rPr>
+              <a:t>地址</a:t>
+            </a:r>
+            <a:endParaRPr lang="zh-CN" altLang="en-US"/>
+          </a:p>
+        </p:txBody>
+      </p:sp>
     </p:spTree>
   </p:cSld>
   <p:clrMapOvr>
@@ -8940,8 +8977,8 @@
         </p:nvSpPr>
         <p:spPr>
           <a:xfrm>
-            <a:off x="2647385" y="2151291"/>
-            <a:ext cx="6897231" cy="347345"/>
+            <a:off x="1804035" y="2170430"/>
+            <a:ext cx="1501775" cy="347345"/>
           </a:xfrm>
           <a:prstGeom prst="rect">
             <a:avLst/>
@@ -8967,8 +9004,35 @@
                 <a:ea typeface="黑体" panose="02010609060101010101" charset="-122"/>
                 <a:cs typeface="黑体" panose="02010609060101010101" charset="-122"/>
                 <a:sym typeface="+mn-lt"/>
-              </a:rPr>
-              <a:t>内容</a:t>
+                <a:hlinkClick r:id="rId1" tooltip=""/>
+              </a:rPr>
+              <a:t>摘录</a:t>
+            </a:r>
+            <a:r>
+              <a:rPr lang="en-US" altLang="zh-CN" sz="1400" dirty="0">
+                <a:solidFill>
+                  <a:srgbClr val="323335"/>
+                </a:solidFill>
+                <a:latin typeface="黑体" panose="02010609060101010101" charset="-122"/>
+                <a:ea typeface="黑体" panose="02010609060101010101" charset="-122"/>
+                <a:cs typeface="黑体" panose="02010609060101010101" charset="-122"/>
+                <a:sym typeface="+mn-lt"/>
+                <a:hlinkClick r:id="rId1" tooltip=""/>
+              </a:rPr>
+              <a:t>Wiki</a:t>
+            </a:r>
+            <a:r>
+              <a:rPr lang="zh-CN" altLang="en-US" sz="1400" dirty="0">
+                <a:solidFill>
+                  <a:srgbClr val="323335"/>
+                </a:solidFill>
+                <a:latin typeface="黑体" panose="02010609060101010101" charset="-122"/>
+                <a:ea typeface="黑体" panose="02010609060101010101" charset="-122"/>
+                <a:cs typeface="黑体" panose="02010609060101010101" charset="-122"/>
+                <a:sym typeface="+mn-lt"/>
+                <a:hlinkClick r:id="rId1" tooltip=""/>
+              </a:rPr>
+              <a:t>地址</a:t>
             </a:r>
             <a:endParaRPr lang="zh-CN" altLang="en-US" sz="1400" dirty="0">
               <a:solidFill>
@@ -8982,6 +9046,34 @@
           </a:p>
         </p:txBody>
       </p:sp>
+      <p:pic>
+        <p:nvPicPr>
+          <p:cNvPr id="2" name="图片 1"/>
+          <p:cNvPicPr>
+            <a:picLocks noChangeAspect="1"/>
+          </p:cNvPicPr>
+          <p:nvPr>
+            <p:custDataLst>
+              <p:tags r:id="rId2"/>
+            </p:custDataLst>
+          </p:nvPr>
+        </p:nvPicPr>
+        <p:blipFill>
+          <a:blip r:embed="rId3"/>
+          <a:stretch>
+            <a:fillRect/>
+          </a:stretch>
+        </p:blipFill>
+        <p:spPr>
+          <a:xfrm>
+            <a:off x="4651375" y="2170430"/>
+            <a:ext cx="6435725" cy="3302635"/>
+          </a:xfrm>
+          <a:prstGeom prst="rect">
+            <a:avLst/>
+          </a:prstGeom>
+        </p:spPr>
+      </p:pic>
     </p:spTree>
   </p:cSld>
   <p:clrMapOvr>
@@ -9182,14 +9274,14 @@
       </p:sp>
       <p:sp>
         <p:nvSpPr>
-          <p:cNvPr id="6" name="文本框 5"/>
+          <p:cNvPr id="2" name="文本框 1"/>
           <p:cNvSpPr txBox="1"/>
           <p:nvPr/>
         </p:nvSpPr>
         <p:spPr>
           <a:xfrm>
-            <a:off x="2647385" y="2151291"/>
-            <a:ext cx="6897231" cy="347345"/>
+            <a:off x="1804035" y="2170430"/>
+            <a:ext cx="1501775" cy="347345"/>
           </a:xfrm>
           <a:prstGeom prst="rect">
             <a:avLst/>
@@ -9215,8 +9307,346 @@
                 <a:ea typeface="黑体" panose="02010609060101010101" charset="-122"/>
                 <a:cs typeface="黑体" panose="02010609060101010101" charset="-122"/>
                 <a:sym typeface="+mn-lt"/>
-              </a:rPr>
-              <a:t>内容</a:t>
+                <a:hlinkClick r:id="rId1"/>
+              </a:rPr>
+              <a:t>摘录</a:t>
+            </a:r>
+            <a:r>
+              <a:rPr lang="en-US" altLang="zh-CN" sz="1400" dirty="0">
+                <a:solidFill>
+                  <a:srgbClr val="323335"/>
+                </a:solidFill>
+                <a:latin typeface="黑体" panose="02010609060101010101" charset="-122"/>
+                <a:ea typeface="黑体" panose="02010609060101010101" charset="-122"/>
+                <a:cs typeface="黑体" panose="02010609060101010101" charset="-122"/>
+                <a:sym typeface="+mn-lt"/>
+                <a:hlinkClick r:id="rId1"/>
+              </a:rPr>
+              <a:t>Wiki</a:t>
+            </a:r>
+            <a:r>
+              <a:rPr lang="zh-CN" altLang="en-US" sz="1400" dirty="0">
+                <a:solidFill>
+                  <a:srgbClr val="323335"/>
+                </a:solidFill>
+                <a:latin typeface="黑体" panose="02010609060101010101" charset="-122"/>
+                <a:ea typeface="黑体" panose="02010609060101010101" charset="-122"/>
+                <a:cs typeface="黑体" panose="02010609060101010101" charset="-122"/>
+                <a:sym typeface="+mn-lt"/>
+                <a:hlinkClick r:id="rId1"/>
+              </a:rPr>
+              <a:t>地址</a:t>
+            </a:r>
+            <a:endParaRPr lang="zh-CN" altLang="en-US" sz="1400" dirty="0">
+              <a:solidFill>
+                <a:srgbClr val="323335"/>
+              </a:solidFill>
+              <a:latin typeface="黑体" panose="02010609060101010101" charset="-122"/>
+              <a:ea typeface="黑体" panose="02010609060101010101" charset="-122"/>
+              <a:cs typeface="黑体" panose="02010609060101010101" charset="-122"/>
+              <a:sym typeface="+mn-lt"/>
+            </a:endParaRPr>
+          </a:p>
+        </p:txBody>
+      </p:sp>
+      <p:pic>
+        <p:nvPicPr>
+          <p:cNvPr id="3" name="图片 2"/>
+          <p:cNvPicPr>
+            <a:picLocks noChangeAspect="1"/>
+          </p:cNvPicPr>
+          <p:nvPr/>
+        </p:nvPicPr>
+        <p:blipFill>
+          <a:blip r:embed="rId2"/>
+          <a:stretch>
+            <a:fillRect/>
+          </a:stretch>
+        </p:blipFill>
+        <p:spPr>
+          <a:xfrm>
+            <a:off x="4085590" y="2170430"/>
+            <a:ext cx="6292215" cy="3098165"/>
+          </a:xfrm>
+          <a:prstGeom prst="rect">
+            <a:avLst/>
+          </a:prstGeom>
+        </p:spPr>
+      </p:pic>
+    </p:spTree>
+  </p:cSld>
+  <p:clrMapOvr>
+    <a:masterClrMapping/>
+  </p:clrMapOvr>
+  <p:timing>
+    <p:tnLst>
+      <p:par>
+        <p:cTn id="1" dur="indefinite" restart="never" nodeType="tmRoot">
+          <p:childTnLst>
+            <p:seq concurrent="1" nextAc="seek">
+              <p:cTn id="2" dur="indefinite" nodeType="mainSeq">
+                <p:childTnLst>
+                  <p:par>
+                    <p:cTn id="3" fill="hold">
+                      <p:stCondLst>
+                        <p:cond delay="indefinite"/>
+                        <p:cond evt="onBegin" delay="0">
+                          <p:tn val="2"/>
+                        </p:cond>
+                      </p:stCondLst>
+                      <p:childTnLst>
+                        <p:par>
+                          <p:cTn id="4" fill="hold">
+                            <p:stCondLst>
+                              <p:cond delay="0"/>
+                            </p:stCondLst>
+                            <p:childTnLst>
+                              <p:par>
+                                <p:cTn id="5" presetID="4" presetClass="entr" presetSubtype="16" fill="hold" grpId="0" nodeType="withEffect">
+                                  <p:stCondLst>
+                                    <p:cond delay="0"/>
+                                  </p:stCondLst>
+                                  <p:childTnLst>
+                                    <p:set>
+                                      <p:cBhvr>
+                                        <p:cTn id="6" dur="1" fill="hold">
+                                          <p:stCondLst>
+                                            <p:cond delay="0"/>
+                                          </p:stCondLst>
+                                        </p:cTn>
+                                        <p:tgtEl>
+                                          <p:spTgt spid="7"/>
+                                        </p:tgtEl>
+                                        <p:attrNameLst>
+                                          <p:attrName>style.visibility</p:attrName>
+                                        </p:attrNameLst>
+                                      </p:cBhvr>
+                                      <p:to>
+                                        <p:strVal val="visible"/>
+                                      </p:to>
+                                    </p:set>
+                                    <p:animEffect transition="in" filter="box(in)">
+                                      <p:cBhvr>
+                                        <p:cTn id="7" dur="2000"/>
+                                        <p:tgtEl>
+                                          <p:spTgt spid="7"/>
+                                        </p:tgtEl>
+                                      </p:cBhvr>
+                                    </p:animEffect>
+                                  </p:childTnLst>
+                                </p:cTn>
+                              </p:par>
+                            </p:childTnLst>
+                          </p:cTn>
+                        </p:par>
+                        <p:par>
+                          <p:cTn id="8" fill="hold">
+                            <p:stCondLst>
+                              <p:cond delay="2000"/>
+                            </p:stCondLst>
+                            <p:childTnLst>
+                              <p:par>
+                                <p:cTn id="9" presetID="4" presetClass="entr" presetSubtype="16" fill="hold" grpId="0" nodeType="afterEffect">
+                                  <p:stCondLst>
+                                    <p:cond delay="0"/>
+                                  </p:stCondLst>
+                                  <p:childTnLst>
+                                    <p:set>
+                                      <p:cBhvr>
+                                        <p:cTn id="10" dur="1" fill="hold">
+                                          <p:stCondLst>
+                                            <p:cond delay="0"/>
+                                          </p:stCondLst>
+                                        </p:cTn>
+                                        <p:tgtEl>
+                                          <p:spTgt spid="2"/>
+                                        </p:tgtEl>
+                                        <p:attrNameLst>
+                                          <p:attrName>style.visibility</p:attrName>
+                                        </p:attrNameLst>
+                                      </p:cBhvr>
+                                      <p:to>
+                                        <p:strVal val="visible"/>
+                                      </p:to>
+                                    </p:set>
+                                    <p:animEffect transition="in" filter="box(in)">
+                                      <p:cBhvr>
+                                        <p:cTn id="11" dur="2000"/>
+                                        <p:tgtEl>
+                                          <p:spTgt spid="2"/>
+                                        </p:tgtEl>
+                                      </p:cBhvr>
+                                    </p:animEffect>
+                                  </p:childTnLst>
+                                </p:cTn>
+                              </p:par>
+                            </p:childTnLst>
+                          </p:cTn>
+                        </p:par>
+                      </p:childTnLst>
+                    </p:cTn>
+                  </p:par>
+                </p:childTnLst>
+              </p:cTn>
+              <p:prevCondLst>
+                <p:cond evt="onPrev" delay="0">
+                  <p:tgtEl>
+                    <p:sldTgt/>
+                  </p:tgtEl>
+                </p:cond>
+              </p:prevCondLst>
+              <p:nextCondLst>
+                <p:cond evt="onNext" delay="0">
+                  <p:tgtEl>
+                    <p:sldTgt/>
+                  </p:tgtEl>
+                </p:cond>
+              </p:nextCondLst>
+            </p:seq>
+          </p:childTnLst>
+        </p:cTn>
+      </p:par>
+    </p:tnLst>
+    <p:bldLst>
+      <p:bldP spid="7" grpId="0"/>
+      <p:bldP spid="2" grpId="0"/>
+    </p:bldLst>
+  </p:timing>
+</p:sld>
+</file>
+
+<file path=ppt/slides/slide8.xml><?xml version="1.0" encoding="utf-8"?>
+<p:sld xmlns:a="http://schemas.openxmlformats.org/drawingml/2006/main" xmlns:r="http://schemas.openxmlformats.org/officeDocument/2006/relationships" xmlns:p="http://schemas.openxmlformats.org/presentationml/2006/main">
+  <p:cSld>
+    <p:spTree>
+      <p:nvGrpSpPr>
+        <p:cNvPr id="1" name=""/>
+        <p:cNvGrpSpPr/>
+        <p:nvPr/>
+      </p:nvGrpSpPr>
+      <p:grpSpPr/>
+      <p:sp>
+        <p:nvSpPr>
+          <p:cNvPr id="7" name="文本框 6"/>
+          <p:cNvSpPr txBox="1"/>
+          <p:nvPr/>
+        </p:nvSpPr>
+        <p:spPr>
+          <a:xfrm>
+            <a:off x="3155950" y="1312545"/>
+            <a:ext cx="5878830" cy="645160"/>
+          </a:xfrm>
+          <a:prstGeom prst="rect">
+            <a:avLst/>
+          </a:prstGeom>
+          <a:noFill/>
+        </p:spPr>
+        <p:txBody>
+          <a:bodyPr wrap="square" rtlCol="0">
+            <a:spAutoFit/>
+          </a:bodyPr>
+          <a:p>
+            <a:pPr algn="ctr"/>
+            <a:r>
+              <a:rPr lang="en-US" altLang="zh-CN" sz="3600" b="1" dirty="0">
+                <a:solidFill>
+                  <a:srgbClr val="4669E3"/>
+                </a:solidFill>
+                <a:latin typeface="Microsoft YaHei Bold" panose="020B0703020204020201" charset="-122"/>
+                <a:ea typeface="Microsoft YaHei Bold" panose="020B0703020204020201" charset="-122"/>
+                <a:cs typeface="+mn-ea"/>
+                <a:sym typeface="+mn-lt"/>
+              </a:rPr>
+              <a:t>Android</a:t>
+            </a:r>
+            <a:r>
+              <a:rPr lang="zh-CN" altLang="en-US" sz="3600" b="1" dirty="0">
+                <a:solidFill>
+                  <a:srgbClr val="4669E3"/>
+                </a:solidFill>
+                <a:latin typeface="Microsoft YaHei Bold" panose="020B0703020204020201" charset="-122"/>
+                <a:ea typeface="Microsoft YaHei Bold" panose="020B0703020204020201" charset="-122"/>
+                <a:cs typeface="+mn-ea"/>
+                <a:sym typeface="+mn-lt"/>
+              </a:rPr>
+              <a:t>支持解码格式</a:t>
+            </a:r>
+            <a:endParaRPr lang="zh-CN" altLang="en-US" sz="3600" b="1" dirty="0">
+              <a:solidFill>
+                <a:srgbClr val="4669E3"/>
+              </a:solidFill>
+              <a:latin typeface="Microsoft YaHei Bold" panose="020B0703020204020201" charset="-122"/>
+              <a:ea typeface="Microsoft YaHei Bold" panose="020B0703020204020201" charset="-122"/>
+              <a:cs typeface="+mn-ea"/>
+              <a:sym typeface="+mn-lt"/>
+            </a:endParaRPr>
+          </a:p>
+        </p:txBody>
+      </p:sp>
+      <p:sp>
+        <p:nvSpPr>
+          <p:cNvPr id="2" name="文本框 1"/>
+          <p:cNvSpPr txBox="1"/>
+          <p:nvPr/>
+        </p:nvSpPr>
+        <p:spPr>
+          <a:xfrm>
+            <a:off x="1804035" y="2170430"/>
+            <a:ext cx="1501775" cy="347345"/>
+          </a:xfrm>
+          <a:prstGeom prst="rect">
+            <a:avLst/>
+          </a:prstGeom>
+          <a:noFill/>
+        </p:spPr>
+        <p:txBody>
+          <a:bodyPr wrap="square" rtlCol="0">
+            <a:spAutoFit/>
+          </a:bodyPr>
+          <a:p>
+            <a:pPr algn="l">
+              <a:lnSpc>
+                <a:spcPts val="2000"/>
+              </a:lnSpc>
+            </a:pPr>
+            <a:r>
+              <a:rPr lang="zh-CN" altLang="en-US" sz="1400" dirty="0">
+                <a:solidFill>
+                  <a:srgbClr val="323335"/>
+                </a:solidFill>
+                <a:latin typeface="黑体" panose="02010609060101010101" charset="-122"/>
+                <a:ea typeface="黑体" panose="02010609060101010101" charset="-122"/>
+                <a:cs typeface="黑体" panose="02010609060101010101" charset="-122"/>
+                <a:sym typeface="+mn-lt"/>
+                <a:hlinkClick r:id="rId1"/>
+              </a:rPr>
+              <a:t>摘录</a:t>
+            </a:r>
+            <a:r>
+              <a:rPr lang="en-US" altLang="zh-CN" sz="1400" dirty="0">
+                <a:solidFill>
+                  <a:srgbClr val="323335"/>
+                </a:solidFill>
+                <a:latin typeface="黑体" panose="02010609060101010101" charset="-122"/>
+                <a:ea typeface="黑体" panose="02010609060101010101" charset="-122"/>
+                <a:cs typeface="黑体" panose="02010609060101010101" charset="-122"/>
+                <a:sym typeface="+mn-lt"/>
+                <a:hlinkClick r:id="rId1"/>
+              </a:rPr>
+              <a:t>Wiki</a:t>
+            </a:r>
+            <a:r>
+              <a:rPr lang="zh-CN" altLang="en-US" sz="1400" dirty="0">
+                <a:solidFill>
+                  <a:srgbClr val="323335"/>
+                </a:solidFill>
+                <a:latin typeface="黑体" panose="02010609060101010101" charset="-122"/>
+                <a:ea typeface="黑体" panose="02010609060101010101" charset="-122"/>
+                <a:cs typeface="黑体" panose="02010609060101010101" charset="-122"/>
+                <a:sym typeface="+mn-lt"/>
+                <a:hlinkClick r:id="rId1"/>
+              </a:rPr>
+              <a:t>地址</a:t>
             </a:r>
             <a:endParaRPr lang="zh-CN" altLang="en-US" sz="1400" dirty="0">
               <a:solidFill>
@@ -9316,7 +9746,7 @@
                                           </p:stCondLst>
                                         </p:cTn>
                                         <p:tgtEl>
-                                          <p:spTgt spid="6"/>
+                                          <p:spTgt spid="2"/>
                                         </p:tgtEl>
                                         <p:attrNameLst>
                                           <p:attrName>style.visibility</p:attrName>
@@ -9330,7 +9760,7 @@
                                       <p:cBhvr>
                                         <p:cTn id="11" dur="2000"/>
                                         <p:tgtEl>
-                                          <p:spTgt spid="6"/>
+                                          <p:spTgt spid="2"/>
                                         </p:tgtEl>
                                       </p:cBhvr>
                                     </p:animEffect>
@@ -9366,267 +9796,7 @@
     </p:tnLst>
     <p:bldLst>
       <p:bldP spid="7" grpId="0"/>
-      <p:bldP spid="6" grpId="0"/>
-    </p:bldLst>
-  </p:timing>
-</p:sld>
-</file>
-
-<file path=ppt/slides/slide8.xml><?xml version="1.0" encoding="utf-8"?>
-<p:sld xmlns:a="http://schemas.openxmlformats.org/drawingml/2006/main" xmlns:r="http://schemas.openxmlformats.org/officeDocument/2006/relationships" xmlns:p="http://schemas.openxmlformats.org/presentationml/2006/main">
-  <p:cSld>
-    <p:spTree>
-      <p:nvGrpSpPr>
-        <p:cNvPr id="1" name=""/>
-        <p:cNvGrpSpPr/>
-        <p:nvPr/>
-      </p:nvGrpSpPr>
-      <p:grpSpPr/>
-      <p:sp>
-        <p:nvSpPr>
-          <p:cNvPr id="7" name="文本框 6"/>
-          <p:cNvSpPr txBox="1"/>
-          <p:nvPr/>
-        </p:nvSpPr>
-        <p:spPr>
-          <a:xfrm>
-            <a:off x="3155950" y="1312545"/>
-            <a:ext cx="5878830" cy="645160"/>
-          </a:xfrm>
-          <a:prstGeom prst="rect">
-            <a:avLst/>
-          </a:prstGeom>
-          <a:noFill/>
-        </p:spPr>
-        <p:txBody>
-          <a:bodyPr wrap="square" rtlCol="0">
-            <a:spAutoFit/>
-          </a:bodyPr>
-          <a:p>
-            <a:pPr algn="ctr"/>
-            <a:r>
-              <a:rPr lang="en-US" altLang="zh-CN" sz="3600" b="1" dirty="0">
-                <a:solidFill>
-                  <a:srgbClr val="4669E3"/>
-                </a:solidFill>
-                <a:latin typeface="Microsoft YaHei Bold" panose="020B0703020204020201" charset="-122"/>
-                <a:ea typeface="Microsoft YaHei Bold" panose="020B0703020204020201" charset="-122"/>
-                <a:cs typeface="+mn-ea"/>
-                <a:sym typeface="+mn-lt"/>
-              </a:rPr>
-              <a:t>Android</a:t>
-            </a:r>
-            <a:r>
-              <a:rPr lang="zh-CN" altLang="en-US" sz="3600" b="1" dirty="0">
-                <a:solidFill>
-                  <a:srgbClr val="4669E3"/>
-                </a:solidFill>
-                <a:latin typeface="Microsoft YaHei Bold" panose="020B0703020204020201" charset="-122"/>
-                <a:ea typeface="Microsoft YaHei Bold" panose="020B0703020204020201" charset="-122"/>
-                <a:cs typeface="+mn-ea"/>
-                <a:sym typeface="+mn-lt"/>
-              </a:rPr>
-              <a:t>支持解码格式</a:t>
-            </a:r>
-            <a:endParaRPr lang="zh-CN" altLang="en-US" sz="3600" b="1" dirty="0">
-              <a:solidFill>
-                <a:srgbClr val="4669E3"/>
-              </a:solidFill>
-              <a:latin typeface="Microsoft YaHei Bold" panose="020B0703020204020201" charset="-122"/>
-              <a:ea typeface="Microsoft YaHei Bold" panose="020B0703020204020201" charset="-122"/>
-              <a:cs typeface="+mn-ea"/>
-              <a:sym typeface="+mn-lt"/>
-            </a:endParaRPr>
-          </a:p>
-        </p:txBody>
-      </p:sp>
-      <p:sp>
-        <p:nvSpPr>
-          <p:cNvPr id="6" name="文本框 5"/>
-          <p:cNvSpPr txBox="1"/>
-          <p:nvPr/>
-        </p:nvSpPr>
-        <p:spPr>
-          <a:xfrm>
-            <a:off x="2647385" y="2151291"/>
-            <a:ext cx="6897231" cy="347345"/>
-          </a:xfrm>
-          <a:prstGeom prst="rect">
-            <a:avLst/>
-          </a:prstGeom>
-          <a:noFill/>
-        </p:spPr>
-        <p:txBody>
-          <a:bodyPr wrap="square" rtlCol="0">
-            <a:spAutoFit/>
-          </a:bodyPr>
-          <a:p>
-            <a:pPr algn="l">
-              <a:lnSpc>
-                <a:spcPts val="2000"/>
-              </a:lnSpc>
-            </a:pPr>
-            <a:r>
-              <a:rPr lang="zh-CN" altLang="en-US" sz="1400" dirty="0">
-                <a:solidFill>
-                  <a:srgbClr val="323335"/>
-                </a:solidFill>
-                <a:latin typeface="黑体" panose="02010609060101010101" charset="-122"/>
-                <a:ea typeface="黑体" panose="02010609060101010101" charset="-122"/>
-                <a:cs typeface="黑体" panose="02010609060101010101" charset="-122"/>
-                <a:sym typeface="+mn-lt"/>
-              </a:rPr>
-              <a:t>内容</a:t>
-            </a:r>
-            <a:endParaRPr lang="zh-CN" altLang="en-US" sz="1400" dirty="0">
-              <a:solidFill>
-                <a:srgbClr val="323335"/>
-              </a:solidFill>
-              <a:latin typeface="黑体" panose="02010609060101010101" charset="-122"/>
-              <a:ea typeface="黑体" panose="02010609060101010101" charset="-122"/>
-              <a:cs typeface="黑体" panose="02010609060101010101" charset="-122"/>
-              <a:sym typeface="+mn-lt"/>
-            </a:endParaRPr>
-          </a:p>
-        </p:txBody>
-      </p:sp>
-    </p:spTree>
-  </p:cSld>
-  <p:clrMapOvr>
-    <a:masterClrMapping/>
-  </p:clrMapOvr>
-  <p:timing>
-    <p:tnLst>
-      <p:par>
-        <p:cTn id="1" dur="indefinite" restart="never" nodeType="tmRoot">
-          <p:childTnLst>
-            <p:seq concurrent="1" nextAc="seek">
-              <p:cTn id="2" dur="indefinite" nodeType="mainSeq">
-                <p:childTnLst>
-                  <p:par>
-                    <p:cTn id="3" fill="hold">
-                      <p:stCondLst>
-                        <p:cond delay="indefinite"/>
-                        <p:cond evt="onBegin" delay="0">
-                          <p:tn val="2"/>
-                        </p:cond>
-                      </p:stCondLst>
-                      <p:childTnLst>
-                        <p:par>
-                          <p:cTn id="4" fill="hold">
-                            <p:stCondLst>
-                              <p:cond delay="0"/>
-                            </p:stCondLst>
-                            <p:childTnLst>
-                              <p:par>
-                                <p:cTn id="5" presetID="4" presetClass="entr" presetSubtype="16" fill="hold" grpId="0" nodeType="withEffect">
-                                  <p:stCondLst>
-                                    <p:cond delay="0"/>
-                                  </p:stCondLst>
-                                  <p:childTnLst>
-                                    <p:set>
-                                      <p:cBhvr>
-                                        <p:cTn id="6" dur="1" fill="hold">
-                                          <p:stCondLst>
-                                            <p:cond delay="0"/>
-                                          </p:stCondLst>
-                                        </p:cTn>
-                                        <p:tgtEl>
-                                          <p:spTgt spid="7"/>
-                                        </p:tgtEl>
-                                        <p:attrNameLst>
-                                          <p:attrName>style.visibility</p:attrName>
-                                        </p:attrNameLst>
-                                      </p:cBhvr>
-                                      <p:to>
-                                        <p:strVal val="visible"/>
-                                      </p:to>
-                                    </p:set>
-                                    <p:animEffect transition="in" filter="box(in)">
-                                      <p:cBhvr>
-                                        <p:cTn id="7" dur="2000"/>
-                                        <p:tgtEl>
-                                          <p:spTgt spid="7"/>
-                                        </p:tgtEl>
-                                      </p:cBhvr>
-                                    </p:animEffect>
-                                  </p:childTnLst>
-                                </p:cTn>
-                              </p:par>
-                            </p:childTnLst>
-                          </p:cTn>
-                        </p:par>
-                        <p:par>
-                          <p:cTn id="8" fill="hold">
-                            <p:stCondLst>
-                              <p:cond delay="2000"/>
-                            </p:stCondLst>
-                            <p:childTnLst>
-                              <p:par>
-                                <p:cTn id="9" presetID="4" presetClass="entr" presetSubtype="16" fill="hold" grpId="0" nodeType="afterEffect">
-                                  <p:stCondLst>
-                                    <p:cond delay="0"/>
-                                  </p:stCondLst>
-                                  <p:childTnLst>
-                                    <p:set>
-                                      <p:cBhvr>
-                                        <p:cTn id="10" dur="1" fill="hold">
-                                          <p:stCondLst>
-                                            <p:cond delay="0"/>
-                                          </p:stCondLst>
-                                        </p:cTn>
-                                        <p:tgtEl>
-                                          <p:spTgt spid="6"/>
-                                        </p:tgtEl>
-                                        <p:attrNameLst>
-                                          <p:attrName>style.visibility</p:attrName>
-                                        </p:attrNameLst>
-                                      </p:cBhvr>
-                                      <p:to>
-                                        <p:strVal val="visible"/>
-                                      </p:to>
-                                    </p:set>
-                                    <p:animEffect transition="in" filter="box(in)">
-                                      <p:cBhvr>
-                                        <p:cTn id="11" dur="2000"/>
-                                        <p:tgtEl>
-                                          <p:spTgt spid="6"/>
-                                        </p:tgtEl>
-                                      </p:cBhvr>
-                                    </p:animEffect>
-                                  </p:childTnLst>
-                                </p:cTn>
-                              </p:par>
-                            </p:childTnLst>
-                          </p:cTn>
-                        </p:par>
-                      </p:childTnLst>
-                    </p:cTn>
-                  </p:par>
-                </p:childTnLst>
-              </p:cTn>
-              <p:prevCondLst>
-                <p:cond evt="onPrev" delay="0">
-                  <p:tgtEl>
-                    <p:sldTgt/>
-                  </p:tgtEl>
-                </p:cond>
-              </p:prevCondLst>
-              <p:nextCondLst>
-                <p:cond evt="onNext" delay="0">
-                  <p:tgtEl>
-                    <p:sldTgt/>
-                  </p:tgtEl>
-                </p:cond>
-              </p:nextCondLst>
-            </p:seq>
-          </p:childTnLst>
-        </p:cTn>
-      </p:par>
-    </p:tnLst>
-    <p:bldLst>
-      <p:bldP spid="7" grpId="0"/>
-      <p:bldP spid="6" grpId="0"/>
+      <p:bldP spid="2" grpId="0"/>
     </p:bldLst>
   </p:timing>
 </p:sld>
@@ -10174,6 +10344,12 @@
 </file>
 
 <file path=ppt/tags/tag2.xml><?xml version="1.0" encoding="utf-8"?>
+<p:tagLst xmlns:p="http://schemas.openxmlformats.org/presentationml/2006/main">
+  <p:tag name="KSO_WM_UNIT_PLACING_PICTURE_USER_VIEWPORT" val="{&quot;height&quot;:4395,&quot;width&quot;:8565}"/>
+</p:tagLst>
+</file>
+
+<file path=ppt/tags/tag3.xml><?xml version="1.0" encoding="utf-8"?>
 <p:tagLst xmlns:p="http://schemas.openxmlformats.org/presentationml/2006/main">
   <p:tag name="COMMONDATA" val="eyJoZGlkIjoiNTE2YjUyNDI3NjI3MWIwYzFkMThmMzMwYWU0MGMzNTIifQ=="/>
 </p:tagLst>
